--- a/Report Template.pptx
+++ b/Report Template.pptx
@@ -4,8 +4,18 @@
   <p:sldMasterIdLst>
     <p:sldMasterId id="2147483672" r:id="rId1"/>
   </p:sldMasterIdLst>
+  <p:notesMasterIdLst>
+    <p:notesMasterId r:id="rId10"/>
+  </p:notesMasterIdLst>
   <p:sldIdLst>
-    <p:sldId id="256" r:id="rId2"/>
+    <p:sldId id="257" r:id="rId2"/>
+    <p:sldId id="266" r:id="rId3"/>
+    <p:sldId id="261" r:id="rId4"/>
+    <p:sldId id="262" r:id="rId5"/>
+    <p:sldId id="263" r:id="rId6"/>
+    <p:sldId id="264" r:id="rId7"/>
+    <p:sldId id="265" r:id="rId8"/>
+    <p:sldId id="256" r:id="rId9"/>
   </p:sldIdLst>
   <p:sldSz cx="9144000" cy="6858000" type="screen4x3"/>
   <p:notesSz cx="6858000" cy="9144000"/>
@@ -257,12 +267,361 @@
 </p:presentation>
 </file>
 
+<file path=ppt/notesMasters/notesMaster1.xml><?xml version="1.0" encoding="utf-8"?>
+<p:notesMaster xmlns:a="http://schemas.openxmlformats.org/drawingml/2006/main" xmlns:r="http://schemas.openxmlformats.org/officeDocument/2006/relationships" xmlns:p="http://schemas.openxmlformats.org/presentationml/2006/main">
+  <p:cSld>
+    <p:bg>
+      <p:bgRef idx="1001">
+        <a:schemeClr val="bg1"/>
+      </p:bgRef>
+    </p:bg>
+    <p:spTree>
+      <p:nvGrpSpPr>
+        <p:cNvPr id="1" name=""/>
+        <p:cNvGrpSpPr/>
+        <p:nvPr/>
+      </p:nvGrpSpPr>
+      <p:grpSpPr>
+        <a:xfrm>
+          <a:off x="0" y="0"/>
+          <a:ext cx="0" cy="0"/>
+          <a:chOff x="0" y="0"/>
+          <a:chExt cx="0" cy="0"/>
+        </a:xfrm>
+      </p:grpSpPr>
+      <p:sp>
+        <p:nvSpPr>
+          <p:cNvPr id="2" name="Header Placeholder 1"/>
+          <p:cNvSpPr>
+            <a:spLocks noGrp="1"/>
+          </p:cNvSpPr>
+          <p:nvPr>
+            <p:ph type="hdr" sz="quarter"/>
+          </p:nvPr>
+        </p:nvSpPr>
+        <p:spPr>
+          <a:xfrm>
+            <a:off x="0" y="0"/>
+            <a:ext cx="2971800" cy="458788"/>
+          </a:xfrm>
+          <a:prstGeom prst="rect">
+            <a:avLst/>
+          </a:prstGeom>
+        </p:spPr>
+        <p:txBody>
+          <a:bodyPr vert="horz" lIns="91440" tIns="45720" rIns="91440" bIns="45720" rtlCol="0"/>
+          <a:lstStyle>
+            <a:lvl1pPr algn="l">
+              <a:defRPr sz="1200"/>
+            </a:lvl1pPr>
+          </a:lstStyle>
+          <a:p>
+            <a:endParaRPr lang="en-US"/>
+          </a:p>
+        </p:txBody>
+      </p:sp>
+      <p:sp>
+        <p:nvSpPr>
+          <p:cNvPr id="3" name="Date Placeholder 2"/>
+          <p:cNvSpPr>
+            <a:spLocks noGrp="1"/>
+          </p:cNvSpPr>
+          <p:nvPr>
+            <p:ph type="dt" idx="1"/>
+          </p:nvPr>
+        </p:nvSpPr>
+        <p:spPr>
+          <a:xfrm>
+            <a:off x="3884613" y="0"/>
+            <a:ext cx="2971800" cy="458788"/>
+          </a:xfrm>
+          <a:prstGeom prst="rect">
+            <a:avLst/>
+          </a:prstGeom>
+        </p:spPr>
+        <p:txBody>
+          <a:bodyPr vert="horz" lIns="91440" tIns="45720" rIns="91440" bIns="45720" rtlCol="0"/>
+          <a:lstStyle>
+            <a:lvl1pPr algn="r">
+              <a:defRPr sz="1200"/>
+            </a:lvl1pPr>
+          </a:lstStyle>
+          <a:p>
+            <a:fld id="{9D5410A8-943D-474B-9433-55C219E3AE2B}" type="datetimeFigureOut">
+              <a:rPr lang="en-US" smtClean="0"/>
+              <a:t>5/28/2022</a:t>
+            </a:fld>
+            <a:endParaRPr lang="en-US"/>
+          </a:p>
+        </p:txBody>
+      </p:sp>
+      <p:sp>
+        <p:nvSpPr>
+          <p:cNvPr id="4" name="Slide Image Placeholder 3"/>
+          <p:cNvSpPr>
+            <a:spLocks noGrp="1" noRot="1" noChangeAspect="1"/>
+          </p:cNvSpPr>
+          <p:nvPr>
+            <p:ph type="sldImg" idx="2"/>
+          </p:nvPr>
+        </p:nvSpPr>
+        <p:spPr>
+          <a:xfrm>
+            <a:off x="1371600" y="1143000"/>
+            <a:ext cx="4114800" cy="3086100"/>
+          </a:xfrm>
+          <a:prstGeom prst="rect">
+            <a:avLst/>
+          </a:prstGeom>
+          <a:noFill/>
+          <a:ln w="12700">
+            <a:solidFill>
+              <a:prstClr val="black"/>
+            </a:solidFill>
+          </a:ln>
+        </p:spPr>
+        <p:txBody>
+          <a:bodyPr vert="horz" lIns="91440" tIns="45720" rIns="91440" bIns="45720" rtlCol="0" anchor="ctr"/>
+          <a:lstStyle/>
+          <a:p>
+            <a:endParaRPr lang="en-US"/>
+          </a:p>
+        </p:txBody>
+      </p:sp>
+      <p:sp>
+        <p:nvSpPr>
+          <p:cNvPr id="5" name="Notes Placeholder 4"/>
+          <p:cNvSpPr>
+            <a:spLocks noGrp="1"/>
+          </p:cNvSpPr>
+          <p:nvPr>
+            <p:ph type="body" sz="quarter" idx="3"/>
+          </p:nvPr>
+        </p:nvSpPr>
+        <p:spPr>
+          <a:xfrm>
+            <a:off x="685800" y="4400550"/>
+            <a:ext cx="5486400" cy="3600450"/>
+          </a:xfrm>
+          <a:prstGeom prst="rect">
+            <a:avLst/>
+          </a:prstGeom>
+        </p:spPr>
+        <p:txBody>
+          <a:bodyPr vert="horz" lIns="91440" tIns="45720" rIns="91440" bIns="45720" rtlCol="0"/>
+          <a:lstStyle/>
+          <a:p>
+            <a:pPr lvl="0"/>
+            <a:r>
+              <a:rPr lang="en-US"/>
+              <a:t>Click to edit Master text styles</a:t>
+            </a:r>
+          </a:p>
+          <a:p>
+            <a:pPr lvl="1"/>
+            <a:r>
+              <a:rPr lang="en-US"/>
+              <a:t>Second level</a:t>
+            </a:r>
+          </a:p>
+          <a:p>
+            <a:pPr lvl="2"/>
+            <a:r>
+              <a:rPr lang="en-US"/>
+              <a:t>Third level</a:t>
+            </a:r>
+          </a:p>
+          <a:p>
+            <a:pPr lvl="3"/>
+            <a:r>
+              <a:rPr lang="en-US"/>
+              <a:t>Fourth level</a:t>
+            </a:r>
+          </a:p>
+          <a:p>
+            <a:pPr lvl="4"/>
+            <a:r>
+              <a:rPr lang="en-US"/>
+              <a:t>Fifth level</a:t>
+            </a:r>
+          </a:p>
+        </p:txBody>
+      </p:sp>
+      <p:sp>
+        <p:nvSpPr>
+          <p:cNvPr id="6" name="Footer Placeholder 5"/>
+          <p:cNvSpPr>
+            <a:spLocks noGrp="1"/>
+          </p:cNvSpPr>
+          <p:nvPr>
+            <p:ph type="ftr" sz="quarter" idx="4"/>
+          </p:nvPr>
+        </p:nvSpPr>
+        <p:spPr>
+          <a:xfrm>
+            <a:off x="0" y="8685213"/>
+            <a:ext cx="2971800" cy="458787"/>
+          </a:xfrm>
+          <a:prstGeom prst="rect">
+            <a:avLst/>
+          </a:prstGeom>
+        </p:spPr>
+        <p:txBody>
+          <a:bodyPr vert="horz" lIns="91440" tIns="45720" rIns="91440" bIns="45720" rtlCol="0" anchor="b"/>
+          <a:lstStyle>
+            <a:lvl1pPr algn="l">
+              <a:defRPr sz="1200"/>
+            </a:lvl1pPr>
+          </a:lstStyle>
+          <a:p>
+            <a:endParaRPr lang="en-US"/>
+          </a:p>
+        </p:txBody>
+      </p:sp>
+      <p:sp>
+        <p:nvSpPr>
+          <p:cNvPr id="7" name="Slide Number Placeholder 6"/>
+          <p:cNvSpPr>
+            <a:spLocks noGrp="1"/>
+          </p:cNvSpPr>
+          <p:nvPr>
+            <p:ph type="sldNum" sz="quarter" idx="5"/>
+          </p:nvPr>
+        </p:nvSpPr>
+        <p:spPr>
+          <a:xfrm>
+            <a:off x="3884613" y="8685213"/>
+            <a:ext cx="2971800" cy="458787"/>
+          </a:xfrm>
+          <a:prstGeom prst="rect">
+            <a:avLst/>
+          </a:prstGeom>
+        </p:spPr>
+        <p:txBody>
+          <a:bodyPr vert="horz" lIns="91440" tIns="45720" rIns="91440" bIns="45720" rtlCol="0" anchor="b"/>
+          <a:lstStyle>
+            <a:lvl1pPr algn="r">
+              <a:defRPr sz="1200"/>
+            </a:lvl1pPr>
+          </a:lstStyle>
+          <a:p>
+            <a:fld id="{17FAF6B6-BFC0-439C-BBAE-204AD9C85256}" type="slidenum">
+              <a:rPr lang="en-US" smtClean="0"/>
+              <a:t>‹#›</a:t>
+            </a:fld>
+            <a:endParaRPr lang="en-US"/>
+          </a:p>
+        </p:txBody>
+      </p:sp>
+    </p:spTree>
+    <p:extLst>
+      <p:ext uri="{BB962C8B-B14F-4D97-AF65-F5344CB8AC3E}">
+        <p14:creationId xmlns:p14="http://schemas.microsoft.com/office/powerpoint/2010/main" val="733313059"/>
+      </p:ext>
+    </p:extLst>
+  </p:cSld>
+  <p:clrMap bg1="lt1" tx1="dk1" bg2="lt2" tx2="dk2" accent1="accent1" accent2="accent2" accent3="accent3" accent4="accent4" accent5="accent5" accent6="accent6" hlink="hlink" folHlink="folHlink"/>
+  <p:notesStyle>
+    <a:lvl1pPr marL="0" algn="l" defTabSz="914400" rtl="0" eaLnBrk="1" latinLnBrk="0" hangingPunct="1">
+      <a:defRPr sz="1200" kern="1200">
+        <a:solidFill>
+          <a:schemeClr val="tx1"/>
+        </a:solidFill>
+        <a:latin typeface="+mn-lt"/>
+        <a:ea typeface="+mn-ea"/>
+        <a:cs typeface="+mn-cs"/>
+      </a:defRPr>
+    </a:lvl1pPr>
+    <a:lvl2pPr marL="457200" algn="l" defTabSz="914400" rtl="0" eaLnBrk="1" latinLnBrk="0" hangingPunct="1">
+      <a:defRPr sz="1200" kern="1200">
+        <a:solidFill>
+          <a:schemeClr val="tx1"/>
+        </a:solidFill>
+        <a:latin typeface="+mn-lt"/>
+        <a:ea typeface="+mn-ea"/>
+        <a:cs typeface="+mn-cs"/>
+      </a:defRPr>
+    </a:lvl2pPr>
+    <a:lvl3pPr marL="914400" algn="l" defTabSz="914400" rtl="0" eaLnBrk="1" latinLnBrk="0" hangingPunct="1">
+      <a:defRPr sz="1200" kern="1200">
+        <a:solidFill>
+          <a:schemeClr val="tx1"/>
+        </a:solidFill>
+        <a:latin typeface="+mn-lt"/>
+        <a:ea typeface="+mn-ea"/>
+        <a:cs typeface="+mn-cs"/>
+      </a:defRPr>
+    </a:lvl3pPr>
+    <a:lvl4pPr marL="1371600" algn="l" defTabSz="914400" rtl="0" eaLnBrk="1" latinLnBrk="0" hangingPunct="1">
+      <a:defRPr sz="1200" kern="1200">
+        <a:solidFill>
+          <a:schemeClr val="tx1"/>
+        </a:solidFill>
+        <a:latin typeface="+mn-lt"/>
+        <a:ea typeface="+mn-ea"/>
+        <a:cs typeface="+mn-cs"/>
+      </a:defRPr>
+    </a:lvl4pPr>
+    <a:lvl5pPr marL="1828800" algn="l" defTabSz="914400" rtl="0" eaLnBrk="1" latinLnBrk="0" hangingPunct="1">
+      <a:defRPr sz="1200" kern="1200">
+        <a:solidFill>
+          <a:schemeClr val="tx1"/>
+        </a:solidFill>
+        <a:latin typeface="+mn-lt"/>
+        <a:ea typeface="+mn-ea"/>
+        <a:cs typeface="+mn-cs"/>
+      </a:defRPr>
+    </a:lvl5pPr>
+    <a:lvl6pPr marL="2286000" algn="l" defTabSz="914400" rtl="0" eaLnBrk="1" latinLnBrk="0" hangingPunct="1">
+      <a:defRPr sz="1200" kern="1200">
+        <a:solidFill>
+          <a:schemeClr val="tx1"/>
+        </a:solidFill>
+        <a:latin typeface="+mn-lt"/>
+        <a:ea typeface="+mn-ea"/>
+        <a:cs typeface="+mn-cs"/>
+      </a:defRPr>
+    </a:lvl6pPr>
+    <a:lvl7pPr marL="2743200" algn="l" defTabSz="914400" rtl="0" eaLnBrk="1" latinLnBrk="0" hangingPunct="1">
+      <a:defRPr sz="1200" kern="1200">
+        <a:solidFill>
+          <a:schemeClr val="tx1"/>
+        </a:solidFill>
+        <a:latin typeface="+mn-lt"/>
+        <a:ea typeface="+mn-ea"/>
+        <a:cs typeface="+mn-cs"/>
+      </a:defRPr>
+    </a:lvl7pPr>
+    <a:lvl8pPr marL="3200400" algn="l" defTabSz="914400" rtl="0" eaLnBrk="1" latinLnBrk="0" hangingPunct="1">
+      <a:defRPr sz="1200" kern="1200">
+        <a:solidFill>
+          <a:schemeClr val="tx1"/>
+        </a:solidFill>
+        <a:latin typeface="+mn-lt"/>
+        <a:ea typeface="+mn-ea"/>
+        <a:cs typeface="+mn-cs"/>
+      </a:defRPr>
+    </a:lvl8pPr>
+    <a:lvl9pPr marL="3657600" algn="l" defTabSz="914400" rtl="0" eaLnBrk="1" latinLnBrk="0" hangingPunct="1">
+      <a:defRPr sz="1200" kern="1200">
+        <a:solidFill>
+          <a:schemeClr val="tx1"/>
+        </a:solidFill>
+        <a:latin typeface="+mn-lt"/>
+        <a:ea typeface="+mn-ea"/>
+        <a:cs typeface="+mn-cs"/>
+      </a:defRPr>
+    </a:lvl9pPr>
+  </p:notesStyle>
+</p:notesMaster>
+</file>
+
 <file path=ppt/slideLayouts/slideLayout1.xml><?xml version="1.0" encoding="utf-8"?>
 <p:sldLayout xmlns:a="http://schemas.openxmlformats.org/drawingml/2006/main" xmlns:r="http://schemas.openxmlformats.org/officeDocument/2006/relationships" xmlns:p="http://schemas.openxmlformats.org/presentationml/2006/main" matchingName="Title Slide" userDrawn="1">
   <p:cSld name="Title Slide">
     <p:bg>
       <p:bgPr>
-        <a:pattFill prst="pct5">
+        <a:pattFill prst="dotGrid">
           <a:fgClr>
             <a:schemeClr val="bg1">
               <a:lumMod val="65000"/>
@@ -865,6 +1224,373 @@
 </file>
 
 <file path=ppt/slideLayouts/slideLayout10.xml><?xml version="1.0" encoding="utf-8"?>
+<p:sldLayout xmlns:a="http://schemas.openxmlformats.org/drawingml/2006/main" xmlns:r="http://schemas.openxmlformats.org/officeDocument/2006/relationships" xmlns:p="http://schemas.openxmlformats.org/presentationml/2006/main" preserve="1">
+  <p:cSld name="1_Custom Layout">
+    <p:spTree>
+      <p:nvGrpSpPr>
+        <p:cNvPr id="1" name=""/>
+        <p:cNvGrpSpPr/>
+        <p:nvPr/>
+      </p:nvGrpSpPr>
+      <p:grpSpPr>
+        <a:xfrm>
+          <a:off x="0" y="0"/>
+          <a:ext cx="0" cy="0"/>
+          <a:chOff x="0" y="0"/>
+          <a:chExt cx="0" cy="0"/>
+        </a:xfrm>
+      </p:grpSpPr>
+      <p:sp>
+        <p:nvSpPr>
+          <p:cNvPr id="3" name="Footer Placeholder 2">
+            <a:extLst>
+              <a:ext uri="{FF2B5EF4-FFF2-40B4-BE49-F238E27FC236}">
+                <a16:creationId xmlns:a16="http://schemas.microsoft.com/office/drawing/2014/main" id="{CDA45E95-5B0E-4D97-80F5-F73B863619FB}"/>
+              </a:ext>
+            </a:extLst>
+          </p:cNvPr>
+          <p:cNvSpPr>
+            <a:spLocks noGrp="1"/>
+          </p:cNvSpPr>
+          <p:nvPr>
+            <p:ph type="ftr" idx="10"/>
+          </p:nvPr>
+        </p:nvSpPr>
+        <p:spPr/>
+        <p:txBody>
+          <a:bodyPr/>
+          <a:lstStyle>
+            <a:lvl1pPr>
+              <a:defRPr>
+                <a:solidFill>
+                  <a:srgbClr val="FFC000"/>
+                </a:solidFill>
+              </a:defRPr>
+            </a:lvl1pPr>
+          </a:lstStyle>
+          <a:p>
+            <a:r>
+              <a:rPr lang="en-US"/>
+              <a:t>Physics 301:  Advanced Signal and Image Processing</a:t>
+            </a:r>
+          </a:p>
+        </p:txBody>
+      </p:sp>
+      <p:sp>
+        <p:nvSpPr>
+          <p:cNvPr id="4" name="Slide Number Placeholder 3">
+            <a:extLst>
+              <a:ext uri="{FF2B5EF4-FFF2-40B4-BE49-F238E27FC236}">
+                <a16:creationId xmlns:a16="http://schemas.microsoft.com/office/drawing/2014/main" id="{1ECB3D29-1F81-41AB-B449-95FED47C1281}"/>
+              </a:ext>
+            </a:extLst>
+          </p:cNvPr>
+          <p:cNvSpPr>
+            <a:spLocks noGrp="1"/>
+          </p:cNvSpPr>
+          <p:nvPr>
+            <p:ph type="sldNum" idx="11"/>
+          </p:nvPr>
+        </p:nvSpPr>
+        <p:spPr/>
+        <p:txBody>
+          <a:bodyPr/>
+          <a:lstStyle/>
+          <a:p>
+            <a:fld id="{0223BEE4-7172-435F-BED8-F7D7E8D3404B}" type="slidenum">
+              <a:rPr lang="en-US" smtClean="0"/>
+              <a:t>‹#›</a:t>
+            </a:fld>
+            <a:endParaRPr lang="en-US"/>
+          </a:p>
+        </p:txBody>
+      </p:sp>
+      <p:grpSp>
+        <p:nvGrpSpPr>
+          <p:cNvPr id="5" name="Group 4">
+            <a:extLst>
+              <a:ext uri="{FF2B5EF4-FFF2-40B4-BE49-F238E27FC236}">
+                <a16:creationId xmlns:a16="http://schemas.microsoft.com/office/drawing/2014/main" id="{1EC6602D-0523-4A83-A12A-C97A9E225D7F}"/>
+              </a:ext>
+            </a:extLst>
+          </p:cNvPr>
+          <p:cNvGrpSpPr/>
+          <p:nvPr/>
+        </p:nvGrpSpPr>
+        <p:grpSpPr>
+          <a:xfrm>
+            <a:off x="444500" y="408980"/>
+            <a:ext cx="2753437" cy="638648"/>
+            <a:chOff x="610335" y="1953839"/>
+            <a:chExt cx="2753437" cy="638648"/>
+          </a:xfrm>
+        </p:grpSpPr>
+        <p:sp>
+          <p:nvSpPr>
+            <p:cNvPr id="6" name="Google Shape;127;p2">
+              <a:extLst>
+                <a:ext uri="{FF2B5EF4-FFF2-40B4-BE49-F238E27FC236}">
+                  <a16:creationId xmlns:a16="http://schemas.microsoft.com/office/drawing/2014/main" id="{CA4EDDFF-62D2-4F23-B5E1-C6CDB65CDB08}"/>
+                </a:ext>
+              </a:extLst>
+            </p:cNvPr>
+            <p:cNvSpPr/>
+            <p:nvPr/>
+          </p:nvSpPr>
+          <p:spPr>
+            <a:xfrm>
+              <a:off x="785191" y="1953839"/>
+              <a:ext cx="2578581" cy="439606"/>
+            </a:xfrm>
+            <a:prstGeom prst="roundRect">
+              <a:avLst>
+                <a:gd name="adj" fmla="val 50000"/>
+              </a:avLst>
+            </a:prstGeom>
+            <a:solidFill>
+              <a:srgbClr val="FFC000"/>
+            </a:solidFill>
+            <a:ln>
+              <a:noFill/>
+            </a:ln>
+          </p:spPr>
+          <p:txBody>
+            <a:bodyPr spcFirstLastPara="1" wrap="square" lIns="91425" tIns="45700" rIns="91425" bIns="45700" anchor="ctr" anchorCtr="0">
+              <a:noAutofit/>
+            </a:bodyPr>
+            <a:lstStyle/>
+            <a:p>
+              <a:pPr marL="0" marR="0" lvl="0" indent="0" algn="ctr" rtl="0">
+                <a:spcBef>
+                  <a:spcPts val="0"/>
+                </a:spcBef>
+                <a:spcAft>
+                  <a:spcPts val="0"/>
+                </a:spcAft>
+                <a:buClr>
+                  <a:schemeClr val="lt1"/>
+                </a:buClr>
+                <a:buSzPts val="2800"/>
+                <a:buFont typeface="Helvetica Neue"/>
+                <a:buNone/>
+              </a:pPr>
+              <a:r>
+                <a:rPr lang="en-US" sz="2000" b="1" spc="600" dirty="0">
+                  <a:solidFill>
+                    <a:schemeClr val="tx1">
+                      <a:lumMod val="75000"/>
+                      <a:lumOff val="25000"/>
+                    </a:schemeClr>
+                  </a:solidFill>
+                  <a:latin typeface="Helvetica" panose="020B0604020202020204" pitchFamily="34" charset="0"/>
+                  <a:ea typeface="Helvetica Neue"/>
+                  <a:cs typeface="Helvetica" panose="020B0604020202020204" pitchFamily="34" charset="0"/>
+                  <a:sym typeface="Helvetica Neue"/>
+                </a:rPr>
+                <a:t>  EXAMPLE</a:t>
+              </a:r>
+              <a:endParaRPr lang="en-US" b="1" spc="600" dirty="0">
+                <a:solidFill>
+                  <a:schemeClr val="tx1">
+                    <a:lumMod val="75000"/>
+                    <a:lumOff val="25000"/>
+                  </a:schemeClr>
+                </a:solidFill>
+                <a:latin typeface="Helvetica" panose="020B0604020202020204" pitchFamily="34" charset="0"/>
+                <a:ea typeface="Calibri"/>
+                <a:cs typeface="Helvetica" panose="020B0604020202020204" pitchFamily="34" charset="0"/>
+                <a:sym typeface="Calibri"/>
+              </a:endParaRPr>
+            </a:p>
+          </p:txBody>
+        </p:sp>
+        <p:pic>
+          <p:nvPicPr>
+            <p:cNvPr id="7" name="Graphic 6" descr="Lightbulb and pencil with solid fill">
+              <a:extLst>
+                <a:ext uri="{FF2B5EF4-FFF2-40B4-BE49-F238E27FC236}">
+                  <a16:creationId xmlns:a16="http://schemas.microsoft.com/office/drawing/2014/main" id="{B92E68F4-3826-4513-B8A4-526CA9139198}"/>
+                </a:ext>
+              </a:extLst>
+            </p:cNvPr>
+            <p:cNvPicPr>
+              <a:picLocks noChangeAspect="1"/>
+            </p:cNvPicPr>
+            <p:nvPr/>
+          </p:nvPicPr>
+          <p:blipFill>
+            <a:blip r:embed="rId2">
+              <a:extLst>
+                <a:ext uri="{96DAC541-7B7A-43D3-8B79-37D633B846F1}">
+                  <asvg:svgBlip xmlns:asvg="http://schemas.microsoft.com/office/drawing/2016/SVG/main" r:embed="rId3"/>
+                </a:ext>
+              </a:extLst>
+            </a:blip>
+            <a:stretch>
+              <a:fillRect/>
+            </a:stretch>
+          </p:blipFill>
+          <p:spPr>
+            <a:xfrm flipH="1">
+              <a:off x="610335" y="1953839"/>
+              <a:ext cx="638648" cy="638648"/>
+            </a:xfrm>
+            <a:prstGeom prst="rect">
+              <a:avLst/>
+            </a:prstGeom>
+          </p:spPr>
+        </p:pic>
+      </p:grpSp>
+      <p:grpSp>
+        <p:nvGrpSpPr>
+          <p:cNvPr id="8" name="Group 7">
+            <a:extLst>
+              <a:ext uri="{FF2B5EF4-FFF2-40B4-BE49-F238E27FC236}">
+                <a16:creationId xmlns:a16="http://schemas.microsoft.com/office/drawing/2014/main" id="{89E0F8BE-9B36-450F-BEE9-270536B96036}"/>
+              </a:ext>
+            </a:extLst>
+          </p:cNvPr>
+          <p:cNvGrpSpPr/>
+          <p:nvPr/>
+        </p:nvGrpSpPr>
+        <p:grpSpPr>
+          <a:xfrm>
+            <a:off x="406161" y="1129994"/>
+            <a:ext cx="5338577" cy="572658"/>
+            <a:chOff x="577441" y="2055315"/>
+            <a:chExt cx="5338577" cy="572658"/>
+          </a:xfrm>
+        </p:grpSpPr>
+        <p:sp>
+          <p:nvSpPr>
+            <p:cNvPr id="9" name="Google Shape;127;p2">
+              <a:extLst>
+                <a:ext uri="{FF2B5EF4-FFF2-40B4-BE49-F238E27FC236}">
+                  <a16:creationId xmlns:a16="http://schemas.microsoft.com/office/drawing/2014/main" id="{D6C6EE73-AA50-4EFA-ADA7-A7C77DC48071}"/>
+                </a:ext>
+              </a:extLst>
+            </p:cNvPr>
+            <p:cNvSpPr/>
+            <p:nvPr/>
+          </p:nvSpPr>
+          <p:spPr>
+            <a:xfrm>
+              <a:off x="702444" y="2055315"/>
+              <a:ext cx="5213574" cy="439606"/>
+            </a:xfrm>
+            <a:prstGeom prst="roundRect">
+              <a:avLst>
+                <a:gd name="adj" fmla="val 50000"/>
+              </a:avLst>
+            </a:prstGeom>
+            <a:solidFill>
+              <a:srgbClr val="FFC000"/>
+            </a:solidFill>
+            <a:ln>
+              <a:noFill/>
+            </a:ln>
+          </p:spPr>
+          <p:txBody>
+            <a:bodyPr spcFirstLastPara="1" wrap="square" lIns="91425" tIns="45700" rIns="91425" bIns="45700" anchor="ctr" anchorCtr="0">
+              <a:noAutofit/>
+            </a:bodyPr>
+            <a:lstStyle/>
+            <a:p>
+              <a:pPr marL="0" marR="0" lvl="0" indent="0" rtl="0">
+                <a:spcBef>
+                  <a:spcPts val="0"/>
+                </a:spcBef>
+                <a:spcAft>
+                  <a:spcPts val="0"/>
+                </a:spcAft>
+                <a:buClr>
+                  <a:schemeClr val="lt1"/>
+                </a:buClr>
+                <a:buSzPts val="2800"/>
+                <a:buFont typeface="Helvetica Neue"/>
+                <a:buNone/>
+              </a:pPr>
+              <a:r>
+                <a:rPr lang="en-US" sz="2000" b="1" spc="600" dirty="0">
+                  <a:solidFill>
+                    <a:schemeClr val="tx1">
+                      <a:lumMod val="75000"/>
+                      <a:lumOff val="25000"/>
+                    </a:schemeClr>
+                  </a:solidFill>
+                  <a:latin typeface="Helvetica" panose="020B0604020202020204" pitchFamily="34" charset="0"/>
+                  <a:ea typeface="Helvetica Neue"/>
+                  <a:cs typeface="Helvetica" panose="020B0604020202020204" pitchFamily="34" charset="0"/>
+                  <a:sym typeface="Helvetica Neue"/>
+                </a:rPr>
+                <a:t>   Table 1. SI Base Units</a:t>
+              </a:r>
+              <a:endParaRPr lang="en-US" b="1" spc="600" dirty="0">
+                <a:solidFill>
+                  <a:schemeClr val="tx1">
+                    <a:lumMod val="75000"/>
+                    <a:lumOff val="25000"/>
+                  </a:schemeClr>
+                </a:solidFill>
+                <a:latin typeface="Helvetica" panose="020B0604020202020204" pitchFamily="34" charset="0"/>
+                <a:ea typeface="Calibri"/>
+                <a:cs typeface="Helvetica" panose="020B0604020202020204" pitchFamily="34" charset="0"/>
+                <a:sym typeface="Calibri"/>
+              </a:endParaRPr>
+            </a:p>
+          </p:txBody>
+        </p:sp>
+        <p:pic>
+          <p:nvPicPr>
+            <p:cNvPr id="10" name="Graphic 9" descr="Bar graph with upward trend with solid fill">
+              <a:extLst>
+                <a:ext uri="{FF2B5EF4-FFF2-40B4-BE49-F238E27FC236}">
+                  <a16:creationId xmlns:a16="http://schemas.microsoft.com/office/drawing/2014/main" id="{650AB2C1-FD4C-4A83-8602-3BB4C042BB92}"/>
+                </a:ext>
+              </a:extLst>
+            </p:cNvPr>
+            <p:cNvPicPr>
+              <a:picLocks noChangeAspect="1"/>
+            </p:cNvPicPr>
+            <p:nvPr/>
+          </p:nvPicPr>
+          <p:blipFill>
+            <a:blip r:embed="rId4">
+              <a:extLst>
+                <a:ext uri="{96DAC541-7B7A-43D3-8B79-37D633B846F1}">
+                  <asvg:svgBlip xmlns:asvg="http://schemas.microsoft.com/office/drawing/2016/SVG/main" r:embed="rId5"/>
+                </a:ext>
+              </a:extLst>
+            </a:blip>
+            <a:stretch>
+              <a:fillRect/>
+            </a:stretch>
+          </p:blipFill>
+          <p:spPr>
+            <a:xfrm>
+              <a:off x="577441" y="2087973"/>
+              <a:ext cx="540000" cy="540000"/>
+            </a:xfrm>
+            <a:prstGeom prst="rect">
+              <a:avLst/>
+            </a:prstGeom>
+          </p:spPr>
+        </p:pic>
+      </p:grpSp>
+    </p:spTree>
+    <p:extLst>
+      <p:ext uri="{BB962C8B-B14F-4D97-AF65-F5344CB8AC3E}">
+        <p14:creationId xmlns:p14="http://schemas.microsoft.com/office/powerpoint/2010/main" val="2984593926"/>
+      </p:ext>
+    </p:extLst>
+  </p:cSld>
+  <p:clrMapOvr>
+    <a:masterClrMapping/>
+  </p:clrMapOvr>
+</p:sldLayout>
+</file>
+
+<file path=ppt/slideLayouts/slideLayout11.xml><?xml version="1.0" encoding="utf-8"?>
 <p:sldLayout xmlns:a="http://schemas.openxmlformats.org/drawingml/2006/main" xmlns:r="http://schemas.openxmlformats.org/officeDocument/2006/relationships" xmlns:p="http://schemas.openxmlformats.org/presentationml/2006/main" type="title">
   <p:cSld name="1_Title Slide">
     <p:spTree>
@@ -928,6 +1654,9 @@
             <a:off x="1143000" y="3602038"/>
             <a:ext cx="6858000" cy="1655762"/>
           </a:xfrm>
+          <a:prstGeom prst="rect">
+            <a:avLst/>
+          </a:prstGeom>
         </p:spPr>
         <p:txBody>
           <a:bodyPr/>
@@ -988,15 +1717,19 @@
             <p:ph type="dt" sz="half" idx="10"/>
           </p:nvPr>
         </p:nvSpPr>
-        <p:spPr/>
+        <p:spPr>
+          <a:xfrm>
+            <a:off x="628650" y="6356350"/>
+            <a:ext cx="2057400" cy="365125"/>
+          </a:xfrm>
+          <a:prstGeom prst="rect">
+            <a:avLst/>
+          </a:prstGeom>
+        </p:spPr>
         <p:txBody>
           <a:bodyPr/>
           <a:lstStyle/>
           <a:p>
-            <a:fld id="{E982B735-A3C5-4ECF-A024-28614A6AF330}" type="datetimeFigureOut">
-              <a:rPr lang="en-US" smtClean="0"/>
-              <a:t>4/21/2022</a:t>
-            </a:fld>
             <a:endParaRPr lang="en-US"/>
           </a:p>
         </p:txBody>
@@ -1016,7 +1749,10 @@
           <a:bodyPr/>
           <a:lstStyle/>
           <a:p>
-            <a:endParaRPr lang="en-US"/>
+            <a:r>
+              <a:rPr lang="en-US"/>
+              <a:t>Physics 301:  Advanced Signal and Image Processing</a:t>
+            </a:r>
           </a:p>
         </p:txBody>
       </p:sp>
@@ -1057,8 +1793,16 @@
 </file>
 
 <file path=ppt/slideLayouts/slideLayout2.xml><?xml version="1.0" encoding="utf-8"?>
-<p:sldLayout xmlns:a="http://schemas.openxmlformats.org/drawingml/2006/main" xmlns:r="http://schemas.openxmlformats.org/officeDocument/2006/relationships" xmlns:p="http://schemas.openxmlformats.org/presentationml/2006/main" matchingName="Title and Content">
-  <p:cSld name="Title and Content">
+<p:sldLayout xmlns:a="http://schemas.openxmlformats.org/drawingml/2006/main" xmlns:r="http://schemas.openxmlformats.org/officeDocument/2006/relationships" xmlns:p="http://schemas.openxmlformats.org/presentationml/2006/main" matchingName="Title and Content" preserve="1" userDrawn="1">
+  <p:cSld name="1_Title and Content">
+    <p:bg>
+      <p:bgPr>
+        <a:solidFill>
+          <a:schemeClr val="bg1"/>
+        </a:solidFill>
+        <a:effectLst/>
+      </p:bgPr>
+    </p:bg>
     <p:spTree>
       <p:nvGrpSpPr>
         <p:cNvPr id="1" name="Shape 27"/>
@@ -1073,6 +1817,1443 @@
           <a:chExt cx="0" cy="0"/>
         </a:xfrm>
       </p:grpSpPr>
+      <p:sp>
+        <p:nvSpPr>
+          <p:cNvPr id="25" name="Google Shape;29;p31">
+            <a:extLst>
+              <a:ext uri="{FF2B5EF4-FFF2-40B4-BE49-F238E27FC236}">
+                <a16:creationId xmlns:a16="http://schemas.microsoft.com/office/drawing/2014/main" id="{D933B60E-9596-75BF-40EF-1D954957F451}"/>
+              </a:ext>
+            </a:extLst>
+          </p:cNvPr>
+          <p:cNvSpPr txBox="1">
+            <a:spLocks noGrp="1"/>
+          </p:cNvSpPr>
+          <p:nvPr>
+            <p:ph type="body" idx="1" hasCustomPrompt="1"/>
+          </p:nvPr>
+        </p:nvSpPr>
+        <p:spPr>
+          <a:xfrm>
+            <a:off x="457200" y="1325161"/>
+            <a:ext cx="8401711" cy="2137701"/>
+          </a:xfrm>
+          <a:prstGeom prst="rect">
+            <a:avLst/>
+          </a:prstGeom>
+          <a:noFill/>
+          <a:ln>
+            <a:noFill/>
+          </a:ln>
+        </p:spPr>
+        <p:txBody>
+          <a:bodyPr spcFirstLastPara="1" wrap="square" lIns="91425" tIns="45700" rIns="91425" bIns="45700" anchor="t" anchorCtr="0">
+            <a:normAutofit/>
+          </a:bodyPr>
+          <a:lstStyle>
+            <a:lvl1pPr marL="312896" lvl="0" indent="-214313" algn="l">
+              <a:spcBef>
+                <a:spcPts val="600"/>
+              </a:spcBef>
+              <a:spcAft>
+                <a:spcPts val="600"/>
+              </a:spcAft>
+              <a:buClr>
+                <a:srgbClr val="1D3354"/>
+              </a:buClr>
+              <a:buSzPct val="100000"/>
+              <a:buFont typeface="Wingdings" panose="05000000000000000000" pitchFamily="2" charset="2"/>
+              <a:buChar char="§"/>
+              <a:defRPr sz="2000" spc="0">
+                <a:solidFill>
+                  <a:schemeClr val="tx1"/>
+                </a:solidFill>
+                <a:effectLst/>
+                <a:latin typeface="Bahnschrift Light" panose="020B0502040204020203" pitchFamily="34" charset="0"/>
+                <a:ea typeface="Verdana" panose="020B0604030504040204" pitchFamily="34" charset="0"/>
+                <a:cs typeface="Helvetica" panose="020B0604020202020204" pitchFamily="34" charset="0"/>
+              </a:defRPr>
+            </a:lvl1pPr>
+            <a:lvl2pPr marL="784384" lvl="1" indent="-342900" algn="l">
+              <a:spcBef>
+                <a:spcPts val="600"/>
+              </a:spcBef>
+              <a:spcAft>
+                <a:spcPts val="600"/>
+              </a:spcAft>
+              <a:buClr>
+                <a:srgbClr val="AF0E3F"/>
+              </a:buClr>
+              <a:buSzPct val="140000"/>
+              <a:buFont typeface="Wingdings" panose="05000000000000000000" pitchFamily="2" charset="2"/>
+              <a:buChar char="§"/>
+              <a:defRPr sz="2100">
+                <a:solidFill>
+                  <a:srgbClr val="FF6464"/>
+                </a:solidFill>
+              </a:defRPr>
+            </a:lvl2pPr>
+            <a:lvl3pPr marL="1122998" lvl="2" indent="-342900" algn="l">
+              <a:spcBef>
+                <a:spcPts val="600"/>
+              </a:spcBef>
+              <a:spcAft>
+                <a:spcPts val="600"/>
+              </a:spcAft>
+              <a:buClr>
+                <a:srgbClr val="AF0E3F"/>
+              </a:buClr>
+              <a:buSzPct val="140000"/>
+              <a:buFont typeface="Wingdings" panose="05000000000000000000" pitchFamily="2" charset="2"/>
+              <a:buChar char="§"/>
+              <a:defRPr sz="2100"/>
+            </a:lvl3pPr>
+            <a:lvl4pPr marL="1457325" lvl="3" indent="-342900" algn="l">
+              <a:spcBef>
+                <a:spcPts val="600"/>
+              </a:spcBef>
+              <a:spcAft>
+                <a:spcPts val="600"/>
+              </a:spcAft>
+              <a:buClr>
+                <a:srgbClr val="AF0E3F"/>
+              </a:buClr>
+              <a:buSzPct val="140000"/>
+              <a:buFont typeface="Wingdings" panose="05000000000000000000" pitchFamily="2" charset="2"/>
+              <a:buChar char="§"/>
+              <a:defRPr sz="2100" b="1"/>
+            </a:lvl4pPr>
+            <a:lvl5pPr marL="1800225" lvl="4" indent="-342900" algn="l">
+              <a:spcBef>
+                <a:spcPts val="600"/>
+              </a:spcBef>
+              <a:spcAft>
+                <a:spcPts val="600"/>
+              </a:spcAft>
+              <a:buClr>
+                <a:srgbClr val="AF0E3F"/>
+              </a:buClr>
+              <a:buSzPct val="140000"/>
+              <a:buFont typeface="Wingdings" panose="05000000000000000000" pitchFamily="2" charset="2"/>
+              <a:buChar char="§"/>
+              <a:defRPr sz="2100" i="1">
+                <a:solidFill>
+                  <a:srgbClr val="C00000"/>
+                </a:solidFill>
+              </a:defRPr>
+            </a:lvl5pPr>
+            <a:lvl6pPr marL="1800225" lvl="5" indent="0" algn="l">
+              <a:spcBef>
+                <a:spcPts val="600"/>
+              </a:spcBef>
+              <a:spcAft>
+                <a:spcPts val="600"/>
+              </a:spcAft>
+              <a:buClr>
+                <a:srgbClr val="AF0E3F"/>
+              </a:buClr>
+              <a:buSzPct val="140000"/>
+              <a:buFont typeface="Wingdings" panose="05000000000000000000" pitchFamily="2" charset="2"/>
+              <a:buNone/>
+              <a:defRPr sz="2100"/>
+            </a:lvl6pPr>
+            <a:lvl7pPr marL="2400300" lvl="6" indent="-257175" algn="l">
+              <a:spcBef>
+                <a:spcPts val="270"/>
+              </a:spcBef>
+              <a:spcAft>
+                <a:spcPts val="0"/>
+              </a:spcAft>
+              <a:buSzPts val="1800"/>
+              <a:buChar char="•"/>
+              <a:defRPr/>
+            </a:lvl7pPr>
+            <a:lvl8pPr marL="2743200" lvl="7" indent="-257175" algn="l">
+              <a:spcBef>
+                <a:spcPts val="270"/>
+              </a:spcBef>
+              <a:spcAft>
+                <a:spcPts val="0"/>
+              </a:spcAft>
+              <a:buSzPts val="1800"/>
+              <a:buChar char="•"/>
+              <a:defRPr/>
+            </a:lvl8pPr>
+            <a:lvl9pPr marL="3086100" lvl="8" indent="-257175" algn="l">
+              <a:spcBef>
+                <a:spcPts val="270"/>
+              </a:spcBef>
+              <a:spcAft>
+                <a:spcPts val="0"/>
+              </a:spcAft>
+              <a:buSzPts val="1800"/>
+              <a:buChar char="•"/>
+              <a:defRPr/>
+            </a:lvl9pPr>
+          </a:lstStyle>
+          <a:p>
+            <a:r>
+              <a:rPr lang="en-PH" dirty="0"/>
+              <a:t>Sample text</a:t>
+            </a:r>
+          </a:p>
+        </p:txBody>
+      </p:sp>
+      <p:sp>
+        <p:nvSpPr>
+          <p:cNvPr id="26" name="Google Shape;29;p31">
+            <a:extLst>
+              <a:ext uri="{FF2B5EF4-FFF2-40B4-BE49-F238E27FC236}">
+                <a16:creationId xmlns:a16="http://schemas.microsoft.com/office/drawing/2014/main" id="{7837D806-4E64-23EB-B7EF-422D3E295C48}"/>
+              </a:ext>
+            </a:extLst>
+          </p:cNvPr>
+          <p:cNvSpPr txBox="1">
+            <a:spLocks noGrp="1"/>
+          </p:cNvSpPr>
+          <p:nvPr>
+            <p:ph type="body" idx="10" hasCustomPrompt="1"/>
+          </p:nvPr>
+        </p:nvSpPr>
+        <p:spPr>
+          <a:xfrm>
+            <a:off x="457200" y="4648558"/>
+            <a:ext cx="8401711" cy="1439725"/>
+          </a:xfrm>
+          <a:prstGeom prst="rect">
+            <a:avLst/>
+          </a:prstGeom>
+          <a:noFill/>
+          <a:ln>
+            <a:noFill/>
+          </a:ln>
+        </p:spPr>
+        <p:txBody>
+          <a:bodyPr spcFirstLastPara="1" wrap="square" lIns="91425" tIns="45700" rIns="91425" bIns="45700" anchor="t" anchorCtr="0">
+            <a:normAutofit/>
+          </a:bodyPr>
+          <a:lstStyle>
+            <a:lvl1pPr marL="312896" lvl="0" indent="-214313" algn="l">
+              <a:spcBef>
+                <a:spcPts val="600"/>
+              </a:spcBef>
+              <a:spcAft>
+                <a:spcPts val="600"/>
+              </a:spcAft>
+              <a:buClr>
+                <a:srgbClr val="C00000"/>
+              </a:buClr>
+              <a:buSzPct val="100000"/>
+              <a:buFont typeface="Wingdings" panose="05000000000000000000" pitchFamily="2" charset="2"/>
+              <a:buChar char="§"/>
+              <a:defRPr sz="2000" spc="0">
+                <a:solidFill>
+                  <a:schemeClr val="tx1"/>
+                </a:solidFill>
+                <a:effectLst/>
+                <a:latin typeface="Bahnschrift Light" panose="020B0502040204020203" pitchFamily="34" charset="0"/>
+                <a:ea typeface="Verdana" panose="020B0604030504040204" pitchFamily="34" charset="0"/>
+                <a:cs typeface="Helvetica" panose="020B0604020202020204" pitchFamily="34" charset="0"/>
+              </a:defRPr>
+            </a:lvl1pPr>
+            <a:lvl2pPr marL="784384" lvl="1" indent="-342900" algn="l">
+              <a:spcBef>
+                <a:spcPts val="600"/>
+              </a:spcBef>
+              <a:spcAft>
+                <a:spcPts val="600"/>
+              </a:spcAft>
+              <a:buClr>
+                <a:srgbClr val="AF0E3F"/>
+              </a:buClr>
+              <a:buSzPct val="140000"/>
+              <a:buFont typeface="Wingdings" panose="05000000000000000000" pitchFamily="2" charset="2"/>
+              <a:buChar char="§"/>
+              <a:defRPr sz="2100">
+                <a:solidFill>
+                  <a:srgbClr val="FF6464"/>
+                </a:solidFill>
+              </a:defRPr>
+            </a:lvl2pPr>
+            <a:lvl3pPr marL="1122998" lvl="2" indent="-342900" algn="l">
+              <a:spcBef>
+                <a:spcPts val="600"/>
+              </a:spcBef>
+              <a:spcAft>
+                <a:spcPts val="600"/>
+              </a:spcAft>
+              <a:buClr>
+                <a:srgbClr val="AF0E3F"/>
+              </a:buClr>
+              <a:buSzPct val="140000"/>
+              <a:buFont typeface="Wingdings" panose="05000000000000000000" pitchFamily="2" charset="2"/>
+              <a:buChar char="§"/>
+              <a:defRPr sz="2100"/>
+            </a:lvl3pPr>
+            <a:lvl4pPr marL="1457325" lvl="3" indent="-342900" algn="l">
+              <a:spcBef>
+                <a:spcPts val="600"/>
+              </a:spcBef>
+              <a:spcAft>
+                <a:spcPts val="600"/>
+              </a:spcAft>
+              <a:buClr>
+                <a:srgbClr val="AF0E3F"/>
+              </a:buClr>
+              <a:buSzPct val="140000"/>
+              <a:buFont typeface="Wingdings" panose="05000000000000000000" pitchFamily="2" charset="2"/>
+              <a:buChar char="§"/>
+              <a:defRPr sz="2100" b="1"/>
+            </a:lvl4pPr>
+            <a:lvl5pPr marL="1800225" lvl="4" indent="-342900" algn="l">
+              <a:spcBef>
+                <a:spcPts val="600"/>
+              </a:spcBef>
+              <a:spcAft>
+                <a:spcPts val="600"/>
+              </a:spcAft>
+              <a:buClr>
+                <a:srgbClr val="AF0E3F"/>
+              </a:buClr>
+              <a:buSzPct val="140000"/>
+              <a:buFont typeface="Wingdings" panose="05000000000000000000" pitchFamily="2" charset="2"/>
+              <a:buChar char="§"/>
+              <a:defRPr sz="2100" i="1">
+                <a:solidFill>
+                  <a:srgbClr val="C00000"/>
+                </a:solidFill>
+              </a:defRPr>
+            </a:lvl5pPr>
+            <a:lvl6pPr marL="1800225" lvl="5" indent="0" algn="l">
+              <a:spcBef>
+                <a:spcPts val="600"/>
+              </a:spcBef>
+              <a:spcAft>
+                <a:spcPts val="600"/>
+              </a:spcAft>
+              <a:buClr>
+                <a:srgbClr val="AF0E3F"/>
+              </a:buClr>
+              <a:buSzPct val="140000"/>
+              <a:buFont typeface="Wingdings" panose="05000000000000000000" pitchFamily="2" charset="2"/>
+              <a:buNone/>
+              <a:defRPr sz="2100"/>
+            </a:lvl6pPr>
+            <a:lvl7pPr marL="2400300" lvl="6" indent="-257175" algn="l">
+              <a:spcBef>
+                <a:spcPts val="270"/>
+              </a:spcBef>
+              <a:spcAft>
+                <a:spcPts val="0"/>
+              </a:spcAft>
+              <a:buSzPts val="1800"/>
+              <a:buChar char="•"/>
+              <a:defRPr/>
+            </a:lvl7pPr>
+            <a:lvl8pPr marL="2743200" lvl="7" indent="-257175" algn="l">
+              <a:spcBef>
+                <a:spcPts val="270"/>
+              </a:spcBef>
+              <a:spcAft>
+                <a:spcPts val="0"/>
+              </a:spcAft>
+              <a:buSzPts val="1800"/>
+              <a:buChar char="•"/>
+              <a:defRPr/>
+            </a:lvl8pPr>
+            <a:lvl9pPr marL="3086100" lvl="8" indent="-257175" algn="l">
+              <a:spcBef>
+                <a:spcPts val="270"/>
+              </a:spcBef>
+              <a:spcAft>
+                <a:spcPts val="0"/>
+              </a:spcAft>
+              <a:buSzPts val="1800"/>
+              <a:buChar char="•"/>
+              <a:defRPr/>
+            </a:lvl9pPr>
+          </a:lstStyle>
+          <a:p>
+            <a:r>
+              <a:rPr lang="en-PH" dirty="0"/>
+              <a:t>Sample text</a:t>
+            </a:r>
+          </a:p>
+        </p:txBody>
+      </p:sp>
+      <p:sp>
+        <p:nvSpPr>
+          <p:cNvPr id="27" name="Google Shape;28;p31">
+            <a:extLst>
+              <a:ext uri="{FF2B5EF4-FFF2-40B4-BE49-F238E27FC236}">
+                <a16:creationId xmlns:a16="http://schemas.microsoft.com/office/drawing/2014/main" id="{F9EBFDC1-A551-FD54-3832-55F976F86CE4}"/>
+              </a:ext>
+            </a:extLst>
+          </p:cNvPr>
+          <p:cNvSpPr txBox="1">
+            <a:spLocks noGrp="1"/>
+          </p:cNvSpPr>
+          <p:nvPr>
+            <p:ph type="title" hasCustomPrompt="1"/>
+          </p:nvPr>
+        </p:nvSpPr>
+        <p:spPr>
+          <a:xfrm>
+            <a:off x="457200" y="187697"/>
+            <a:ext cx="8229600" cy="619827"/>
+          </a:xfrm>
+          <a:prstGeom prst="rect">
+            <a:avLst/>
+          </a:prstGeom>
+          <a:noFill/>
+          <a:ln>
+            <a:noFill/>
+          </a:ln>
+        </p:spPr>
+        <p:txBody>
+          <a:bodyPr spcFirstLastPara="1" wrap="square" lIns="91425" tIns="45700" rIns="91425" bIns="45700" anchor="ctr" anchorCtr="0">
+            <a:noAutofit/>
+          </a:bodyPr>
+          <a:lstStyle>
+            <a:lvl1pPr lvl="0" algn="l">
+              <a:spcBef>
+                <a:spcPts val="0"/>
+              </a:spcBef>
+              <a:spcAft>
+                <a:spcPts val="0"/>
+              </a:spcAft>
+              <a:buClr>
+                <a:srgbClr val="C00000"/>
+              </a:buClr>
+              <a:buSzPts val="1800"/>
+              <a:buNone/>
+              <a:defRPr sz="6000" b="1">
+                <a:ln w="0">
+                  <a:noFill/>
+                </a:ln>
+                <a:solidFill>
+                  <a:srgbClr val="467599"/>
+                </a:solidFill>
+                <a:effectLst>
+                  <a:outerShdw dist="38100" dir="8100000" algn="tr" rotWithShape="0">
+                    <a:srgbClr val="D64045"/>
+                  </a:outerShdw>
+                </a:effectLst>
+                <a:latin typeface="Bahnschrift Condensed" panose="020B0502040204020203" pitchFamily="34" charset="0"/>
+                <a:cs typeface="Helvetica" panose="020B0604020202020204" pitchFamily="34" charset="0"/>
+              </a:defRPr>
+            </a:lvl1pPr>
+            <a:lvl2pPr lvl="1">
+              <a:spcBef>
+                <a:spcPts val="0"/>
+              </a:spcBef>
+              <a:spcAft>
+                <a:spcPts val="0"/>
+              </a:spcAft>
+              <a:buSzPts val="1400"/>
+              <a:buNone/>
+              <a:defRPr/>
+            </a:lvl2pPr>
+            <a:lvl3pPr lvl="2">
+              <a:spcBef>
+                <a:spcPts val="0"/>
+              </a:spcBef>
+              <a:spcAft>
+                <a:spcPts val="0"/>
+              </a:spcAft>
+              <a:buSzPts val="1400"/>
+              <a:buNone/>
+              <a:defRPr/>
+            </a:lvl3pPr>
+            <a:lvl4pPr lvl="3">
+              <a:spcBef>
+                <a:spcPts val="0"/>
+              </a:spcBef>
+              <a:spcAft>
+                <a:spcPts val="0"/>
+              </a:spcAft>
+              <a:buSzPts val="1400"/>
+              <a:buNone/>
+              <a:defRPr/>
+            </a:lvl4pPr>
+            <a:lvl5pPr lvl="4">
+              <a:spcBef>
+                <a:spcPts val="0"/>
+              </a:spcBef>
+              <a:spcAft>
+                <a:spcPts val="0"/>
+              </a:spcAft>
+              <a:buSzPts val="1400"/>
+              <a:buNone/>
+              <a:defRPr/>
+            </a:lvl5pPr>
+            <a:lvl6pPr lvl="5">
+              <a:spcBef>
+                <a:spcPts val="0"/>
+              </a:spcBef>
+              <a:spcAft>
+                <a:spcPts val="0"/>
+              </a:spcAft>
+              <a:buSzPts val="1400"/>
+              <a:buNone/>
+              <a:defRPr/>
+            </a:lvl6pPr>
+            <a:lvl7pPr lvl="6">
+              <a:spcBef>
+                <a:spcPts val="0"/>
+              </a:spcBef>
+              <a:spcAft>
+                <a:spcPts val="0"/>
+              </a:spcAft>
+              <a:buSzPts val="1400"/>
+              <a:buNone/>
+              <a:defRPr/>
+            </a:lvl7pPr>
+            <a:lvl8pPr lvl="7">
+              <a:spcBef>
+                <a:spcPts val="0"/>
+              </a:spcBef>
+              <a:spcAft>
+                <a:spcPts val="0"/>
+              </a:spcAft>
+              <a:buSzPts val="1400"/>
+              <a:buNone/>
+              <a:defRPr/>
+            </a:lvl8pPr>
+            <a:lvl9pPr lvl="8">
+              <a:spcBef>
+                <a:spcPts val="0"/>
+              </a:spcBef>
+              <a:spcAft>
+                <a:spcPts val="0"/>
+              </a:spcAft>
+              <a:buSzPts val="1400"/>
+              <a:buNone/>
+              <a:defRPr/>
+            </a:lvl9pPr>
+          </a:lstStyle>
+          <a:p>
+            <a:r>
+              <a:rPr lang="en-US" dirty="0"/>
+              <a:t>	objectives</a:t>
+            </a:r>
+            <a:endParaRPr dirty="0"/>
+          </a:p>
+        </p:txBody>
+      </p:sp>
+      <p:sp>
+        <p:nvSpPr>
+          <p:cNvPr id="28" name="Google Shape;28;p31">
+            <a:extLst>
+              <a:ext uri="{FF2B5EF4-FFF2-40B4-BE49-F238E27FC236}">
+                <a16:creationId xmlns:a16="http://schemas.microsoft.com/office/drawing/2014/main" id="{C97DEDAA-1D77-0A63-E92F-51EF6203FDCA}"/>
+              </a:ext>
+            </a:extLst>
+          </p:cNvPr>
+          <p:cNvSpPr txBox="1">
+            <a:spLocks/>
+          </p:cNvSpPr>
+          <p:nvPr userDrawn="1"/>
+        </p:nvSpPr>
+        <p:spPr>
+          <a:xfrm>
+            <a:off x="457200" y="3791354"/>
+            <a:ext cx="4884021" cy="619827"/>
+          </a:xfrm>
+          <a:prstGeom prst="rect">
+            <a:avLst/>
+          </a:prstGeom>
+          <a:noFill/>
+          <a:ln>
+            <a:noFill/>
+          </a:ln>
+        </p:spPr>
+        <p:txBody>
+          <a:bodyPr spcFirstLastPara="1" wrap="square" lIns="91425" tIns="45700" rIns="91425" bIns="45700" anchor="ctr" anchorCtr="0">
+            <a:noAutofit/>
+          </a:bodyPr>
+          <a:lstStyle>
+            <a:defPPr marR="0" lvl="0" algn="l" rtl="0">
+              <a:lnSpc>
+                <a:spcPct val="100000"/>
+              </a:lnSpc>
+              <a:spcBef>
+                <a:spcPts val="0"/>
+              </a:spcBef>
+              <a:spcAft>
+                <a:spcPts val="0"/>
+              </a:spcAft>
+            </a:defPPr>
+            <a:lvl1pPr marR="0" lvl="0" algn="l" rtl="0" eaLnBrk="1" hangingPunct="1">
+              <a:lnSpc>
+                <a:spcPct val="100000"/>
+              </a:lnSpc>
+              <a:spcBef>
+                <a:spcPts val="0"/>
+              </a:spcBef>
+              <a:spcAft>
+                <a:spcPts val="0"/>
+              </a:spcAft>
+              <a:buClr>
+                <a:srgbClr val="C00000"/>
+              </a:buClr>
+              <a:buSzPts val="1800"/>
+              <a:buFont typeface="Arial"/>
+              <a:buNone/>
+              <a:defRPr sz="6000" b="1" i="0" u="none" strike="noStrike" cap="none">
+                <a:ln w="0">
+                  <a:noFill/>
+                </a:ln>
+                <a:solidFill>
+                  <a:srgbClr val="D64045"/>
+                </a:solidFill>
+                <a:effectLst>
+                  <a:outerShdw dist="38100" dir="8100000" algn="tr" rotWithShape="0">
+                    <a:srgbClr val="467599"/>
+                  </a:outerShdw>
+                </a:effectLst>
+                <a:latin typeface="Bahnschrift Condensed" panose="020B0502040204020203" pitchFamily="34" charset="0"/>
+                <a:ea typeface="Verdana" panose="020B0604030504040204" pitchFamily="34" charset="0"/>
+                <a:cs typeface="Helvetica" panose="020B0604020202020204" pitchFamily="34" charset="0"/>
+                <a:sym typeface="Arial"/>
+              </a:defRPr>
+            </a:lvl1pPr>
+            <a:lvl2pPr marR="0" lvl="1" algn="l" rtl="0" eaLnBrk="1" hangingPunct="1">
+              <a:lnSpc>
+                <a:spcPct val="100000"/>
+              </a:lnSpc>
+              <a:spcBef>
+                <a:spcPts val="0"/>
+              </a:spcBef>
+              <a:spcAft>
+                <a:spcPts val="0"/>
+              </a:spcAft>
+              <a:buClr>
+                <a:srgbClr val="000000"/>
+              </a:buClr>
+              <a:buSzPts val="1400"/>
+              <a:buFont typeface="Arial"/>
+              <a:buNone/>
+              <a:defRPr sz="1050" b="0" i="0" u="none" strike="noStrike" cap="none">
+                <a:solidFill>
+                  <a:srgbClr val="000000"/>
+                </a:solidFill>
+                <a:latin typeface="Arial"/>
+                <a:ea typeface="Arial"/>
+                <a:cs typeface="Arial"/>
+                <a:sym typeface="Arial"/>
+              </a:defRPr>
+            </a:lvl2pPr>
+            <a:lvl3pPr marR="0" lvl="2" algn="l" rtl="0" eaLnBrk="1" hangingPunct="1">
+              <a:lnSpc>
+                <a:spcPct val="100000"/>
+              </a:lnSpc>
+              <a:spcBef>
+                <a:spcPts val="0"/>
+              </a:spcBef>
+              <a:spcAft>
+                <a:spcPts val="0"/>
+              </a:spcAft>
+              <a:buClr>
+                <a:srgbClr val="000000"/>
+              </a:buClr>
+              <a:buSzPts val="1400"/>
+              <a:buFont typeface="Arial"/>
+              <a:buNone/>
+              <a:defRPr sz="1050" b="0" i="0" u="none" strike="noStrike" cap="none">
+                <a:solidFill>
+                  <a:srgbClr val="000000"/>
+                </a:solidFill>
+                <a:latin typeface="Arial"/>
+                <a:ea typeface="Arial"/>
+                <a:cs typeface="Arial"/>
+                <a:sym typeface="Arial"/>
+              </a:defRPr>
+            </a:lvl3pPr>
+            <a:lvl4pPr marR="0" lvl="3" algn="l" rtl="0" eaLnBrk="1" hangingPunct="1">
+              <a:lnSpc>
+                <a:spcPct val="100000"/>
+              </a:lnSpc>
+              <a:spcBef>
+                <a:spcPts val="0"/>
+              </a:spcBef>
+              <a:spcAft>
+                <a:spcPts val="0"/>
+              </a:spcAft>
+              <a:buClr>
+                <a:srgbClr val="000000"/>
+              </a:buClr>
+              <a:buSzPts val="1400"/>
+              <a:buFont typeface="Arial"/>
+              <a:buNone/>
+              <a:defRPr sz="1050" b="0" i="0" u="none" strike="noStrike" cap="none">
+                <a:solidFill>
+                  <a:srgbClr val="000000"/>
+                </a:solidFill>
+                <a:latin typeface="Arial"/>
+                <a:ea typeface="Arial"/>
+                <a:cs typeface="Arial"/>
+                <a:sym typeface="Arial"/>
+              </a:defRPr>
+            </a:lvl4pPr>
+            <a:lvl5pPr marR="0" lvl="4" algn="l" rtl="0" eaLnBrk="1" hangingPunct="1">
+              <a:lnSpc>
+                <a:spcPct val="100000"/>
+              </a:lnSpc>
+              <a:spcBef>
+                <a:spcPts val="0"/>
+              </a:spcBef>
+              <a:spcAft>
+                <a:spcPts val="0"/>
+              </a:spcAft>
+              <a:buClr>
+                <a:srgbClr val="000000"/>
+              </a:buClr>
+              <a:buSzPts val="1400"/>
+              <a:buFont typeface="Arial"/>
+              <a:buNone/>
+              <a:defRPr sz="1050" b="0" i="0" u="none" strike="noStrike" cap="none">
+                <a:solidFill>
+                  <a:srgbClr val="000000"/>
+                </a:solidFill>
+                <a:latin typeface="Arial"/>
+                <a:ea typeface="Arial"/>
+                <a:cs typeface="Arial"/>
+                <a:sym typeface="Arial"/>
+              </a:defRPr>
+            </a:lvl5pPr>
+            <a:lvl6pPr marR="0" lvl="5" algn="l" rtl="0" eaLnBrk="1" hangingPunct="1">
+              <a:lnSpc>
+                <a:spcPct val="100000"/>
+              </a:lnSpc>
+              <a:spcBef>
+                <a:spcPts val="0"/>
+              </a:spcBef>
+              <a:spcAft>
+                <a:spcPts val="0"/>
+              </a:spcAft>
+              <a:buClr>
+                <a:srgbClr val="000000"/>
+              </a:buClr>
+              <a:buSzPts val="1400"/>
+              <a:buFont typeface="Arial"/>
+              <a:buNone/>
+              <a:defRPr sz="1050" b="0" i="0" u="none" strike="noStrike" cap="none">
+                <a:solidFill>
+                  <a:srgbClr val="000000"/>
+                </a:solidFill>
+                <a:latin typeface="Arial"/>
+                <a:ea typeface="Arial"/>
+                <a:cs typeface="Arial"/>
+                <a:sym typeface="Arial"/>
+              </a:defRPr>
+            </a:lvl6pPr>
+            <a:lvl7pPr marR="0" lvl="6" algn="l" rtl="0" eaLnBrk="1" hangingPunct="1">
+              <a:lnSpc>
+                <a:spcPct val="100000"/>
+              </a:lnSpc>
+              <a:spcBef>
+                <a:spcPts val="0"/>
+              </a:spcBef>
+              <a:spcAft>
+                <a:spcPts val="0"/>
+              </a:spcAft>
+              <a:buClr>
+                <a:srgbClr val="000000"/>
+              </a:buClr>
+              <a:buSzPts val="1400"/>
+              <a:buFont typeface="Arial"/>
+              <a:buNone/>
+              <a:defRPr sz="1050" b="0" i="0" u="none" strike="noStrike" cap="none">
+                <a:solidFill>
+                  <a:srgbClr val="000000"/>
+                </a:solidFill>
+                <a:latin typeface="Arial"/>
+                <a:ea typeface="Arial"/>
+                <a:cs typeface="Arial"/>
+                <a:sym typeface="Arial"/>
+              </a:defRPr>
+            </a:lvl7pPr>
+            <a:lvl8pPr marR="0" lvl="7" algn="l" rtl="0" eaLnBrk="1" hangingPunct="1">
+              <a:lnSpc>
+                <a:spcPct val="100000"/>
+              </a:lnSpc>
+              <a:spcBef>
+                <a:spcPts val="0"/>
+              </a:spcBef>
+              <a:spcAft>
+                <a:spcPts val="0"/>
+              </a:spcAft>
+              <a:buClr>
+                <a:srgbClr val="000000"/>
+              </a:buClr>
+              <a:buSzPts val="1400"/>
+              <a:buFont typeface="Arial"/>
+              <a:buNone/>
+              <a:defRPr sz="1050" b="0" i="0" u="none" strike="noStrike" cap="none">
+                <a:solidFill>
+                  <a:srgbClr val="000000"/>
+                </a:solidFill>
+                <a:latin typeface="Arial"/>
+                <a:ea typeface="Arial"/>
+                <a:cs typeface="Arial"/>
+                <a:sym typeface="Arial"/>
+              </a:defRPr>
+            </a:lvl8pPr>
+            <a:lvl9pPr marR="0" lvl="8" algn="l" rtl="0" eaLnBrk="1" hangingPunct="1">
+              <a:lnSpc>
+                <a:spcPct val="100000"/>
+              </a:lnSpc>
+              <a:spcBef>
+                <a:spcPts val="0"/>
+              </a:spcBef>
+              <a:spcAft>
+                <a:spcPts val="0"/>
+              </a:spcAft>
+              <a:buClr>
+                <a:srgbClr val="000000"/>
+              </a:buClr>
+              <a:buSzPts val="1400"/>
+              <a:buFont typeface="Arial"/>
+              <a:buNone/>
+              <a:defRPr sz="1050" b="0" i="0" u="none" strike="noStrike" cap="none">
+                <a:solidFill>
+                  <a:srgbClr val="000000"/>
+                </a:solidFill>
+                <a:latin typeface="Arial"/>
+                <a:ea typeface="Arial"/>
+                <a:cs typeface="Arial"/>
+                <a:sym typeface="Arial"/>
+              </a:defRPr>
+            </a:lvl9pPr>
+          </a:lstStyle>
+          <a:p>
+            <a:pPr algn="l"/>
+            <a:r>
+              <a:rPr lang="en-US" dirty="0"/>
+              <a:t>	key questions</a:t>
+            </a:r>
+          </a:p>
+        </p:txBody>
+      </p:sp>
+      <p:sp>
+        <p:nvSpPr>
+          <p:cNvPr id="29" name="Google Shape;14;p29">
+            <a:extLst>
+              <a:ext uri="{FF2B5EF4-FFF2-40B4-BE49-F238E27FC236}">
+                <a16:creationId xmlns:a16="http://schemas.microsoft.com/office/drawing/2014/main" id="{66E72EDD-0419-BAC4-285F-F96CBEFEC045}"/>
+              </a:ext>
+            </a:extLst>
+          </p:cNvPr>
+          <p:cNvSpPr txBox="1">
+            <a:spLocks noGrp="1"/>
+          </p:cNvSpPr>
+          <p:nvPr>
+            <p:ph type="ftr" idx="11"/>
+          </p:nvPr>
+        </p:nvSpPr>
+        <p:spPr>
+          <a:xfrm>
+            <a:off x="1176342" y="6414920"/>
+            <a:ext cx="5760000" cy="360000"/>
+          </a:xfrm>
+          <a:prstGeom prst="rect">
+            <a:avLst/>
+          </a:prstGeom>
+          <a:noFill/>
+          <a:ln>
+            <a:noFill/>
+          </a:ln>
+        </p:spPr>
+        <p:txBody>
+          <a:bodyPr spcFirstLastPara="1" wrap="square" lIns="91425" tIns="45700" rIns="91425" bIns="45700" anchor="ctr" anchorCtr="0">
+            <a:noAutofit/>
+          </a:bodyPr>
+          <a:lstStyle>
+            <a:lvl1pPr marR="0" lvl="0" algn="l" rtl="0">
+              <a:spcBef>
+                <a:spcPts val="0"/>
+              </a:spcBef>
+              <a:spcAft>
+                <a:spcPts val="0"/>
+              </a:spcAft>
+              <a:buSzPts val="1400"/>
+              <a:buNone/>
+              <a:defRPr sz="1400" b="0" i="0" u="none" strike="noStrike" cap="none" spc="300" baseline="0">
+                <a:solidFill>
+                  <a:srgbClr val="D64045"/>
+                </a:solidFill>
+                <a:latin typeface="Bahnschrift Condensed" panose="020B0502040204020203" pitchFamily="34" charset="0"/>
+                <a:ea typeface="Verdana" panose="020B0604030504040204" pitchFamily="34" charset="0"/>
+                <a:cs typeface="Helvetica" panose="020B0604020202020204" pitchFamily="34" charset="0"/>
+                <a:sym typeface="Avenir"/>
+              </a:defRPr>
+            </a:lvl1pPr>
+            <a:lvl2pPr marR="0" lvl="1" algn="l" rtl="0">
+              <a:spcBef>
+                <a:spcPts val="0"/>
+              </a:spcBef>
+              <a:spcAft>
+                <a:spcPts val="0"/>
+              </a:spcAft>
+              <a:buSzPts val="1400"/>
+              <a:buNone/>
+              <a:defRPr sz="1350" b="0" i="0" u="none" strike="noStrike" cap="none">
+                <a:solidFill>
+                  <a:schemeClr val="dk1"/>
+                </a:solidFill>
+                <a:latin typeface="Avenir"/>
+                <a:ea typeface="Avenir"/>
+                <a:cs typeface="Avenir"/>
+                <a:sym typeface="Avenir"/>
+              </a:defRPr>
+            </a:lvl2pPr>
+            <a:lvl3pPr marR="0" lvl="2" algn="l" rtl="0">
+              <a:spcBef>
+                <a:spcPts val="0"/>
+              </a:spcBef>
+              <a:spcAft>
+                <a:spcPts val="0"/>
+              </a:spcAft>
+              <a:buSzPts val="1400"/>
+              <a:buNone/>
+              <a:defRPr sz="1350" b="0" i="0" u="none" strike="noStrike" cap="none">
+                <a:solidFill>
+                  <a:schemeClr val="dk1"/>
+                </a:solidFill>
+                <a:latin typeface="Avenir"/>
+                <a:ea typeface="Avenir"/>
+                <a:cs typeface="Avenir"/>
+                <a:sym typeface="Avenir"/>
+              </a:defRPr>
+            </a:lvl3pPr>
+            <a:lvl4pPr marR="0" lvl="3" algn="l" rtl="0">
+              <a:spcBef>
+                <a:spcPts val="0"/>
+              </a:spcBef>
+              <a:spcAft>
+                <a:spcPts val="0"/>
+              </a:spcAft>
+              <a:buSzPts val="1400"/>
+              <a:buNone/>
+              <a:defRPr sz="1350" b="0" i="0" u="none" strike="noStrike" cap="none">
+                <a:solidFill>
+                  <a:schemeClr val="dk1"/>
+                </a:solidFill>
+                <a:latin typeface="Avenir"/>
+                <a:ea typeface="Avenir"/>
+                <a:cs typeface="Avenir"/>
+                <a:sym typeface="Avenir"/>
+              </a:defRPr>
+            </a:lvl4pPr>
+            <a:lvl5pPr marR="0" lvl="4" algn="l" rtl="0">
+              <a:spcBef>
+                <a:spcPts val="0"/>
+              </a:spcBef>
+              <a:spcAft>
+                <a:spcPts val="0"/>
+              </a:spcAft>
+              <a:buSzPts val="1400"/>
+              <a:buNone/>
+              <a:defRPr sz="1350" b="0" i="0" u="none" strike="noStrike" cap="none">
+                <a:solidFill>
+                  <a:schemeClr val="dk1"/>
+                </a:solidFill>
+                <a:latin typeface="Avenir"/>
+                <a:ea typeface="Avenir"/>
+                <a:cs typeface="Avenir"/>
+                <a:sym typeface="Avenir"/>
+              </a:defRPr>
+            </a:lvl5pPr>
+            <a:lvl6pPr marR="0" lvl="5" algn="l" rtl="0">
+              <a:spcBef>
+                <a:spcPts val="0"/>
+              </a:spcBef>
+              <a:spcAft>
+                <a:spcPts val="0"/>
+              </a:spcAft>
+              <a:buSzPts val="1400"/>
+              <a:buNone/>
+              <a:defRPr sz="1350" b="0" i="0" u="none" strike="noStrike" cap="none">
+                <a:solidFill>
+                  <a:schemeClr val="dk1"/>
+                </a:solidFill>
+                <a:latin typeface="Avenir"/>
+                <a:ea typeface="Avenir"/>
+                <a:cs typeface="Avenir"/>
+                <a:sym typeface="Avenir"/>
+              </a:defRPr>
+            </a:lvl6pPr>
+            <a:lvl7pPr marR="0" lvl="6" algn="l" rtl="0">
+              <a:spcBef>
+                <a:spcPts val="0"/>
+              </a:spcBef>
+              <a:spcAft>
+                <a:spcPts val="0"/>
+              </a:spcAft>
+              <a:buSzPts val="1400"/>
+              <a:buNone/>
+              <a:defRPr sz="1350" b="0" i="0" u="none" strike="noStrike" cap="none">
+                <a:solidFill>
+                  <a:schemeClr val="dk1"/>
+                </a:solidFill>
+                <a:latin typeface="Avenir"/>
+                <a:ea typeface="Avenir"/>
+                <a:cs typeface="Avenir"/>
+                <a:sym typeface="Avenir"/>
+              </a:defRPr>
+            </a:lvl7pPr>
+            <a:lvl8pPr marR="0" lvl="7" algn="l" rtl="0">
+              <a:spcBef>
+                <a:spcPts val="0"/>
+              </a:spcBef>
+              <a:spcAft>
+                <a:spcPts val="0"/>
+              </a:spcAft>
+              <a:buSzPts val="1400"/>
+              <a:buNone/>
+              <a:defRPr sz="1350" b="0" i="0" u="none" strike="noStrike" cap="none">
+                <a:solidFill>
+                  <a:schemeClr val="dk1"/>
+                </a:solidFill>
+                <a:latin typeface="Avenir"/>
+                <a:ea typeface="Avenir"/>
+                <a:cs typeface="Avenir"/>
+                <a:sym typeface="Avenir"/>
+              </a:defRPr>
+            </a:lvl8pPr>
+            <a:lvl9pPr marR="0" lvl="8" algn="l" rtl="0">
+              <a:spcBef>
+                <a:spcPts val="0"/>
+              </a:spcBef>
+              <a:spcAft>
+                <a:spcPts val="0"/>
+              </a:spcAft>
+              <a:buSzPts val="1400"/>
+              <a:buNone/>
+              <a:defRPr sz="1350" b="0" i="0" u="none" strike="noStrike" cap="none">
+                <a:solidFill>
+                  <a:schemeClr val="dk1"/>
+                </a:solidFill>
+                <a:latin typeface="Avenir"/>
+                <a:ea typeface="Avenir"/>
+                <a:cs typeface="Avenir"/>
+                <a:sym typeface="Avenir"/>
+              </a:defRPr>
+            </a:lvl9pPr>
+          </a:lstStyle>
+          <a:p>
+            <a:r>
+              <a:rPr lang="en-US" dirty="0"/>
+              <a:t>Physics 301:  Advanced Signal and Image Processing</a:t>
+            </a:r>
+          </a:p>
+        </p:txBody>
+      </p:sp>
+      <p:sp>
+        <p:nvSpPr>
+          <p:cNvPr id="30" name="Google Shape;15;p29">
+            <a:extLst>
+              <a:ext uri="{FF2B5EF4-FFF2-40B4-BE49-F238E27FC236}">
+                <a16:creationId xmlns:a16="http://schemas.microsoft.com/office/drawing/2014/main" id="{BC268FF0-FCEA-EB0C-83E4-C12984E484D0}"/>
+              </a:ext>
+            </a:extLst>
+          </p:cNvPr>
+          <p:cNvSpPr txBox="1">
+            <a:spLocks noGrp="1"/>
+          </p:cNvSpPr>
+          <p:nvPr>
+            <p:ph type="sldNum" idx="12"/>
+          </p:nvPr>
+        </p:nvSpPr>
+        <p:spPr>
+          <a:xfrm>
+            <a:off x="7918116" y="6403719"/>
+            <a:ext cx="1080000" cy="360000"/>
+          </a:xfrm>
+          <a:prstGeom prst="rect">
+            <a:avLst/>
+          </a:prstGeom>
+          <a:noFill/>
+          <a:ln>
+            <a:noFill/>
+          </a:ln>
+        </p:spPr>
+        <p:txBody>
+          <a:bodyPr spcFirstLastPara="1" wrap="square" lIns="91425" tIns="45700" rIns="91425" bIns="45700" anchor="ctr" anchorCtr="0">
+            <a:noAutofit/>
+          </a:bodyPr>
+          <a:lstStyle>
+            <a:lvl1pPr marL="0" marR="0" lvl="0" indent="0" algn="r" rtl="0">
+              <a:spcBef>
+                <a:spcPts val="0"/>
+              </a:spcBef>
+              <a:buNone/>
+              <a:defRPr sz="1350" b="0" i="0" u="none" strike="noStrike" cap="none">
+                <a:solidFill>
+                  <a:srgbClr val="D64045"/>
+                </a:solidFill>
+                <a:latin typeface="Bahnschrift Condensed" panose="020B0502040204020203" pitchFamily="34" charset="0"/>
+                <a:ea typeface="Verdana" panose="020B0604030504040204" pitchFamily="34" charset="0"/>
+                <a:cs typeface="Helvetica" panose="020B0604020202020204" pitchFamily="34" charset="0"/>
+                <a:sym typeface="Avenir"/>
+              </a:defRPr>
+            </a:lvl1pPr>
+            <a:lvl2pPr marL="0" marR="0" lvl="1" indent="0" algn="r" rtl="0">
+              <a:spcBef>
+                <a:spcPts val="0"/>
+              </a:spcBef>
+              <a:buNone/>
+              <a:defRPr sz="1050" b="1" i="0" u="none" strike="noStrike" cap="none">
+                <a:solidFill>
+                  <a:schemeClr val="dk1"/>
+                </a:solidFill>
+                <a:latin typeface="Avenir"/>
+                <a:ea typeface="Avenir"/>
+                <a:cs typeface="Avenir"/>
+                <a:sym typeface="Avenir"/>
+              </a:defRPr>
+            </a:lvl2pPr>
+            <a:lvl3pPr marL="0" marR="0" lvl="2" indent="0" algn="r" rtl="0">
+              <a:spcBef>
+                <a:spcPts val="0"/>
+              </a:spcBef>
+              <a:buNone/>
+              <a:defRPr sz="1050" b="1" i="0" u="none" strike="noStrike" cap="none">
+                <a:solidFill>
+                  <a:schemeClr val="dk1"/>
+                </a:solidFill>
+                <a:latin typeface="Avenir"/>
+                <a:ea typeface="Avenir"/>
+                <a:cs typeface="Avenir"/>
+                <a:sym typeface="Avenir"/>
+              </a:defRPr>
+            </a:lvl3pPr>
+            <a:lvl4pPr marL="0" marR="0" lvl="3" indent="0" algn="r" rtl="0">
+              <a:spcBef>
+                <a:spcPts val="0"/>
+              </a:spcBef>
+              <a:buNone/>
+              <a:defRPr sz="1050" b="1" i="0" u="none" strike="noStrike" cap="none">
+                <a:solidFill>
+                  <a:schemeClr val="dk1"/>
+                </a:solidFill>
+                <a:latin typeface="Avenir"/>
+                <a:ea typeface="Avenir"/>
+                <a:cs typeface="Avenir"/>
+                <a:sym typeface="Avenir"/>
+              </a:defRPr>
+            </a:lvl4pPr>
+            <a:lvl5pPr marL="0" marR="0" lvl="4" indent="0" algn="r" rtl="0">
+              <a:spcBef>
+                <a:spcPts val="0"/>
+              </a:spcBef>
+              <a:buNone/>
+              <a:defRPr sz="1050" b="1" i="0" u="none" strike="noStrike" cap="none">
+                <a:solidFill>
+                  <a:schemeClr val="dk1"/>
+                </a:solidFill>
+                <a:latin typeface="Avenir"/>
+                <a:ea typeface="Avenir"/>
+                <a:cs typeface="Avenir"/>
+                <a:sym typeface="Avenir"/>
+              </a:defRPr>
+            </a:lvl5pPr>
+            <a:lvl6pPr marL="0" marR="0" lvl="5" indent="0" algn="r" rtl="0">
+              <a:spcBef>
+                <a:spcPts val="0"/>
+              </a:spcBef>
+              <a:buNone/>
+              <a:defRPr sz="1050" b="1" i="0" u="none" strike="noStrike" cap="none">
+                <a:solidFill>
+                  <a:schemeClr val="dk1"/>
+                </a:solidFill>
+                <a:latin typeface="Avenir"/>
+                <a:ea typeface="Avenir"/>
+                <a:cs typeface="Avenir"/>
+                <a:sym typeface="Avenir"/>
+              </a:defRPr>
+            </a:lvl6pPr>
+            <a:lvl7pPr marL="0" marR="0" lvl="6" indent="0" algn="r" rtl="0">
+              <a:spcBef>
+                <a:spcPts val="0"/>
+              </a:spcBef>
+              <a:buNone/>
+              <a:defRPr sz="1050" b="1" i="0" u="none" strike="noStrike" cap="none">
+                <a:solidFill>
+                  <a:schemeClr val="dk1"/>
+                </a:solidFill>
+                <a:latin typeface="Avenir"/>
+                <a:ea typeface="Avenir"/>
+                <a:cs typeface="Avenir"/>
+                <a:sym typeface="Avenir"/>
+              </a:defRPr>
+            </a:lvl7pPr>
+            <a:lvl8pPr marL="0" marR="0" lvl="7" indent="0" algn="r" rtl="0">
+              <a:spcBef>
+                <a:spcPts val="0"/>
+              </a:spcBef>
+              <a:buNone/>
+              <a:defRPr sz="1050" b="1" i="0" u="none" strike="noStrike" cap="none">
+                <a:solidFill>
+                  <a:schemeClr val="dk1"/>
+                </a:solidFill>
+                <a:latin typeface="Avenir"/>
+                <a:ea typeface="Avenir"/>
+                <a:cs typeface="Avenir"/>
+                <a:sym typeface="Avenir"/>
+              </a:defRPr>
+            </a:lvl8pPr>
+            <a:lvl9pPr marL="0" marR="0" lvl="8" indent="0" algn="r" rtl="0">
+              <a:spcBef>
+                <a:spcPts val="0"/>
+              </a:spcBef>
+              <a:buNone/>
+              <a:defRPr sz="1050" b="1" i="0" u="none" strike="noStrike" cap="none">
+                <a:solidFill>
+                  <a:schemeClr val="dk1"/>
+                </a:solidFill>
+                <a:latin typeface="Avenir"/>
+                <a:ea typeface="Avenir"/>
+                <a:cs typeface="Avenir"/>
+                <a:sym typeface="Avenir"/>
+              </a:defRPr>
+            </a:lvl9pPr>
+          </a:lstStyle>
+          <a:p>
+            <a:r>
+              <a:rPr lang="en-US" dirty="0"/>
+              <a:t>//</a:t>
+            </a:r>
+            <a:fld id="{0223BEE4-7172-435F-BED8-F7D7E8D3404B}" type="slidenum">
+              <a:rPr lang="en-US" smtClean="0"/>
+              <a:pPr/>
+              <a:t>‹#›</a:t>
+            </a:fld>
+            <a:endParaRPr lang="en-US" dirty="0"/>
+          </a:p>
+        </p:txBody>
+      </p:sp>
+      <p:pic>
+        <p:nvPicPr>
+          <p:cNvPr id="42" name="Graphic 41" descr="A puzzle">
+            <a:extLst>
+              <a:ext uri="{FF2B5EF4-FFF2-40B4-BE49-F238E27FC236}">
+                <a16:creationId xmlns:a16="http://schemas.microsoft.com/office/drawing/2014/main" id="{7B11378C-27AA-1673-7712-BDE19253E1E5}"/>
+              </a:ext>
+            </a:extLst>
+          </p:cNvPr>
+          <p:cNvPicPr>
+            <a:picLocks noChangeAspect="1"/>
+          </p:cNvPicPr>
+          <p:nvPr userDrawn="1"/>
+        </p:nvPicPr>
+        <p:blipFill>
+          <a:blip r:embed="rId2">
+            <a:extLst>
+              <a:ext uri="{28A0092B-C50C-407E-A947-70E740481C1C}">
+                <a14:useLocalDpi xmlns:a14="http://schemas.microsoft.com/office/drawing/2010/main" val="0"/>
+              </a:ext>
+              <a:ext uri="{96DAC541-7B7A-43D3-8B79-37D633B846F1}">
+                <asvg:svgBlip xmlns:asvg="http://schemas.microsoft.com/office/drawing/2016/SVG/main" r:embed="rId3"/>
+              </a:ext>
+            </a:extLst>
+          </a:blip>
+          <a:stretch>
+            <a:fillRect/>
+          </a:stretch>
+        </p:blipFill>
+        <p:spPr>
+          <a:xfrm>
+            <a:off x="28279" y="-242655"/>
+            <a:ext cx="1939156" cy="1939156"/>
+          </a:xfrm>
+          <a:prstGeom prst="rect">
+            <a:avLst/>
+          </a:prstGeom>
+          <a:effectLst>
+            <a:outerShdw dist="25400" dir="8100000" algn="tr" rotWithShape="0">
+              <a:srgbClr val="D64045"/>
+            </a:outerShdw>
+          </a:effectLst>
+        </p:spPr>
+      </p:pic>
+      <p:pic>
+        <p:nvPicPr>
+          <p:cNvPr id="46" name="Graphic 45" descr="A lightbulb">
+            <a:extLst>
+              <a:ext uri="{FF2B5EF4-FFF2-40B4-BE49-F238E27FC236}">
+                <a16:creationId xmlns:a16="http://schemas.microsoft.com/office/drawing/2014/main" id="{A0A226B9-CBEE-72E7-130E-A2EF0BE7B0AF}"/>
+              </a:ext>
+            </a:extLst>
+          </p:cNvPr>
+          <p:cNvPicPr>
+            <a:picLocks noChangeAspect="1"/>
+          </p:cNvPicPr>
+          <p:nvPr userDrawn="1"/>
+        </p:nvPicPr>
+        <p:blipFill rotWithShape="1">
+          <a:blip r:embed="rId4">
+            <a:extLst>
+              <a:ext uri="{28A0092B-C50C-407E-A947-70E740481C1C}">
+                <a14:useLocalDpi xmlns:a14="http://schemas.microsoft.com/office/drawing/2010/main" val="0"/>
+              </a:ext>
+              <a:ext uri="{96DAC541-7B7A-43D3-8B79-37D633B846F1}">
+                <asvg:svgBlip xmlns:asvg="http://schemas.microsoft.com/office/drawing/2016/SVG/main" r:embed="rId5"/>
+              </a:ext>
+            </a:extLst>
+          </a:blip>
+          <a:srcRect l="16030" t="10286" r="16030" b="10286"/>
+          <a:stretch/>
+        </p:blipFill>
+        <p:spPr>
+          <a:xfrm>
+            <a:off x="457200" y="3429000"/>
+            <a:ext cx="978154" cy="1143536"/>
+          </a:xfrm>
+          <a:prstGeom prst="rect">
+            <a:avLst/>
+          </a:prstGeom>
+          <a:effectLst>
+            <a:outerShdw dist="25400" dir="8100000" algn="tr" rotWithShape="0">
+              <a:srgbClr val="467599"/>
+            </a:outerShdw>
+          </a:effectLst>
+        </p:spPr>
+      </p:pic>
+    </p:spTree>
+    <p:extLst>
+      <p:ext uri="{BB962C8B-B14F-4D97-AF65-F5344CB8AC3E}">
+        <p14:creationId xmlns:p14="http://schemas.microsoft.com/office/powerpoint/2010/main" val="1311956389"/>
+      </p:ext>
+    </p:extLst>
+  </p:cSld>
+  <p:clrMapOvr>
+    <a:masterClrMapping/>
+  </p:clrMapOvr>
+  <mc:AlternateContent xmlns:mc="http://schemas.openxmlformats.org/markup-compatibility/2006" xmlns:p14="http://schemas.microsoft.com/office/powerpoint/2010/main">
+    <mc:Choice Requires="p14">
+      <p:transition p14:dur="200">
+        <p:fade/>
+      </p:transition>
+    </mc:Choice>
+    <mc:Fallback xmlns="" xmlns:mv="urn:schemas-microsoft-com:mac:vml" xmlns:c="http://schemas.openxmlformats.org/drawingml/2006/chart" xmlns:dgm="http://schemas.openxmlformats.org/drawingml/2006/diagram" xmlns:o="urn:schemas-microsoft-com:office:office" xmlns:v="urn:schemas-microsoft-com:vml" xmlns:pvml="urn:schemas-microsoft-com:office:powerpoint" xmlns:com="http://schemas.openxmlformats.org/drawingml/2006/compatibility" xmlns:p15="http://schemas.microsoft.com/office/powerpoint/2012/main" xmlns:ahyp="http://schemas.microsoft.com/office/drawing/2018/hyperlinkcolor">
+      <p:transition>
+        <p:fade/>
+      </p:transition>
+    </mc:Fallback>
+  </mc:AlternateContent>
+</p:sldLayout>
+</file>
+
+<file path=ppt/slideLayouts/slideLayout3.xml><?xml version="1.0" encoding="utf-8"?>
+<p:sldLayout xmlns:a="http://schemas.openxmlformats.org/drawingml/2006/main" xmlns:r="http://schemas.openxmlformats.org/officeDocument/2006/relationships" xmlns:p="http://schemas.openxmlformats.org/presentationml/2006/main" matchingName="Title and Content" preserve="1">
+  <p:cSld name="1_Title and Content">
+    <p:bg>
+      <p:bgPr>
+        <a:pattFill prst="dotGrid">
+          <a:fgClr>
+            <a:srgbClr val="FCEFE4"/>
+          </a:fgClr>
+          <a:bgClr>
+            <a:schemeClr val="bg1"/>
+          </a:bgClr>
+        </a:pattFill>
+        <a:effectLst/>
+      </p:bgPr>
+    </p:bg>
+    <p:spTree>
+      <p:nvGrpSpPr>
+        <p:cNvPr id="1" name="Shape 27"/>
+        <p:cNvGrpSpPr/>
+        <p:nvPr/>
+      </p:nvGrpSpPr>
+      <p:grpSpPr>
+        <a:xfrm>
+          <a:off x="0" y="0"/>
+          <a:ext cx="0" cy="0"/>
+          <a:chOff x="0" y="0"/>
+          <a:chExt cx="0" cy="0"/>
+        </a:xfrm>
+      </p:grpSpPr>
+      <p:pic>
+        <p:nvPicPr>
+          <p:cNvPr id="7" name="Graphic 6" descr="An organic corner shape">
+            <a:extLst>
+              <a:ext uri="{FF2B5EF4-FFF2-40B4-BE49-F238E27FC236}">
+                <a16:creationId xmlns:a16="http://schemas.microsoft.com/office/drawing/2014/main" id="{9C466E8C-AEB3-34A1-0272-15A2E608D2E2}"/>
+              </a:ext>
+            </a:extLst>
+          </p:cNvPr>
+          <p:cNvPicPr>
+            <a:picLocks noChangeAspect="1"/>
+          </p:cNvPicPr>
+          <p:nvPr userDrawn="1"/>
+        </p:nvPicPr>
+        <p:blipFill>
+          <a:blip r:embed="rId2">
+            <a:extLst>
+              <a:ext uri="{28A0092B-C50C-407E-A947-70E740481C1C}">
+                <a14:useLocalDpi xmlns:a14="http://schemas.microsoft.com/office/drawing/2010/main" val="0"/>
+              </a:ext>
+              <a:ext uri="{96DAC541-7B7A-43D3-8B79-37D633B846F1}">
+                <asvg:svgBlip xmlns:asvg="http://schemas.microsoft.com/office/drawing/2016/SVG/main" r:embed="rId3"/>
+              </a:ext>
+            </a:extLst>
+          </a:blip>
+          <a:stretch>
+            <a:fillRect/>
+          </a:stretch>
+        </p:blipFill>
+        <p:spPr>
+          <a:xfrm flipH="1">
+            <a:off x="5197339" y="2920077"/>
+            <a:ext cx="3947160" cy="3947160"/>
+          </a:xfrm>
+          <a:prstGeom prst="rect">
+            <a:avLst/>
+          </a:prstGeom>
+        </p:spPr>
+      </p:pic>
+      <p:pic>
+        <p:nvPicPr>
+          <p:cNvPr id="6" name="Graphic 5" descr="An organic corner shape">
+            <a:extLst>
+              <a:ext uri="{FF2B5EF4-FFF2-40B4-BE49-F238E27FC236}">
+                <a16:creationId xmlns:a16="http://schemas.microsoft.com/office/drawing/2014/main" id="{A4A4E247-CCC3-38B2-D7BE-5A6A2A0F90D7}"/>
+              </a:ext>
+            </a:extLst>
+          </p:cNvPr>
+          <p:cNvPicPr>
+            <a:picLocks noChangeAspect="1"/>
+          </p:cNvPicPr>
+          <p:nvPr userDrawn="1"/>
+        </p:nvPicPr>
+        <p:blipFill>
+          <a:blip r:embed="rId4">
+            <a:extLst>
+              <a:ext uri="{28A0092B-C50C-407E-A947-70E740481C1C}">
+                <a14:useLocalDpi xmlns:a14="http://schemas.microsoft.com/office/drawing/2010/main" val="0"/>
+              </a:ext>
+              <a:ext uri="{96DAC541-7B7A-43D3-8B79-37D633B846F1}">
+                <asvg:svgBlip xmlns:asvg="http://schemas.microsoft.com/office/drawing/2016/SVG/main" r:embed="rId5"/>
+              </a:ext>
+            </a:extLst>
+          </a:blip>
+          <a:stretch>
+            <a:fillRect/>
+          </a:stretch>
+        </p:blipFill>
+        <p:spPr>
+          <a:xfrm rot="16200000" flipH="1">
+            <a:off x="-1" y="0"/>
+            <a:ext cx="3459494" cy="3459494"/>
+          </a:xfrm>
+          <a:prstGeom prst="rect">
+            <a:avLst/>
+          </a:prstGeom>
+        </p:spPr>
+      </p:pic>
       <p:sp>
         <p:nvSpPr>
           <p:cNvPr id="28" name="Google Shape;28;p31"/>
@@ -1113,16 +3294,19 @@
               </a:buClr>
               <a:buSzPts val="1800"/>
               <a:buNone/>
-              <a:defRPr sz="4000" b="1">
+              <a:defRPr sz="6000" b="1">
+                <a:ln w="0">
+                  <a:noFill/>
+                </a:ln>
                 <a:solidFill>
                   <a:srgbClr val="D64045"/>
                 </a:solidFill>
                 <a:effectLst>
-                  <a:outerShdw dist="38100" dir="8100000" algn="tl">
+                  <a:outerShdw dist="38100" dir="8100000" algn="tr" rotWithShape="0">
                     <a:srgbClr val="467599"/>
                   </a:outerShdw>
                 </a:effectLst>
-                <a:latin typeface="Helvetica" panose="020B0604020202020204" pitchFamily="34" charset="0"/>
+                <a:latin typeface="Bahnschrift Condensed" panose="020B0502040204020203" pitchFamily="34" charset="0"/>
                 <a:cs typeface="Helvetica" panose="020B0604020202020204" pitchFamily="34" charset="0"/>
               </a:defRPr>
             </a:lvl1pPr>
@@ -1266,7 +3450,7 @@
               <a:buFont typeface="Wingdings" panose="05000000000000000000" pitchFamily="2" charset="2"/>
               <a:buChar char="§"/>
               <a:defRPr sz="2100">
-                <a:latin typeface="Verdana" panose="020B0604030504040204" pitchFamily="34" charset="0"/>
+                <a:latin typeface="Bahnschrift Light" panose="020B0502040204020203" pitchFamily="34" charset="0"/>
                 <a:ea typeface="Verdana" panose="020B0604030504040204" pitchFamily="34" charset="0"/>
                 <a:cs typeface="Helvetica" panose="020B0604020202020204" pitchFamily="34" charset="0"/>
               </a:defRPr>
@@ -1398,7 +3582,13 @@
       </p:sp>
       <p:sp>
         <p:nvSpPr>
-          <p:cNvPr id="31" name="Google Shape;31;p31"/>
+          <p:cNvPr id="10" name="Google Shape;14;p29">
+            <a:extLst>
+              <a:ext uri="{FF2B5EF4-FFF2-40B4-BE49-F238E27FC236}">
+                <a16:creationId xmlns:a16="http://schemas.microsoft.com/office/drawing/2014/main" id="{1B8CE02E-195C-1E4D-26F0-679C850B8E04}"/>
+              </a:ext>
+            </a:extLst>
+          </p:cNvPr>
           <p:cNvSpPr txBox="1">
             <a:spLocks noGrp="1"/>
           </p:cNvSpPr>
@@ -1408,8 +3598,520 @@
         </p:nvSpPr>
         <p:spPr>
           <a:xfrm>
-            <a:off x="1182757" y="6423533"/>
-            <a:ext cx="6361043" cy="329184"/>
+            <a:off x="1176342" y="6414920"/>
+            <a:ext cx="5760000" cy="360000"/>
+          </a:xfrm>
+          <a:prstGeom prst="rect">
+            <a:avLst/>
+          </a:prstGeom>
+          <a:noFill/>
+          <a:ln>
+            <a:noFill/>
+          </a:ln>
+        </p:spPr>
+        <p:txBody>
+          <a:bodyPr spcFirstLastPara="1" wrap="square" lIns="91425" tIns="45700" rIns="91425" bIns="45700" anchor="ctr" anchorCtr="0">
+            <a:noAutofit/>
+          </a:bodyPr>
+          <a:lstStyle>
+            <a:lvl1pPr marR="0" lvl="0" algn="l" rtl="0">
+              <a:spcBef>
+                <a:spcPts val="0"/>
+              </a:spcBef>
+              <a:spcAft>
+                <a:spcPts val="0"/>
+              </a:spcAft>
+              <a:buSzPts val="1400"/>
+              <a:buNone/>
+              <a:defRPr sz="1400" b="0" i="0" u="none" strike="noStrike" cap="none" spc="300" baseline="0">
+                <a:solidFill>
+                  <a:srgbClr val="D64045"/>
+                </a:solidFill>
+                <a:latin typeface="Bahnschrift Condensed" panose="020B0502040204020203" pitchFamily="34" charset="0"/>
+                <a:ea typeface="Verdana" panose="020B0604030504040204" pitchFamily="34" charset="0"/>
+                <a:cs typeface="Helvetica" panose="020B0604020202020204" pitchFamily="34" charset="0"/>
+                <a:sym typeface="Avenir"/>
+              </a:defRPr>
+            </a:lvl1pPr>
+            <a:lvl2pPr marR="0" lvl="1" algn="l" rtl="0">
+              <a:spcBef>
+                <a:spcPts val="0"/>
+              </a:spcBef>
+              <a:spcAft>
+                <a:spcPts val="0"/>
+              </a:spcAft>
+              <a:buSzPts val="1400"/>
+              <a:buNone/>
+              <a:defRPr sz="1350" b="0" i="0" u="none" strike="noStrike" cap="none">
+                <a:solidFill>
+                  <a:schemeClr val="dk1"/>
+                </a:solidFill>
+                <a:latin typeface="Avenir"/>
+                <a:ea typeface="Avenir"/>
+                <a:cs typeface="Avenir"/>
+                <a:sym typeface="Avenir"/>
+              </a:defRPr>
+            </a:lvl2pPr>
+            <a:lvl3pPr marR="0" lvl="2" algn="l" rtl="0">
+              <a:spcBef>
+                <a:spcPts val="0"/>
+              </a:spcBef>
+              <a:spcAft>
+                <a:spcPts val="0"/>
+              </a:spcAft>
+              <a:buSzPts val="1400"/>
+              <a:buNone/>
+              <a:defRPr sz="1350" b="0" i="0" u="none" strike="noStrike" cap="none">
+                <a:solidFill>
+                  <a:schemeClr val="dk1"/>
+                </a:solidFill>
+                <a:latin typeface="Avenir"/>
+                <a:ea typeface="Avenir"/>
+                <a:cs typeface="Avenir"/>
+                <a:sym typeface="Avenir"/>
+              </a:defRPr>
+            </a:lvl3pPr>
+            <a:lvl4pPr marR="0" lvl="3" algn="l" rtl="0">
+              <a:spcBef>
+                <a:spcPts val="0"/>
+              </a:spcBef>
+              <a:spcAft>
+                <a:spcPts val="0"/>
+              </a:spcAft>
+              <a:buSzPts val="1400"/>
+              <a:buNone/>
+              <a:defRPr sz="1350" b="0" i="0" u="none" strike="noStrike" cap="none">
+                <a:solidFill>
+                  <a:schemeClr val="dk1"/>
+                </a:solidFill>
+                <a:latin typeface="Avenir"/>
+                <a:ea typeface="Avenir"/>
+                <a:cs typeface="Avenir"/>
+                <a:sym typeface="Avenir"/>
+              </a:defRPr>
+            </a:lvl4pPr>
+            <a:lvl5pPr marR="0" lvl="4" algn="l" rtl="0">
+              <a:spcBef>
+                <a:spcPts val="0"/>
+              </a:spcBef>
+              <a:spcAft>
+                <a:spcPts val="0"/>
+              </a:spcAft>
+              <a:buSzPts val="1400"/>
+              <a:buNone/>
+              <a:defRPr sz="1350" b="0" i="0" u="none" strike="noStrike" cap="none">
+                <a:solidFill>
+                  <a:schemeClr val="dk1"/>
+                </a:solidFill>
+                <a:latin typeface="Avenir"/>
+                <a:ea typeface="Avenir"/>
+                <a:cs typeface="Avenir"/>
+                <a:sym typeface="Avenir"/>
+              </a:defRPr>
+            </a:lvl5pPr>
+            <a:lvl6pPr marR="0" lvl="5" algn="l" rtl="0">
+              <a:spcBef>
+                <a:spcPts val="0"/>
+              </a:spcBef>
+              <a:spcAft>
+                <a:spcPts val="0"/>
+              </a:spcAft>
+              <a:buSzPts val="1400"/>
+              <a:buNone/>
+              <a:defRPr sz="1350" b="0" i="0" u="none" strike="noStrike" cap="none">
+                <a:solidFill>
+                  <a:schemeClr val="dk1"/>
+                </a:solidFill>
+                <a:latin typeface="Avenir"/>
+                <a:ea typeface="Avenir"/>
+                <a:cs typeface="Avenir"/>
+                <a:sym typeface="Avenir"/>
+              </a:defRPr>
+            </a:lvl6pPr>
+            <a:lvl7pPr marR="0" lvl="6" algn="l" rtl="0">
+              <a:spcBef>
+                <a:spcPts val="0"/>
+              </a:spcBef>
+              <a:spcAft>
+                <a:spcPts val="0"/>
+              </a:spcAft>
+              <a:buSzPts val="1400"/>
+              <a:buNone/>
+              <a:defRPr sz="1350" b="0" i="0" u="none" strike="noStrike" cap="none">
+                <a:solidFill>
+                  <a:schemeClr val="dk1"/>
+                </a:solidFill>
+                <a:latin typeface="Avenir"/>
+                <a:ea typeface="Avenir"/>
+                <a:cs typeface="Avenir"/>
+                <a:sym typeface="Avenir"/>
+              </a:defRPr>
+            </a:lvl7pPr>
+            <a:lvl8pPr marR="0" lvl="7" algn="l" rtl="0">
+              <a:spcBef>
+                <a:spcPts val="0"/>
+              </a:spcBef>
+              <a:spcAft>
+                <a:spcPts val="0"/>
+              </a:spcAft>
+              <a:buSzPts val="1400"/>
+              <a:buNone/>
+              <a:defRPr sz="1350" b="0" i="0" u="none" strike="noStrike" cap="none">
+                <a:solidFill>
+                  <a:schemeClr val="dk1"/>
+                </a:solidFill>
+                <a:latin typeface="Avenir"/>
+                <a:ea typeface="Avenir"/>
+                <a:cs typeface="Avenir"/>
+                <a:sym typeface="Avenir"/>
+              </a:defRPr>
+            </a:lvl8pPr>
+            <a:lvl9pPr marR="0" lvl="8" algn="l" rtl="0">
+              <a:spcBef>
+                <a:spcPts val="0"/>
+              </a:spcBef>
+              <a:spcAft>
+                <a:spcPts val="0"/>
+              </a:spcAft>
+              <a:buSzPts val="1400"/>
+              <a:buNone/>
+              <a:defRPr sz="1350" b="0" i="0" u="none" strike="noStrike" cap="none">
+                <a:solidFill>
+                  <a:schemeClr val="dk1"/>
+                </a:solidFill>
+                <a:latin typeface="Avenir"/>
+                <a:ea typeface="Avenir"/>
+                <a:cs typeface="Avenir"/>
+                <a:sym typeface="Avenir"/>
+              </a:defRPr>
+            </a:lvl9pPr>
+          </a:lstStyle>
+          <a:p>
+            <a:r>
+              <a:rPr lang="en-US" dirty="0"/>
+              <a:t>Physics 301:  Advanced Signal and Image Processing</a:t>
+            </a:r>
+          </a:p>
+        </p:txBody>
+      </p:sp>
+      <p:sp>
+        <p:nvSpPr>
+          <p:cNvPr id="11" name="Google Shape;15;p29">
+            <a:extLst>
+              <a:ext uri="{FF2B5EF4-FFF2-40B4-BE49-F238E27FC236}">
+                <a16:creationId xmlns:a16="http://schemas.microsoft.com/office/drawing/2014/main" id="{B3CA34FC-608B-E885-66F0-B43900B891D1}"/>
+              </a:ext>
+            </a:extLst>
+          </p:cNvPr>
+          <p:cNvSpPr txBox="1">
+            <a:spLocks noGrp="1"/>
+          </p:cNvSpPr>
+          <p:nvPr>
+            <p:ph type="sldNum" idx="12"/>
+          </p:nvPr>
+        </p:nvSpPr>
+        <p:spPr>
+          <a:xfrm>
+            <a:off x="7918116" y="6403719"/>
+            <a:ext cx="1080000" cy="360000"/>
+          </a:xfrm>
+          <a:prstGeom prst="rect">
+            <a:avLst/>
+          </a:prstGeom>
+          <a:noFill/>
+          <a:ln>
+            <a:noFill/>
+          </a:ln>
+        </p:spPr>
+        <p:txBody>
+          <a:bodyPr spcFirstLastPara="1" wrap="square" lIns="91425" tIns="45700" rIns="91425" bIns="45700" anchor="ctr" anchorCtr="0">
+            <a:noAutofit/>
+          </a:bodyPr>
+          <a:lstStyle>
+            <a:lvl1pPr marL="0" marR="0" lvl="0" indent="0" algn="r" rtl="0">
+              <a:spcBef>
+                <a:spcPts val="0"/>
+              </a:spcBef>
+              <a:buNone/>
+              <a:defRPr sz="1350" b="0" i="0" u="none" strike="noStrike" cap="none">
+                <a:solidFill>
+                  <a:srgbClr val="D64045"/>
+                </a:solidFill>
+                <a:latin typeface="Bahnschrift Condensed" panose="020B0502040204020203" pitchFamily="34" charset="0"/>
+                <a:ea typeface="Verdana" panose="020B0604030504040204" pitchFamily="34" charset="0"/>
+                <a:cs typeface="Helvetica" panose="020B0604020202020204" pitchFamily="34" charset="0"/>
+                <a:sym typeface="Avenir"/>
+              </a:defRPr>
+            </a:lvl1pPr>
+            <a:lvl2pPr marL="0" marR="0" lvl="1" indent="0" algn="r" rtl="0">
+              <a:spcBef>
+                <a:spcPts val="0"/>
+              </a:spcBef>
+              <a:buNone/>
+              <a:defRPr sz="1050" b="1" i="0" u="none" strike="noStrike" cap="none">
+                <a:solidFill>
+                  <a:schemeClr val="dk1"/>
+                </a:solidFill>
+                <a:latin typeface="Avenir"/>
+                <a:ea typeface="Avenir"/>
+                <a:cs typeface="Avenir"/>
+                <a:sym typeface="Avenir"/>
+              </a:defRPr>
+            </a:lvl2pPr>
+            <a:lvl3pPr marL="0" marR="0" lvl="2" indent="0" algn="r" rtl="0">
+              <a:spcBef>
+                <a:spcPts val="0"/>
+              </a:spcBef>
+              <a:buNone/>
+              <a:defRPr sz="1050" b="1" i="0" u="none" strike="noStrike" cap="none">
+                <a:solidFill>
+                  <a:schemeClr val="dk1"/>
+                </a:solidFill>
+                <a:latin typeface="Avenir"/>
+                <a:ea typeface="Avenir"/>
+                <a:cs typeface="Avenir"/>
+                <a:sym typeface="Avenir"/>
+              </a:defRPr>
+            </a:lvl3pPr>
+            <a:lvl4pPr marL="0" marR="0" lvl="3" indent="0" algn="r" rtl="0">
+              <a:spcBef>
+                <a:spcPts val="0"/>
+              </a:spcBef>
+              <a:buNone/>
+              <a:defRPr sz="1050" b="1" i="0" u="none" strike="noStrike" cap="none">
+                <a:solidFill>
+                  <a:schemeClr val="dk1"/>
+                </a:solidFill>
+                <a:latin typeface="Avenir"/>
+                <a:ea typeface="Avenir"/>
+                <a:cs typeface="Avenir"/>
+                <a:sym typeface="Avenir"/>
+              </a:defRPr>
+            </a:lvl4pPr>
+            <a:lvl5pPr marL="0" marR="0" lvl="4" indent="0" algn="r" rtl="0">
+              <a:spcBef>
+                <a:spcPts val="0"/>
+              </a:spcBef>
+              <a:buNone/>
+              <a:defRPr sz="1050" b="1" i="0" u="none" strike="noStrike" cap="none">
+                <a:solidFill>
+                  <a:schemeClr val="dk1"/>
+                </a:solidFill>
+                <a:latin typeface="Avenir"/>
+                <a:ea typeface="Avenir"/>
+                <a:cs typeface="Avenir"/>
+                <a:sym typeface="Avenir"/>
+              </a:defRPr>
+            </a:lvl5pPr>
+            <a:lvl6pPr marL="0" marR="0" lvl="5" indent="0" algn="r" rtl="0">
+              <a:spcBef>
+                <a:spcPts val="0"/>
+              </a:spcBef>
+              <a:buNone/>
+              <a:defRPr sz="1050" b="1" i="0" u="none" strike="noStrike" cap="none">
+                <a:solidFill>
+                  <a:schemeClr val="dk1"/>
+                </a:solidFill>
+                <a:latin typeface="Avenir"/>
+                <a:ea typeface="Avenir"/>
+                <a:cs typeface="Avenir"/>
+                <a:sym typeface="Avenir"/>
+              </a:defRPr>
+            </a:lvl6pPr>
+            <a:lvl7pPr marL="0" marR="0" lvl="6" indent="0" algn="r" rtl="0">
+              <a:spcBef>
+                <a:spcPts val="0"/>
+              </a:spcBef>
+              <a:buNone/>
+              <a:defRPr sz="1050" b="1" i="0" u="none" strike="noStrike" cap="none">
+                <a:solidFill>
+                  <a:schemeClr val="dk1"/>
+                </a:solidFill>
+                <a:latin typeface="Avenir"/>
+                <a:ea typeface="Avenir"/>
+                <a:cs typeface="Avenir"/>
+                <a:sym typeface="Avenir"/>
+              </a:defRPr>
+            </a:lvl7pPr>
+            <a:lvl8pPr marL="0" marR="0" lvl="7" indent="0" algn="r" rtl="0">
+              <a:spcBef>
+                <a:spcPts val="0"/>
+              </a:spcBef>
+              <a:buNone/>
+              <a:defRPr sz="1050" b="1" i="0" u="none" strike="noStrike" cap="none">
+                <a:solidFill>
+                  <a:schemeClr val="dk1"/>
+                </a:solidFill>
+                <a:latin typeface="Avenir"/>
+                <a:ea typeface="Avenir"/>
+                <a:cs typeface="Avenir"/>
+                <a:sym typeface="Avenir"/>
+              </a:defRPr>
+            </a:lvl8pPr>
+            <a:lvl9pPr marL="0" marR="0" lvl="8" indent="0" algn="r" rtl="0">
+              <a:spcBef>
+                <a:spcPts val="0"/>
+              </a:spcBef>
+              <a:buNone/>
+              <a:defRPr sz="1050" b="1" i="0" u="none" strike="noStrike" cap="none">
+                <a:solidFill>
+                  <a:schemeClr val="dk1"/>
+                </a:solidFill>
+                <a:latin typeface="Avenir"/>
+                <a:ea typeface="Avenir"/>
+                <a:cs typeface="Avenir"/>
+                <a:sym typeface="Avenir"/>
+              </a:defRPr>
+            </a:lvl9pPr>
+          </a:lstStyle>
+          <a:p>
+            <a:r>
+              <a:rPr lang="en-US" dirty="0"/>
+              <a:t>//</a:t>
+            </a:r>
+            <a:fld id="{0223BEE4-7172-435F-BED8-F7D7E8D3404B}" type="slidenum">
+              <a:rPr lang="en-US" smtClean="0"/>
+              <a:pPr/>
+              <a:t>‹#›</a:t>
+            </a:fld>
+            <a:endParaRPr lang="en-US" dirty="0"/>
+          </a:p>
+        </p:txBody>
+      </p:sp>
+    </p:spTree>
+    <p:extLst>
+      <p:ext uri="{BB962C8B-B14F-4D97-AF65-F5344CB8AC3E}">
+        <p14:creationId xmlns:p14="http://schemas.microsoft.com/office/powerpoint/2010/main" val="2932148752"/>
+      </p:ext>
+    </p:extLst>
+  </p:cSld>
+  <p:clrMapOvr>
+    <a:masterClrMapping/>
+  </p:clrMapOvr>
+  <mc:AlternateContent xmlns:mc="http://schemas.openxmlformats.org/markup-compatibility/2006" xmlns:p14="http://schemas.microsoft.com/office/powerpoint/2010/main">
+    <mc:Choice Requires="p14">
+      <p:transition p14:dur="200">
+        <p:fade/>
+      </p:transition>
+    </mc:Choice>
+    <mc:Fallback xmlns="" xmlns:mv="urn:schemas-microsoft-com:mac:vml" xmlns:c="http://schemas.openxmlformats.org/drawingml/2006/chart" xmlns:dgm="http://schemas.openxmlformats.org/drawingml/2006/diagram" xmlns:o="urn:schemas-microsoft-com:office:office" xmlns:v="urn:schemas-microsoft-com:vml" xmlns:pvml="urn:schemas-microsoft-com:office:powerpoint" xmlns:com="http://schemas.openxmlformats.org/drawingml/2006/compatibility" xmlns:p15="http://schemas.microsoft.com/office/powerpoint/2012/main" xmlns:ahyp="http://schemas.microsoft.com/office/drawing/2018/hyperlinkcolor">
+      <p:transition>
+        <p:fade/>
+      </p:transition>
+    </mc:Fallback>
+  </mc:AlternateContent>
+</p:sldLayout>
+</file>
+
+<file path=ppt/slideLayouts/slideLayout4.xml><?xml version="1.0" encoding="utf-8"?>
+<p:sldLayout xmlns:a="http://schemas.openxmlformats.org/drawingml/2006/main" xmlns:r="http://schemas.openxmlformats.org/officeDocument/2006/relationships" xmlns:p="http://schemas.openxmlformats.org/presentationml/2006/main" matchingName="Title and Content">
+  <p:cSld name="Title and Content">
+    <p:spTree>
+      <p:nvGrpSpPr>
+        <p:cNvPr id="1" name="Shape 27"/>
+        <p:cNvGrpSpPr/>
+        <p:nvPr/>
+      </p:nvGrpSpPr>
+      <p:grpSpPr>
+        <a:xfrm>
+          <a:off x="0" y="0"/>
+          <a:ext cx="0" cy="0"/>
+          <a:chOff x="0" y="0"/>
+          <a:chExt cx="0" cy="0"/>
+        </a:xfrm>
+      </p:grpSpPr>
+      <p:pic>
+        <p:nvPicPr>
+          <p:cNvPr id="7" name="Graphic 6" descr="An organic corner shape">
+            <a:extLst>
+              <a:ext uri="{FF2B5EF4-FFF2-40B4-BE49-F238E27FC236}">
+                <a16:creationId xmlns:a16="http://schemas.microsoft.com/office/drawing/2014/main" id="{9C466E8C-AEB3-34A1-0272-15A2E608D2E2}"/>
+              </a:ext>
+            </a:extLst>
+          </p:cNvPr>
+          <p:cNvPicPr>
+            <a:picLocks noChangeAspect="1"/>
+          </p:cNvPicPr>
+          <p:nvPr userDrawn="1"/>
+        </p:nvPicPr>
+        <p:blipFill>
+          <a:blip r:embed="rId2">
+            <a:extLst>
+              <a:ext uri="{28A0092B-C50C-407E-A947-70E740481C1C}">
+                <a14:useLocalDpi xmlns:a14="http://schemas.microsoft.com/office/drawing/2010/main" val="0"/>
+              </a:ext>
+              <a:ext uri="{96DAC541-7B7A-43D3-8B79-37D633B846F1}">
+                <asvg:svgBlip xmlns:asvg="http://schemas.microsoft.com/office/drawing/2016/SVG/main" r:embed="rId3"/>
+              </a:ext>
+            </a:extLst>
+          </a:blip>
+          <a:stretch>
+            <a:fillRect/>
+          </a:stretch>
+        </p:blipFill>
+        <p:spPr>
+          <a:xfrm flipH="1">
+            <a:off x="5197339" y="2920077"/>
+            <a:ext cx="3947160" cy="3947160"/>
+          </a:xfrm>
+          <a:prstGeom prst="rect">
+            <a:avLst/>
+          </a:prstGeom>
+        </p:spPr>
+      </p:pic>
+      <p:pic>
+        <p:nvPicPr>
+          <p:cNvPr id="6" name="Graphic 5" descr="An organic corner shape">
+            <a:extLst>
+              <a:ext uri="{FF2B5EF4-FFF2-40B4-BE49-F238E27FC236}">
+                <a16:creationId xmlns:a16="http://schemas.microsoft.com/office/drawing/2014/main" id="{A4A4E247-CCC3-38B2-D7BE-5A6A2A0F90D7}"/>
+              </a:ext>
+            </a:extLst>
+          </p:cNvPr>
+          <p:cNvPicPr>
+            <a:picLocks noChangeAspect="1"/>
+          </p:cNvPicPr>
+          <p:nvPr userDrawn="1"/>
+        </p:nvPicPr>
+        <p:blipFill>
+          <a:blip r:embed="rId4">
+            <a:extLst>
+              <a:ext uri="{28A0092B-C50C-407E-A947-70E740481C1C}">
+                <a14:useLocalDpi xmlns:a14="http://schemas.microsoft.com/office/drawing/2010/main" val="0"/>
+              </a:ext>
+              <a:ext uri="{96DAC541-7B7A-43D3-8B79-37D633B846F1}">
+                <asvg:svgBlip xmlns:asvg="http://schemas.microsoft.com/office/drawing/2016/SVG/main" r:embed="rId5"/>
+              </a:ext>
+            </a:extLst>
+          </a:blip>
+          <a:stretch>
+            <a:fillRect/>
+          </a:stretch>
+        </p:blipFill>
+        <p:spPr>
+          <a:xfrm rot="16200000" flipH="1">
+            <a:off x="-1" y="0"/>
+            <a:ext cx="3459494" cy="3459494"/>
+          </a:xfrm>
+          <a:prstGeom prst="rect">
+            <a:avLst/>
+          </a:prstGeom>
+        </p:spPr>
+      </p:pic>
+      <p:sp>
+        <p:nvSpPr>
+          <p:cNvPr id="28" name="Google Shape;28;p31"/>
+          <p:cNvSpPr txBox="1">
+            <a:spLocks noGrp="1"/>
+          </p:cNvSpPr>
+          <p:nvPr>
+            <p:ph type="title"/>
+          </p:nvPr>
+        </p:nvSpPr>
+        <p:spPr>
+          <a:xfrm>
+            <a:off x="457200" y="187697"/>
+            <a:ext cx="8229600" cy="619827"/>
           </a:xfrm>
           <a:prstGeom prst="rect">
             <a:avLst/>
@@ -1431,15 +4133,32 @@
               <a:spcAft>
                 <a:spcPts val="0"/>
               </a:spcAft>
-              <a:buSzPts val="1400"/>
-              <a:buNone/>
-              <a:defRPr spc="0">
-                <a:solidFill>
-                  <a:srgbClr val="FFC000"/>
-                </a:solidFill>
+              <a:buClr>
+                <a:srgbClr val="C00000"/>
+              </a:buClr>
+              <a:buSzPts val="1800"/>
+              <a:buNone/>
+              <a:defRPr sz="4000" b="1">
+                <a:ln w="0">
+                  <a:solidFill>
+                    <a:srgbClr val="1D3354"/>
+                  </a:solidFill>
+                </a:ln>
+                <a:solidFill>
+                  <a:srgbClr val="D64045">
+                    <a:alpha val="50000"/>
+                  </a:srgbClr>
+                </a:solidFill>
+                <a:effectLst>
+                  <a:outerShdw dist="25400" dir="8100000" algn="tl">
+                    <a:srgbClr val="467599"/>
+                  </a:outerShdw>
+                </a:effectLst>
+                <a:latin typeface="Helvetica" panose="020B0604020202020204" pitchFamily="34" charset="0"/>
+                <a:cs typeface="Helvetica" panose="020B0604020202020204" pitchFamily="34" charset="0"/>
               </a:defRPr>
             </a:lvl1pPr>
-            <a:lvl2pPr lvl="1" algn="l">
+            <a:lvl2pPr lvl="1">
               <a:spcBef>
                 <a:spcPts val="0"/>
               </a:spcBef>
@@ -1450,7 +4169,7 @@
               <a:buNone/>
               <a:defRPr/>
             </a:lvl2pPr>
-            <a:lvl3pPr lvl="2" algn="l">
+            <a:lvl3pPr lvl="2">
               <a:spcBef>
                 <a:spcPts val="0"/>
               </a:spcBef>
@@ -1461,7 +4180,7 @@
               <a:buNone/>
               <a:defRPr/>
             </a:lvl3pPr>
-            <a:lvl4pPr lvl="3" algn="l">
+            <a:lvl4pPr lvl="3">
               <a:spcBef>
                 <a:spcPts val="0"/>
               </a:spcBef>
@@ -1472,7 +4191,7 @@
               <a:buNone/>
               <a:defRPr/>
             </a:lvl4pPr>
-            <a:lvl5pPr lvl="4" algn="l">
+            <a:lvl5pPr lvl="4">
               <a:spcBef>
                 <a:spcPts val="0"/>
               </a:spcBef>
@@ -1483,7 +4202,7 @@
               <a:buNone/>
               <a:defRPr/>
             </a:lvl5pPr>
-            <a:lvl6pPr lvl="5" algn="l">
+            <a:lvl6pPr lvl="5">
               <a:spcBef>
                 <a:spcPts val="0"/>
               </a:spcBef>
@@ -1494,7 +4213,7 @@
               <a:buNone/>
               <a:defRPr/>
             </a:lvl6pPr>
-            <a:lvl7pPr lvl="6" algn="l">
+            <a:lvl7pPr lvl="6">
               <a:spcBef>
                 <a:spcPts val="0"/>
               </a:spcBef>
@@ -1505,7 +4224,7 @@
               <a:buNone/>
               <a:defRPr/>
             </a:lvl7pPr>
-            <a:lvl8pPr lvl="7" algn="l">
+            <a:lvl8pPr lvl="7">
               <a:spcBef>
                 <a:spcPts val="0"/>
               </a:spcBef>
@@ -1516,7 +4235,7 @@
               <a:buNone/>
               <a:defRPr/>
             </a:lvl8pPr>
-            <a:lvl9pPr lvl="8" algn="l">
+            <a:lvl9pPr lvl="8">
               <a:spcBef>
                 <a:spcPts val="0"/>
               </a:spcBef>
@@ -1529,7 +4248,841 @@
             </a:lvl9pPr>
           </a:lstStyle>
           <a:p>
-            <a:endParaRPr lang="en-US"/>
+            <a:r>
+              <a:rPr lang="en-US" dirty="0"/>
+              <a:t>Click to edit Master title style</a:t>
+            </a:r>
+            <a:endParaRPr dirty="0"/>
+          </a:p>
+        </p:txBody>
+      </p:sp>
+      <p:sp>
+        <p:nvSpPr>
+          <p:cNvPr id="29" name="Google Shape;29;p31"/>
+          <p:cNvSpPr txBox="1">
+            <a:spLocks noGrp="1"/>
+          </p:cNvSpPr>
+          <p:nvPr>
+            <p:ph type="body" idx="1" hasCustomPrompt="1"/>
+          </p:nvPr>
+        </p:nvSpPr>
+        <p:spPr>
+          <a:xfrm>
+            <a:off x="457200" y="939800"/>
+            <a:ext cx="7901609" cy="5401367"/>
+          </a:xfrm>
+          <a:prstGeom prst="rect">
+            <a:avLst/>
+          </a:prstGeom>
+          <a:noFill/>
+          <a:ln>
+            <a:noFill/>
+          </a:ln>
+        </p:spPr>
+        <p:txBody>
+          <a:bodyPr spcFirstLastPara="1" wrap="square" lIns="91425" tIns="45700" rIns="91425" bIns="45700" anchor="t" anchorCtr="0">
+            <a:normAutofit/>
+          </a:bodyPr>
+          <a:lstStyle>
+            <a:lvl1pPr marL="312896" lvl="0" indent="-214313" algn="l">
+              <a:spcBef>
+                <a:spcPts val="600"/>
+              </a:spcBef>
+              <a:spcAft>
+                <a:spcPts val="600"/>
+              </a:spcAft>
+              <a:buClr>
+                <a:srgbClr val="D64045"/>
+              </a:buClr>
+              <a:buSzPct val="100000"/>
+              <a:buFont typeface="Wingdings" panose="05000000000000000000" pitchFamily="2" charset="2"/>
+              <a:buChar char="§"/>
+              <a:defRPr sz="2100">
+                <a:latin typeface="Verdana" panose="020B0604030504040204" pitchFamily="34" charset="0"/>
+                <a:ea typeface="Verdana" panose="020B0604030504040204" pitchFamily="34" charset="0"/>
+                <a:cs typeface="Helvetica" panose="020B0604020202020204" pitchFamily="34" charset="0"/>
+              </a:defRPr>
+            </a:lvl1pPr>
+            <a:lvl2pPr marL="784384" lvl="1" indent="-342900" algn="l">
+              <a:spcBef>
+                <a:spcPts val="600"/>
+              </a:spcBef>
+              <a:spcAft>
+                <a:spcPts val="600"/>
+              </a:spcAft>
+              <a:buClr>
+                <a:srgbClr val="AF0E3F"/>
+              </a:buClr>
+              <a:buSzPct val="140000"/>
+              <a:buFont typeface="Wingdings" panose="05000000000000000000" pitchFamily="2" charset="2"/>
+              <a:buChar char="§"/>
+              <a:defRPr sz="2100">
+                <a:solidFill>
+                  <a:srgbClr val="FF6464"/>
+                </a:solidFill>
+              </a:defRPr>
+            </a:lvl2pPr>
+            <a:lvl3pPr marL="1122998" lvl="2" indent="-342900" algn="l">
+              <a:spcBef>
+                <a:spcPts val="600"/>
+              </a:spcBef>
+              <a:spcAft>
+                <a:spcPts val="600"/>
+              </a:spcAft>
+              <a:buClr>
+                <a:srgbClr val="AF0E3F"/>
+              </a:buClr>
+              <a:buSzPct val="140000"/>
+              <a:buFont typeface="Wingdings" panose="05000000000000000000" pitchFamily="2" charset="2"/>
+              <a:buChar char="§"/>
+              <a:defRPr sz="2100"/>
+            </a:lvl3pPr>
+            <a:lvl4pPr marL="1457325" lvl="3" indent="-342900" algn="l">
+              <a:spcBef>
+                <a:spcPts val="600"/>
+              </a:spcBef>
+              <a:spcAft>
+                <a:spcPts val="600"/>
+              </a:spcAft>
+              <a:buClr>
+                <a:srgbClr val="AF0E3F"/>
+              </a:buClr>
+              <a:buSzPct val="140000"/>
+              <a:buFont typeface="Wingdings" panose="05000000000000000000" pitchFamily="2" charset="2"/>
+              <a:buChar char="§"/>
+              <a:defRPr sz="2100" b="1"/>
+            </a:lvl4pPr>
+            <a:lvl5pPr marL="1800225" lvl="4" indent="-342900" algn="l">
+              <a:spcBef>
+                <a:spcPts val="600"/>
+              </a:spcBef>
+              <a:spcAft>
+                <a:spcPts val="600"/>
+              </a:spcAft>
+              <a:buClr>
+                <a:srgbClr val="AF0E3F"/>
+              </a:buClr>
+              <a:buSzPct val="140000"/>
+              <a:buFont typeface="Wingdings" panose="05000000000000000000" pitchFamily="2" charset="2"/>
+              <a:buChar char="§"/>
+              <a:defRPr sz="2100" i="1">
+                <a:solidFill>
+                  <a:srgbClr val="C00000"/>
+                </a:solidFill>
+              </a:defRPr>
+            </a:lvl5pPr>
+            <a:lvl6pPr marL="1800225" lvl="5" indent="0" algn="l">
+              <a:spcBef>
+                <a:spcPts val="600"/>
+              </a:spcBef>
+              <a:spcAft>
+                <a:spcPts val="600"/>
+              </a:spcAft>
+              <a:buClr>
+                <a:srgbClr val="AF0E3F"/>
+              </a:buClr>
+              <a:buSzPct val="140000"/>
+              <a:buFont typeface="Wingdings" panose="05000000000000000000" pitchFamily="2" charset="2"/>
+              <a:buNone/>
+              <a:defRPr sz="2100"/>
+            </a:lvl6pPr>
+            <a:lvl7pPr marL="2400300" lvl="6" indent="-257175" algn="l">
+              <a:spcBef>
+                <a:spcPts val="270"/>
+              </a:spcBef>
+              <a:spcAft>
+                <a:spcPts val="0"/>
+              </a:spcAft>
+              <a:buSzPts val="1800"/>
+              <a:buChar char="•"/>
+              <a:defRPr/>
+            </a:lvl7pPr>
+            <a:lvl8pPr marL="2743200" lvl="7" indent="-257175" algn="l">
+              <a:spcBef>
+                <a:spcPts val="270"/>
+              </a:spcBef>
+              <a:spcAft>
+                <a:spcPts val="0"/>
+              </a:spcAft>
+              <a:buSzPts val="1800"/>
+              <a:buChar char="•"/>
+              <a:defRPr/>
+            </a:lvl8pPr>
+            <a:lvl9pPr marL="3086100" lvl="8" indent="-257175" algn="l">
+              <a:spcBef>
+                <a:spcPts val="270"/>
+              </a:spcBef>
+              <a:spcAft>
+                <a:spcPts val="0"/>
+              </a:spcAft>
+              <a:buSzPts val="1800"/>
+              <a:buChar char="•"/>
+              <a:defRPr/>
+            </a:lvl9pPr>
+          </a:lstStyle>
+          <a:p>
+            <a:r>
+              <a:rPr lang="en-PH" dirty="0"/>
+              <a:t>Sample text</a:t>
+            </a:r>
+          </a:p>
+        </p:txBody>
+      </p:sp>
+      <p:sp>
+        <p:nvSpPr>
+          <p:cNvPr id="10" name="Google Shape;14;p29">
+            <a:extLst>
+              <a:ext uri="{FF2B5EF4-FFF2-40B4-BE49-F238E27FC236}">
+                <a16:creationId xmlns:a16="http://schemas.microsoft.com/office/drawing/2014/main" id="{1B8CE02E-195C-1E4D-26F0-679C850B8E04}"/>
+              </a:ext>
+            </a:extLst>
+          </p:cNvPr>
+          <p:cNvSpPr txBox="1">
+            <a:spLocks noGrp="1"/>
+          </p:cNvSpPr>
+          <p:nvPr>
+            <p:ph type="ftr" idx="11"/>
+          </p:nvPr>
+        </p:nvSpPr>
+        <p:spPr>
+          <a:xfrm>
+            <a:off x="1176342" y="6414920"/>
+            <a:ext cx="5760000" cy="360000"/>
+          </a:xfrm>
+          <a:prstGeom prst="rect">
+            <a:avLst/>
+          </a:prstGeom>
+          <a:noFill/>
+          <a:ln>
+            <a:noFill/>
+          </a:ln>
+        </p:spPr>
+        <p:txBody>
+          <a:bodyPr spcFirstLastPara="1" wrap="square" lIns="91425" tIns="45700" rIns="91425" bIns="45700" anchor="ctr" anchorCtr="0">
+            <a:noAutofit/>
+          </a:bodyPr>
+          <a:lstStyle>
+            <a:lvl1pPr marR="0" lvl="0" algn="l" rtl="0">
+              <a:spcBef>
+                <a:spcPts val="0"/>
+              </a:spcBef>
+              <a:spcAft>
+                <a:spcPts val="0"/>
+              </a:spcAft>
+              <a:buSzPts val="1400"/>
+              <a:buNone/>
+              <a:defRPr sz="1400" b="0" i="0" u="none" strike="noStrike" cap="none" spc="300" baseline="0">
+                <a:solidFill>
+                  <a:srgbClr val="D64045"/>
+                </a:solidFill>
+                <a:latin typeface="Bahnschrift Condensed" panose="020B0502040204020203" pitchFamily="34" charset="0"/>
+                <a:ea typeface="Verdana" panose="020B0604030504040204" pitchFamily="34" charset="0"/>
+                <a:cs typeface="Helvetica" panose="020B0604020202020204" pitchFamily="34" charset="0"/>
+                <a:sym typeface="Avenir"/>
+              </a:defRPr>
+            </a:lvl1pPr>
+            <a:lvl2pPr marR="0" lvl="1" algn="l" rtl="0">
+              <a:spcBef>
+                <a:spcPts val="0"/>
+              </a:spcBef>
+              <a:spcAft>
+                <a:spcPts val="0"/>
+              </a:spcAft>
+              <a:buSzPts val="1400"/>
+              <a:buNone/>
+              <a:defRPr sz="1350" b="0" i="0" u="none" strike="noStrike" cap="none">
+                <a:solidFill>
+                  <a:schemeClr val="dk1"/>
+                </a:solidFill>
+                <a:latin typeface="Avenir"/>
+                <a:ea typeface="Avenir"/>
+                <a:cs typeface="Avenir"/>
+                <a:sym typeface="Avenir"/>
+              </a:defRPr>
+            </a:lvl2pPr>
+            <a:lvl3pPr marR="0" lvl="2" algn="l" rtl="0">
+              <a:spcBef>
+                <a:spcPts val="0"/>
+              </a:spcBef>
+              <a:spcAft>
+                <a:spcPts val="0"/>
+              </a:spcAft>
+              <a:buSzPts val="1400"/>
+              <a:buNone/>
+              <a:defRPr sz="1350" b="0" i="0" u="none" strike="noStrike" cap="none">
+                <a:solidFill>
+                  <a:schemeClr val="dk1"/>
+                </a:solidFill>
+                <a:latin typeface="Avenir"/>
+                <a:ea typeface="Avenir"/>
+                <a:cs typeface="Avenir"/>
+                <a:sym typeface="Avenir"/>
+              </a:defRPr>
+            </a:lvl3pPr>
+            <a:lvl4pPr marR="0" lvl="3" algn="l" rtl="0">
+              <a:spcBef>
+                <a:spcPts val="0"/>
+              </a:spcBef>
+              <a:spcAft>
+                <a:spcPts val="0"/>
+              </a:spcAft>
+              <a:buSzPts val="1400"/>
+              <a:buNone/>
+              <a:defRPr sz="1350" b="0" i="0" u="none" strike="noStrike" cap="none">
+                <a:solidFill>
+                  <a:schemeClr val="dk1"/>
+                </a:solidFill>
+                <a:latin typeface="Avenir"/>
+                <a:ea typeface="Avenir"/>
+                <a:cs typeface="Avenir"/>
+                <a:sym typeface="Avenir"/>
+              </a:defRPr>
+            </a:lvl4pPr>
+            <a:lvl5pPr marR="0" lvl="4" algn="l" rtl="0">
+              <a:spcBef>
+                <a:spcPts val="0"/>
+              </a:spcBef>
+              <a:spcAft>
+                <a:spcPts val="0"/>
+              </a:spcAft>
+              <a:buSzPts val="1400"/>
+              <a:buNone/>
+              <a:defRPr sz="1350" b="0" i="0" u="none" strike="noStrike" cap="none">
+                <a:solidFill>
+                  <a:schemeClr val="dk1"/>
+                </a:solidFill>
+                <a:latin typeface="Avenir"/>
+                <a:ea typeface="Avenir"/>
+                <a:cs typeface="Avenir"/>
+                <a:sym typeface="Avenir"/>
+              </a:defRPr>
+            </a:lvl5pPr>
+            <a:lvl6pPr marR="0" lvl="5" algn="l" rtl="0">
+              <a:spcBef>
+                <a:spcPts val="0"/>
+              </a:spcBef>
+              <a:spcAft>
+                <a:spcPts val="0"/>
+              </a:spcAft>
+              <a:buSzPts val="1400"/>
+              <a:buNone/>
+              <a:defRPr sz="1350" b="0" i="0" u="none" strike="noStrike" cap="none">
+                <a:solidFill>
+                  <a:schemeClr val="dk1"/>
+                </a:solidFill>
+                <a:latin typeface="Avenir"/>
+                <a:ea typeface="Avenir"/>
+                <a:cs typeface="Avenir"/>
+                <a:sym typeface="Avenir"/>
+              </a:defRPr>
+            </a:lvl6pPr>
+            <a:lvl7pPr marR="0" lvl="6" algn="l" rtl="0">
+              <a:spcBef>
+                <a:spcPts val="0"/>
+              </a:spcBef>
+              <a:spcAft>
+                <a:spcPts val="0"/>
+              </a:spcAft>
+              <a:buSzPts val="1400"/>
+              <a:buNone/>
+              <a:defRPr sz="1350" b="0" i="0" u="none" strike="noStrike" cap="none">
+                <a:solidFill>
+                  <a:schemeClr val="dk1"/>
+                </a:solidFill>
+                <a:latin typeface="Avenir"/>
+                <a:ea typeface="Avenir"/>
+                <a:cs typeface="Avenir"/>
+                <a:sym typeface="Avenir"/>
+              </a:defRPr>
+            </a:lvl7pPr>
+            <a:lvl8pPr marR="0" lvl="7" algn="l" rtl="0">
+              <a:spcBef>
+                <a:spcPts val="0"/>
+              </a:spcBef>
+              <a:spcAft>
+                <a:spcPts val="0"/>
+              </a:spcAft>
+              <a:buSzPts val="1400"/>
+              <a:buNone/>
+              <a:defRPr sz="1350" b="0" i="0" u="none" strike="noStrike" cap="none">
+                <a:solidFill>
+                  <a:schemeClr val="dk1"/>
+                </a:solidFill>
+                <a:latin typeface="Avenir"/>
+                <a:ea typeface="Avenir"/>
+                <a:cs typeface="Avenir"/>
+                <a:sym typeface="Avenir"/>
+              </a:defRPr>
+            </a:lvl8pPr>
+            <a:lvl9pPr marR="0" lvl="8" algn="l" rtl="0">
+              <a:spcBef>
+                <a:spcPts val="0"/>
+              </a:spcBef>
+              <a:spcAft>
+                <a:spcPts val="0"/>
+              </a:spcAft>
+              <a:buSzPts val="1400"/>
+              <a:buNone/>
+              <a:defRPr sz="1350" b="0" i="0" u="none" strike="noStrike" cap="none">
+                <a:solidFill>
+                  <a:schemeClr val="dk1"/>
+                </a:solidFill>
+                <a:latin typeface="Avenir"/>
+                <a:ea typeface="Avenir"/>
+                <a:cs typeface="Avenir"/>
+                <a:sym typeface="Avenir"/>
+              </a:defRPr>
+            </a:lvl9pPr>
+          </a:lstStyle>
+          <a:p>
+            <a:r>
+              <a:rPr lang="en-US" dirty="0"/>
+              <a:t>Physics 301:  Advanced Signal and Image Processing</a:t>
+            </a:r>
+          </a:p>
+        </p:txBody>
+      </p:sp>
+      <p:sp>
+        <p:nvSpPr>
+          <p:cNvPr id="11" name="Google Shape;15;p29">
+            <a:extLst>
+              <a:ext uri="{FF2B5EF4-FFF2-40B4-BE49-F238E27FC236}">
+                <a16:creationId xmlns:a16="http://schemas.microsoft.com/office/drawing/2014/main" id="{B3CA34FC-608B-E885-66F0-B43900B891D1}"/>
+              </a:ext>
+            </a:extLst>
+          </p:cNvPr>
+          <p:cNvSpPr txBox="1">
+            <a:spLocks noGrp="1"/>
+          </p:cNvSpPr>
+          <p:nvPr>
+            <p:ph type="sldNum" idx="12"/>
+          </p:nvPr>
+        </p:nvSpPr>
+        <p:spPr>
+          <a:xfrm>
+            <a:off x="7918116" y="6403719"/>
+            <a:ext cx="1080000" cy="360000"/>
+          </a:xfrm>
+          <a:prstGeom prst="rect">
+            <a:avLst/>
+          </a:prstGeom>
+          <a:noFill/>
+          <a:ln>
+            <a:noFill/>
+          </a:ln>
+        </p:spPr>
+        <p:txBody>
+          <a:bodyPr spcFirstLastPara="1" wrap="square" lIns="91425" tIns="45700" rIns="91425" bIns="45700" anchor="ctr" anchorCtr="0">
+            <a:noAutofit/>
+          </a:bodyPr>
+          <a:lstStyle>
+            <a:lvl1pPr marL="0" marR="0" lvl="0" indent="0" algn="r" rtl="0">
+              <a:spcBef>
+                <a:spcPts val="0"/>
+              </a:spcBef>
+              <a:buNone/>
+              <a:defRPr sz="1350" b="0" i="0" u="none" strike="noStrike" cap="none">
+                <a:solidFill>
+                  <a:srgbClr val="D64045"/>
+                </a:solidFill>
+                <a:latin typeface="Bahnschrift Condensed" panose="020B0502040204020203" pitchFamily="34" charset="0"/>
+                <a:ea typeface="Verdana" panose="020B0604030504040204" pitchFamily="34" charset="0"/>
+                <a:cs typeface="Helvetica" panose="020B0604020202020204" pitchFamily="34" charset="0"/>
+                <a:sym typeface="Avenir"/>
+              </a:defRPr>
+            </a:lvl1pPr>
+            <a:lvl2pPr marL="0" marR="0" lvl="1" indent="0" algn="r" rtl="0">
+              <a:spcBef>
+                <a:spcPts val="0"/>
+              </a:spcBef>
+              <a:buNone/>
+              <a:defRPr sz="1050" b="1" i="0" u="none" strike="noStrike" cap="none">
+                <a:solidFill>
+                  <a:schemeClr val="dk1"/>
+                </a:solidFill>
+                <a:latin typeface="Avenir"/>
+                <a:ea typeface="Avenir"/>
+                <a:cs typeface="Avenir"/>
+                <a:sym typeface="Avenir"/>
+              </a:defRPr>
+            </a:lvl2pPr>
+            <a:lvl3pPr marL="0" marR="0" lvl="2" indent="0" algn="r" rtl="0">
+              <a:spcBef>
+                <a:spcPts val="0"/>
+              </a:spcBef>
+              <a:buNone/>
+              <a:defRPr sz="1050" b="1" i="0" u="none" strike="noStrike" cap="none">
+                <a:solidFill>
+                  <a:schemeClr val="dk1"/>
+                </a:solidFill>
+                <a:latin typeface="Avenir"/>
+                <a:ea typeface="Avenir"/>
+                <a:cs typeface="Avenir"/>
+                <a:sym typeface="Avenir"/>
+              </a:defRPr>
+            </a:lvl3pPr>
+            <a:lvl4pPr marL="0" marR="0" lvl="3" indent="0" algn="r" rtl="0">
+              <a:spcBef>
+                <a:spcPts val="0"/>
+              </a:spcBef>
+              <a:buNone/>
+              <a:defRPr sz="1050" b="1" i="0" u="none" strike="noStrike" cap="none">
+                <a:solidFill>
+                  <a:schemeClr val="dk1"/>
+                </a:solidFill>
+                <a:latin typeface="Avenir"/>
+                <a:ea typeface="Avenir"/>
+                <a:cs typeface="Avenir"/>
+                <a:sym typeface="Avenir"/>
+              </a:defRPr>
+            </a:lvl4pPr>
+            <a:lvl5pPr marL="0" marR="0" lvl="4" indent="0" algn="r" rtl="0">
+              <a:spcBef>
+                <a:spcPts val="0"/>
+              </a:spcBef>
+              <a:buNone/>
+              <a:defRPr sz="1050" b="1" i="0" u="none" strike="noStrike" cap="none">
+                <a:solidFill>
+                  <a:schemeClr val="dk1"/>
+                </a:solidFill>
+                <a:latin typeface="Avenir"/>
+                <a:ea typeface="Avenir"/>
+                <a:cs typeface="Avenir"/>
+                <a:sym typeface="Avenir"/>
+              </a:defRPr>
+            </a:lvl5pPr>
+            <a:lvl6pPr marL="0" marR="0" lvl="5" indent="0" algn="r" rtl="0">
+              <a:spcBef>
+                <a:spcPts val="0"/>
+              </a:spcBef>
+              <a:buNone/>
+              <a:defRPr sz="1050" b="1" i="0" u="none" strike="noStrike" cap="none">
+                <a:solidFill>
+                  <a:schemeClr val="dk1"/>
+                </a:solidFill>
+                <a:latin typeface="Avenir"/>
+                <a:ea typeface="Avenir"/>
+                <a:cs typeface="Avenir"/>
+                <a:sym typeface="Avenir"/>
+              </a:defRPr>
+            </a:lvl6pPr>
+            <a:lvl7pPr marL="0" marR="0" lvl="6" indent="0" algn="r" rtl="0">
+              <a:spcBef>
+                <a:spcPts val="0"/>
+              </a:spcBef>
+              <a:buNone/>
+              <a:defRPr sz="1050" b="1" i="0" u="none" strike="noStrike" cap="none">
+                <a:solidFill>
+                  <a:schemeClr val="dk1"/>
+                </a:solidFill>
+                <a:latin typeface="Avenir"/>
+                <a:ea typeface="Avenir"/>
+                <a:cs typeface="Avenir"/>
+                <a:sym typeface="Avenir"/>
+              </a:defRPr>
+            </a:lvl7pPr>
+            <a:lvl8pPr marL="0" marR="0" lvl="7" indent="0" algn="r" rtl="0">
+              <a:spcBef>
+                <a:spcPts val="0"/>
+              </a:spcBef>
+              <a:buNone/>
+              <a:defRPr sz="1050" b="1" i="0" u="none" strike="noStrike" cap="none">
+                <a:solidFill>
+                  <a:schemeClr val="dk1"/>
+                </a:solidFill>
+                <a:latin typeface="Avenir"/>
+                <a:ea typeface="Avenir"/>
+                <a:cs typeface="Avenir"/>
+                <a:sym typeface="Avenir"/>
+              </a:defRPr>
+            </a:lvl8pPr>
+            <a:lvl9pPr marL="0" marR="0" lvl="8" indent="0" algn="r" rtl="0">
+              <a:spcBef>
+                <a:spcPts val="0"/>
+              </a:spcBef>
+              <a:buNone/>
+              <a:defRPr sz="1050" b="1" i="0" u="none" strike="noStrike" cap="none">
+                <a:solidFill>
+                  <a:schemeClr val="dk1"/>
+                </a:solidFill>
+                <a:latin typeface="Avenir"/>
+                <a:ea typeface="Avenir"/>
+                <a:cs typeface="Avenir"/>
+                <a:sym typeface="Avenir"/>
+              </a:defRPr>
+            </a:lvl9pPr>
+          </a:lstStyle>
+          <a:p>
+            <a:r>
+              <a:rPr lang="en-US" dirty="0"/>
+              <a:t>//</a:t>
+            </a:r>
+            <a:fld id="{0223BEE4-7172-435F-BED8-F7D7E8D3404B}" type="slidenum">
+              <a:rPr lang="en-US" smtClean="0"/>
+              <a:pPr/>
+              <a:t>‹#›</a:t>
+            </a:fld>
+            <a:endParaRPr lang="en-US" dirty="0"/>
+          </a:p>
+        </p:txBody>
+      </p:sp>
+    </p:spTree>
+    <p:extLst>
+      <p:ext uri="{BB962C8B-B14F-4D97-AF65-F5344CB8AC3E}">
+        <p14:creationId xmlns:p14="http://schemas.microsoft.com/office/powerpoint/2010/main" val="777400169"/>
+      </p:ext>
+    </p:extLst>
+  </p:cSld>
+  <p:clrMapOvr>
+    <a:masterClrMapping/>
+  </p:clrMapOvr>
+  <mc:AlternateContent xmlns:mc="http://schemas.openxmlformats.org/markup-compatibility/2006" xmlns:p14="http://schemas.microsoft.com/office/powerpoint/2010/main">
+    <mc:Choice Requires="p14">
+      <p:transition p14:dur="200">
+        <p:fade/>
+      </p:transition>
+    </mc:Choice>
+    <mc:Fallback xmlns="" xmlns:mv="urn:schemas-microsoft-com:mac:vml" xmlns:c="http://schemas.openxmlformats.org/drawingml/2006/chart" xmlns:dgm="http://schemas.openxmlformats.org/drawingml/2006/diagram" xmlns:o="urn:schemas-microsoft-com:office:office" xmlns:v="urn:schemas-microsoft-com:vml" xmlns:pvml="urn:schemas-microsoft-com:office:powerpoint" xmlns:com="http://schemas.openxmlformats.org/drawingml/2006/compatibility" xmlns:p15="http://schemas.microsoft.com/office/powerpoint/2012/main" xmlns:ahyp="http://schemas.microsoft.com/office/drawing/2018/hyperlinkcolor">
+      <p:transition>
+        <p:fade/>
+      </p:transition>
+    </mc:Fallback>
+  </mc:AlternateContent>
+</p:sldLayout>
+</file>
+
+<file path=ppt/slideLayouts/slideLayout5.xml><?xml version="1.0" encoding="utf-8"?>
+<p:sldLayout xmlns:a="http://schemas.openxmlformats.org/drawingml/2006/main" xmlns:r="http://schemas.openxmlformats.org/officeDocument/2006/relationships" xmlns:p="http://schemas.openxmlformats.org/presentationml/2006/main" matchingName="Title and Content" preserve="1" userDrawn="1">
+  <p:cSld name="1_Title and Content">
+    <p:spTree>
+      <p:nvGrpSpPr>
+        <p:cNvPr id="1" name="Shape 27"/>
+        <p:cNvGrpSpPr/>
+        <p:nvPr/>
+      </p:nvGrpSpPr>
+      <p:grpSpPr>
+        <a:xfrm>
+          <a:off x="0" y="0"/>
+          <a:ext cx="0" cy="0"/>
+          <a:chOff x="0" y="0"/>
+          <a:chExt cx="0" cy="0"/>
+        </a:xfrm>
+      </p:grpSpPr>
+      <p:pic>
+        <p:nvPicPr>
+          <p:cNvPr id="7" name="Graphic 6" descr="An organic corner shape">
+            <a:extLst>
+              <a:ext uri="{FF2B5EF4-FFF2-40B4-BE49-F238E27FC236}">
+                <a16:creationId xmlns:a16="http://schemas.microsoft.com/office/drawing/2014/main" id="{9C466E8C-AEB3-34A1-0272-15A2E608D2E2}"/>
+              </a:ext>
+            </a:extLst>
+          </p:cNvPr>
+          <p:cNvPicPr>
+            <a:picLocks noChangeAspect="1"/>
+          </p:cNvPicPr>
+          <p:nvPr userDrawn="1"/>
+        </p:nvPicPr>
+        <p:blipFill>
+          <a:blip r:embed="rId2">
+            <a:extLst>
+              <a:ext uri="{28A0092B-C50C-407E-A947-70E740481C1C}">
+                <a14:useLocalDpi xmlns:a14="http://schemas.microsoft.com/office/drawing/2010/main" val="0"/>
+              </a:ext>
+              <a:ext uri="{96DAC541-7B7A-43D3-8B79-37D633B846F1}">
+                <asvg:svgBlip xmlns:asvg="http://schemas.microsoft.com/office/drawing/2016/SVG/main" r:embed="rId3"/>
+              </a:ext>
+            </a:extLst>
+          </a:blip>
+          <a:stretch>
+            <a:fillRect/>
+          </a:stretch>
+        </p:blipFill>
+        <p:spPr>
+          <a:xfrm flipH="1">
+            <a:off x="5197339" y="2920077"/>
+            <a:ext cx="3947160" cy="3947160"/>
+          </a:xfrm>
+          <a:prstGeom prst="rect">
+            <a:avLst/>
+          </a:prstGeom>
+        </p:spPr>
+      </p:pic>
+      <p:pic>
+        <p:nvPicPr>
+          <p:cNvPr id="6" name="Graphic 5" descr="An organic corner shape">
+            <a:extLst>
+              <a:ext uri="{FF2B5EF4-FFF2-40B4-BE49-F238E27FC236}">
+                <a16:creationId xmlns:a16="http://schemas.microsoft.com/office/drawing/2014/main" id="{A4A4E247-CCC3-38B2-D7BE-5A6A2A0F90D7}"/>
+              </a:ext>
+            </a:extLst>
+          </p:cNvPr>
+          <p:cNvPicPr>
+            <a:picLocks noChangeAspect="1"/>
+          </p:cNvPicPr>
+          <p:nvPr userDrawn="1"/>
+        </p:nvPicPr>
+        <p:blipFill>
+          <a:blip r:embed="rId4">
+            <a:extLst>
+              <a:ext uri="{28A0092B-C50C-407E-A947-70E740481C1C}">
+                <a14:useLocalDpi xmlns:a14="http://schemas.microsoft.com/office/drawing/2010/main" val="0"/>
+              </a:ext>
+              <a:ext uri="{96DAC541-7B7A-43D3-8B79-37D633B846F1}">
+                <asvg:svgBlip xmlns:asvg="http://schemas.microsoft.com/office/drawing/2016/SVG/main" r:embed="rId5"/>
+              </a:ext>
+            </a:extLst>
+          </a:blip>
+          <a:stretch>
+            <a:fillRect/>
+          </a:stretch>
+        </p:blipFill>
+        <p:spPr>
+          <a:xfrm rot="16200000" flipH="1">
+            <a:off x="-1" y="0"/>
+            <a:ext cx="3459494" cy="3459494"/>
+          </a:xfrm>
+          <a:prstGeom prst="rect">
+            <a:avLst/>
+          </a:prstGeom>
+        </p:spPr>
+      </p:pic>
+      <p:sp>
+        <p:nvSpPr>
+          <p:cNvPr id="31" name="Google Shape;31;p31"/>
+          <p:cNvSpPr txBox="1">
+            <a:spLocks noGrp="1"/>
+          </p:cNvSpPr>
+          <p:nvPr>
+            <p:ph type="ftr" idx="11"/>
+          </p:nvPr>
+        </p:nvSpPr>
+        <p:spPr>
+          <a:xfrm>
+            <a:off x="1330036" y="6423533"/>
+            <a:ext cx="6213765" cy="329184"/>
+          </a:xfrm>
+          <a:prstGeom prst="rect">
+            <a:avLst/>
+          </a:prstGeom>
+          <a:noFill/>
+          <a:ln>
+            <a:noFill/>
+          </a:ln>
+        </p:spPr>
+        <p:txBody>
+          <a:bodyPr spcFirstLastPara="1" wrap="square" lIns="91425" tIns="45700" rIns="91425" bIns="45700" anchor="ctr" anchorCtr="0">
+            <a:noAutofit/>
+          </a:bodyPr>
+          <a:lstStyle>
+            <a:lvl1pPr lvl="0" algn="l">
+              <a:spcBef>
+                <a:spcPts val="0"/>
+              </a:spcBef>
+              <a:spcAft>
+                <a:spcPts val="0"/>
+              </a:spcAft>
+              <a:buSzPts val="1400"/>
+              <a:buNone/>
+              <a:defRPr spc="0">
+                <a:solidFill>
+                  <a:srgbClr val="467599"/>
+                </a:solidFill>
+              </a:defRPr>
+            </a:lvl1pPr>
+            <a:lvl2pPr lvl="1" algn="l">
+              <a:spcBef>
+                <a:spcPts val="0"/>
+              </a:spcBef>
+              <a:spcAft>
+                <a:spcPts val="0"/>
+              </a:spcAft>
+              <a:buSzPts val="1400"/>
+              <a:buNone/>
+              <a:defRPr/>
+            </a:lvl2pPr>
+            <a:lvl3pPr lvl="2" algn="l">
+              <a:spcBef>
+                <a:spcPts val="0"/>
+              </a:spcBef>
+              <a:spcAft>
+                <a:spcPts val="0"/>
+              </a:spcAft>
+              <a:buSzPts val="1400"/>
+              <a:buNone/>
+              <a:defRPr/>
+            </a:lvl3pPr>
+            <a:lvl4pPr lvl="3" algn="l">
+              <a:spcBef>
+                <a:spcPts val="0"/>
+              </a:spcBef>
+              <a:spcAft>
+                <a:spcPts val="0"/>
+              </a:spcAft>
+              <a:buSzPts val="1400"/>
+              <a:buNone/>
+              <a:defRPr/>
+            </a:lvl4pPr>
+            <a:lvl5pPr lvl="4" algn="l">
+              <a:spcBef>
+                <a:spcPts val="0"/>
+              </a:spcBef>
+              <a:spcAft>
+                <a:spcPts val="0"/>
+              </a:spcAft>
+              <a:buSzPts val="1400"/>
+              <a:buNone/>
+              <a:defRPr/>
+            </a:lvl5pPr>
+            <a:lvl6pPr lvl="5" algn="l">
+              <a:spcBef>
+                <a:spcPts val="0"/>
+              </a:spcBef>
+              <a:spcAft>
+                <a:spcPts val="0"/>
+              </a:spcAft>
+              <a:buSzPts val="1400"/>
+              <a:buNone/>
+              <a:defRPr/>
+            </a:lvl6pPr>
+            <a:lvl7pPr lvl="6" algn="l">
+              <a:spcBef>
+                <a:spcPts val="0"/>
+              </a:spcBef>
+              <a:spcAft>
+                <a:spcPts val="0"/>
+              </a:spcAft>
+              <a:buSzPts val="1400"/>
+              <a:buNone/>
+              <a:defRPr/>
+            </a:lvl7pPr>
+            <a:lvl8pPr lvl="7" algn="l">
+              <a:spcBef>
+                <a:spcPts val="0"/>
+              </a:spcBef>
+              <a:spcAft>
+                <a:spcPts val="0"/>
+              </a:spcAft>
+              <a:buSzPts val="1400"/>
+              <a:buNone/>
+              <a:defRPr/>
+            </a:lvl8pPr>
+            <a:lvl9pPr lvl="8" algn="l">
+              <a:spcBef>
+                <a:spcPts val="0"/>
+              </a:spcBef>
+              <a:spcAft>
+                <a:spcPts val="0"/>
+              </a:spcAft>
+              <a:buSzPts val="1400"/>
+              <a:buNone/>
+              <a:defRPr/>
+            </a:lvl9pPr>
+          </a:lstStyle>
+          <a:p>
+            <a:r>
+              <a:rPr lang="en-US" dirty="0"/>
+              <a:t>Physics 301:  Advanced Signal and Image Processing</a:t>
+            </a:r>
           </a:p>
         </p:txBody>
       </p:sp>
@@ -1566,7 +5119,11 @@
                 <a:spcPts val="0"/>
               </a:spcBef>
               <a:buNone/>
-              <a:defRPr/>
+              <a:defRPr>
+                <a:highlight>
+                  <a:srgbClr val="467599"/>
+                </a:highlight>
+              </a:defRPr>
             </a:lvl1pPr>
             <a:lvl2pPr marL="0" lvl="1" indent="0" algn="r">
               <a:spcBef>
@@ -1628,16 +5185,173 @@
           <a:p>
             <a:fld id="{0223BEE4-7172-435F-BED8-F7D7E8D3404B}" type="slidenum">
               <a:rPr lang="en-US" smtClean="0"/>
+              <a:pPr/>
               <a:t>‹#›</a:t>
             </a:fld>
-            <a:endParaRPr lang="en-US"/>
+            <a:endParaRPr lang="en-US" dirty="0"/>
           </a:p>
         </p:txBody>
       </p:sp>
+      <p:pic>
+        <p:nvPicPr>
+          <p:cNvPr id="3" name="Graphic 2" descr="Periodic Graph with solid fill">
+            <a:extLst>
+              <a:ext uri="{FF2B5EF4-FFF2-40B4-BE49-F238E27FC236}">
+                <a16:creationId xmlns:a16="http://schemas.microsoft.com/office/drawing/2014/main" id="{A768CEE7-0F42-8645-CFB4-6E01CFB0AC98}"/>
+              </a:ext>
+            </a:extLst>
+          </p:cNvPr>
+          <p:cNvPicPr>
+            <a:picLocks noChangeAspect="1"/>
+          </p:cNvPicPr>
+          <p:nvPr userDrawn="1"/>
+        </p:nvPicPr>
+        <p:blipFill>
+          <a:blip r:embed="rId6">
+            <a:extLst>
+              <a:ext uri="{28A0092B-C50C-407E-A947-70E740481C1C}">
+                <a14:useLocalDpi xmlns:a14="http://schemas.microsoft.com/office/drawing/2010/main" val="0"/>
+              </a:ext>
+              <a:ext uri="{96DAC541-7B7A-43D3-8B79-37D633B846F1}">
+                <asvg:svgBlip xmlns:asvg="http://schemas.microsoft.com/office/drawing/2016/SVG/main" r:embed="rId7"/>
+              </a:ext>
+            </a:extLst>
+          </a:blip>
+          <a:stretch>
+            <a:fillRect/>
+          </a:stretch>
+        </p:blipFill>
+        <p:spPr>
+          <a:xfrm>
+            <a:off x="420179" y="6421322"/>
+            <a:ext cx="365760" cy="365760"/>
+          </a:xfrm>
+          <a:prstGeom prst="rect">
+            <a:avLst/>
+          </a:prstGeom>
+        </p:spPr>
+      </p:pic>
+      <p:pic>
+        <p:nvPicPr>
+          <p:cNvPr id="9" name="Graphic 8" descr="Images with solid fill">
+            <a:extLst>
+              <a:ext uri="{FF2B5EF4-FFF2-40B4-BE49-F238E27FC236}">
+                <a16:creationId xmlns:a16="http://schemas.microsoft.com/office/drawing/2014/main" id="{074207F4-C6EB-EF04-399F-58377F65494B}"/>
+              </a:ext>
+            </a:extLst>
+          </p:cNvPr>
+          <p:cNvPicPr>
+            <a:picLocks noChangeAspect="1"/>
+          </p:cNvPicPr>
+          <p:nvPr userDrawn="1"/>
+        </p:nvPicPr>
+        <p:blipFill>
+          <a:blip r:embed="rId8">
+            <a:extLst>
+              <a:ext uri="{28A0092B-C50C-407E-A947-70E740481C1C}">
+                <a14:useLocalDpi xmlns:a14="http://schemas.microsoft.com/office/drawing/2010/main" val="0"/>
+              </a:ext>
+              <a:ext uri="{96DAC541-7B7A-43D3-8B79-37D633B846F1}">
+                <asvg:svgBlip xmlns:asvg="http://schemas.microsoft.com/office/drawing/2016/SVG/main" r:embed="rId9"/>
+              </a:ext>
+            </a:extLst>
+          </a:blip>
+          <a:stretch>
+            <a:fillRect/>
+          </a:stretch>
+        </p:blipFill>
+        <p:spPr>
+          <a:xfrm>
+            <a:off x="871974" y="6421322"/>
+            <a:ext cx="365760" cy="365760"/>
+          </a:xfrm>
+          <a:prstGeom prst="rect">
+            <a:avLst/>
+          </a:prstGeom>
+        </p:spPr>
+      </p:pic>
+      <p:pic>
+        <p:nvPicPr>
+          <p:cNvPr id="10" name="Graphic 9" descr="Seven small daisies">
+            <a:extLst>
+              <a:ext uri="{FF2B5EF4-FFF2-40B4-BE49-F238E27FC236}">
+                <a16:creationId xmlns:a16="http://schemas.microsoft.com/office/drawing/2014/main" id="{CC2B7B7E-037F-E849-7D99-D0104508EB1D}"/>
+              </a:ext>
+            </a:extLst>
+          </p:cNvPr>
+          <p:cNvPicPr>
+            <a:picLocks noChangeAspect="1"/>
+          </p:cNvPicPr>
+          <p:nvPr userDrawn="1"/>
+        </p:nvPicPr>
+        <p:blipFill>
+          <a:blip r:embed="rId10">
+            <a:extLst>
+              <a:ext uri="{28A0092B-C50C-407E-A947-70E740481C1C}">
+                <a14:useLocalDpi xmlns:a14="http://schemas.microsoft.com/office/drawing/2010/main" val="0"/>
+              </a:ext>
+              <a:ext uri="{96DAC541-7B7A-43D3-8B79-37D633B846F1}">
+                <asvg:svgBlip xmlns:asvg="http://schemas.microsoft.com/office/drawing/2016/SVG/main" r:embed="rId11"/>
+              </a:ext>
+            </a:extLst>
+          </a:blip>
+          <a:stretch>
+            <a:fillRect/>
+          </a:stretch>
+        </p:blipFill>
+        <p:spPr>
+          <a:xfrm>
+            <a:off x="38424" y="273903"/>
+            <a:ext cx="2859995" cy="2859995"/>
+          </a:xfrm>
+          <a:prstGeom prst="rect">
+            <a:avLst/>
+          </a:prstGeom>
+        </p:spPr>
+      </p:pic>
+      <p:pic>
+        <p:nvPicPr>
+          <p:cNvPr id="11" name="Graphic 10" descr="A puzzle piece">
+            <a:extLst>
+              <a:ext uri="{FF2B5EF4-FFF2-40B4-BE49-F238E27FC236}">
+                <a16:creationId xmlns:a16="http://schemas.microsoft.com/office/drawing/2014/main" id="{3D40E13D-42A1-3040-C3F2-9F7C386343C6}"/>
+              </a:ext>
+            </a:extLst>
+          </p:cNvPr>
+          <p:cNvPicPr>
+            <a:picLocks noChangeAspect="1"/>
+          </p:cNvPicPr>
+          <p:nvPr userDrawn="1"/>
+        </p:nvPicPr>
+        <p:blipFill>
+          <a:blip r:embed="rId12">
+            <a:extLst>
+              <a:ext uri="{28A0092B-C50C-407E-A947-70E740481C1C}">
+                <a14:useLocalDpi xmlns:a14="http://schemas.microsoft.com/office/drawing/2010/main" val="0"/>
+              </a:ext>
+              <a:ext uri="{96DAC541-7B7A-43D3-8B79-37D633B846F1}">
+                <asvg:svgBlip xmlns:asvg="http://schemas.microsoft.com/office/drawing/2016/SVG/main" r:embed="rId13"/>
+              </a:ext>
+            </a:extLst>
+          </a:blip>
+          <a:stretch>
+            <a:fillRect/>
+          </a:stretch>
+        </p:blipFill>
+        <p:spPr>
+          <a:xfrm>
+            <a:off x="1237734" y="1062718"/>
+            <a:ext cx="4572000" cy="4572000"/>
+          </a:xfrm>
+          <a:prstGeom prst="rect">
+            <a:avLst/>
+          </a:prstGeom>
+        </p:spPr>
+      </p:pic>
     </p:spTree>
     <p:extLst>
       <p:ext uri="{BB962C8B-B14F-4D97-AF65-F5344CB8AC3E}">
-        <p14:creationId xmlns:p14="http://schemas.microsoft.com/office/powerpoint/2010/main" val="777400169"/>
+        <p14:creationId xmlns:p14="http://schemas.microsoft.com/office/powerpoint/2010/main" val="3668509138"/>
       </p:ext>
     </p:extLst>
   </p:cSld>
@@ -1650,7 +5364,7 @@
         <p:fade/>
       </p:transition>
     </mc:Choice>
-    <mc:Fallback xmlns:ahyp="http://schemas.microsoft.com/office/drawing/2018/hyperlinkcolor" xmlns:p15="http://schemas.microsoft.com/office/powerpoint/2012/main" xmlns:com="http://schemas.openxmlformats.org/drawingml/2006/compatibility" xmlns:pvml="urn:schemas-microsoft-com:office:powerpoint" xmlns:v="urn:schemas-microsoft-com:vml" xmlns:o="urn:schemas-microsoft-com:office:office" xmlns:dgm="http://schemas.openxmlformats.org/drawingml/2006/diagram" xmlns:c="http://schemas.openxmlformats.org/drawingml/2006/chart" xmlns:mv="urn:schemas-microsoft-com:mac:vml" xmlns="">
+    <mc:Fallback xmlns="" xmlns:mv="urn:schemas-microsoft-com:mac:vml" xmlns:c="http://schemas.openxmlformats.org/drawingml/2006/chart" xmlns:dgm="http://schemas.openxmlformats.org/drawingml/2006/diagram" xmlns:o="urn:schemas-microsoft-com:office:office" xmlns:v="urn:schemas-microsoft-com:vml" xmlns:pvml="urn:schemas-microsoft-com:office:powerpoint" xmlns:com="http://schemas.openxmlformats.org/drawingml/2006/compatibility" xmlns:p15="http://schemas.microsoft.com/office/powerpoint/2012/main" xmlns:ahyp="http://schemas.microsoft.com/office/drawing/2018/hyperlinkcolor">
       <p:transition>
         <p:fade/>
       </p:transition>
@@ -1659,7 +5373,7 @@
 </p:sldLayout>
 </file>
 
-<file path=ppt/slideLayouts/slideLayout3.xml><?xml version="1.0" encoding="utf-8"?>
+<file path=ppt/slideLayouts/slideLayout6.xml><?xml version="1.0" encoding="utf-8"?>
 <p:sldLayout xmlns:a="http://schemas.openxmlformats.org/drawingml/2006/main" xmlns:r="http://schemas.openxmlformats.org/officeDocument/2006/relationships" xmlns:p="http://schemas.openxmlformats.org/presentationml/2006/main" preserve="1">
   <p:cSld name="Objectives">
     <p:spTree>
@@ -2318,7 +6032,10 @@
             </a:lvl9pPr>
           </a:lstStyle>
           <a:p>
-            <a:endParaRPr lang="en-US"/>
+            <a:r>
+              <a:rPr lang="en-US"/>
+              <a:t>Physics 301:  Advanced Signal and Image Processing</a:t>
+            </a:r>
           </a:p>
         </p:txBody>
       </p:sp>
@@ -2335,7 +6052,7 @@
 </p:sldLayout>
 </file>
 
-<file path=ppt/slideLayouts/slideLayout4.xml><?xml version="1.0" encoding="utf-8"?>
+<file path=ppt/slideLayouts/slideLayout7.xml><?xml version="1.0" encoding="utf-8"?>
 <p:sldLayout xmlns:a="http://schemas.openxmlformats.org/drawingml/2006/main" xmlns:r="http://schemas.openxmlformats.org/officeDocument/2006/relationships" xmlns:p="http://schemas.openxmlformats.org/presentationml/2006/main" matchingName="Blank" preserve="1">
   <p:cSld name="Blank">
     <p:spTree>
@@ -2592,7 +6309,10 @@
             </a:lvl9pPr>
           </a:lstStyle>
           <a:p>
-            <a:endParaRPr lang="en-US"/>
+            <a:r>
+              <a:rPr lang="en-US"/>
+              <a:t>Physics 301:  Advanced Signal and Image Processing</a:t>
+            </a:r>
           </a:p>
         </p:txBody>
       </p:sp>
@@ -2934,7 +6654,7 @@
 </p:sldLayout>
 </file>
 
-<file path=ppt/slideLayouts/slideLayout5.xml><?xml version="1.0" encoding="utf-8"?>
+<file path=ppt/slideLayouts/slideLayout8.xml><?xml version="1.0" encoding="utf-8"?>
 <p:sldLayout xmlns:a="http://schemas.openxmlformats.org/drawingml/2006/main" xmlns:r="http://schemas.openxmlformats.org/officeDocument/2006/relationships" xmlns:p="http://schemas.openxmlformats.org/presentationml/2006/main" matchingName="Blank" preserve="1">
   <p:cSld name="1_Blank">
     <p:spTree>
@@ -3348,7 +7068,7 @@
           <a:p>
             <a:r>
               <a:rPr lang="en-US"/>
-              <a:t>Lecture 26 - Density and Pressure on a Fluid</a:t>
+              <a:t>Physics 301:  Advanced Signal and Image Processing</a:t>
             </a:r>
             <a:endParaRPr lang="en-US" dirty="0"/>
           </a:p>
@@ -3549,648 +7269,7 @@
 </p:sldLayout>
 </file>
 
-<file path=ppt/slideLayouts/slideLayout6.xml><?xml version="1.0" encoding="utf-8"?>
-<p:sldLayout xmlns:a="http://schemas.openxmlformats.org/drawingml/2006/main" xmlns:r="http://schemas.openxmlformats.org/officeDocument/2006/relationships" xmlns:p="http://schemas.openxmlformats.org/presentationml/2006/main" preserve="1">
-  <p:cSld name="References">
-    <p:bg>
-      <p:bgPr>
-        <a:gradFill flip="none" rotWithShape="1">
-          <a:gsLst>
-            <a:gs pos="100000">
-              <a:srgbClr val="FFF1C5"/>
-            </a:gs>
-            <a:gs pos="0">
-              <a:schemeClr val="bg1"/>
-            </a:gs>
-          </a:gsLst>
-          <a:path path="circle">
-            <a:fillToRect l="100000" t="100000"/>
-          </a:path>
-          <a:tileRect r="-100000" b="-100000"/>
-        </a:gradFill>
-        <a:effectLst/>
-      </p:bgPr>
-    </p:bg>
-    <p:spTree>
-      <p:nvGrpSpPr>
-        <p:cNvPr id="1" name=""/>
-        <p:cNvGrpSpPr/>
-        <p:nvPr/>
-      </p:nvGrpSpPr>
-      <p:grpSpPr>
-        <a:xfrm>
-          <a:off x="0" y="0"/>
-          <a:ext cx="0" cy="0"/>
-          <a:chOff x="0" y="0"/>
-          <a:chExt cx="0" cy="0"/>
-        </a:xfrm>
-      </p:grpSpPr>
-      <p:sp>
-        <p:nvSpPr>
-          <p:cNvPr id="5" name="Google Shape;28;p31">
-            <a:extLst>
-              <a:ext uri="{FF2B5EF4-FFF2-40B4-BE49-F238E27FC236}">
-                <a16:creationId xmlns:a16="http://schemas.microsoft.com/office/drawing/2014/main" id="{052A75C2-B0D0-403F-A291-B7E21D0EBA39}"/>
-              </a:ext>
-            </a:extLst>
-          </p:cNvPr>
-          <p:cNvSpPr txBox="1">
-            <a:spLocks noGrp="1"/>
-          </p:cNvSpPr>
-          <p:nvPr>
-            <p:ph type="title" hasCustomPrompt="1"/>
-          </p:nvPr>
-        </p:nvSpPr>
-        <p:spPr>
-          <a:xfrm>
-            <a:off x="457200" y="187697"/>
-            <a:ext cx="8229600" cy="619827"/>
-          </a:xfrm>
-          <a:prstGeom prst="rect">
-            <a:avLst/>
-          </a:prstGeom>
-          <a:noFill/>
-          <a:ln>
-            <a:noFill/>
-          </a:ln>
-        </p:spPr>
-        <p:txBody>
-          <a:bodyPr spcFirstLastPara="1" wrap="square" lIns="91425" tIns="45700" rIns="91425" bIns="45700" anchor="ctr" anchorCtr="0">
-            <a:noAutofit/>
-          </a:bodyPr>
-          <a:lstStyle>
-            <a:lvl1pPr lvl="0" algn="l">
-              <a:spcBef>
-                <a:spcPts val="0"/>
-              </a:spcBef>
-              <a:spcAft>
-                <a:spcPts val="0"/>
-              </a:spcAft>
-              <a:buClr>
-                <a:srgbClr val="C00000"/>
-              </a:buClr>
-              <a:buSzPts val="1800"/>
-              <a:buNone/>
-              <a:defRPr sz="3600" b="1">
-                <a:solidFill>
-                  <a:schemeClr val="tx1">
-                    <a:lumMod val="65000"/>
-                    <a:lumOff val="35000"/>
-                  </a:schemeClr>
-                </a:solidFill>
-                <a:effectLst>
-                  <a:outerShdw dist="50800" dir="8100000" algn="tl">
-                    <a:srgbClr val="FFC000"/>
-                  </a:outerShdw>
-                </a:effectLst>
-                <a:latin typeface="Helvetica" panose="020B0604020202020204" pitchFamily="34" charset="0"/>
-                <a:cs typeface="Helvetica" panose="020B0604020202020204" pitchFamily="34" charset="0"/>
-              </a:defRPr>
-            </a:lvl1pPr>
-            <a:lvl2pPr lvl="1">
-              <a:spcBef>
-                <a:spcPts val="0"/>
-              </a:spcBef>
-              <a:spcAft>
-                <a:spcPts val="0"/>
-              </a:spcAft>
-              <a:buSzPts val="1400"/>
-              <a:buNone/>
-              <a:defRPr/>
-            </a:lvl2pPr>
-            <a:lvl3pPr lvl="2">
-              <a:spcBef>
-                <a:spcPts val="0"/>
-              </a:spcBef>
-              <a:spcAft>
-                <a:spcPts val="0"/>
-              </a:spcAft>
-              <a:buSzPts val="1400"/>
-              <a:buNone/>
-              <a:defRPr/>
-            </a:lvl3pPr>
-            <a:lvl4pPr lvl="3">
-              <a:spcBef>
-                <a:spcPts val="0"/>
-              </a:spcBef>
-              <a:spcAft>
-                <a:spcPts val="0"/>
-              </a:spcAft>
-              <a:buSzPts val="1400"/>
-              <a:buNone/>
-              <a:defRPr/>
-            </a:lvl4pPr>
-            <a:lvl5pPr lvl="4">
-              <a:spcBef>
-                <a:spcPts val="0"/>
-              </a:spcBef>
-              <a:spcAft>
-                <a:spcPts val="0"/>
-              </a:spcAft>
-              <a:buSzPts val="1400"/>
-              <a:buNone/>
-              <a:defRPr/>
-            </a:lvl5pPr>
-            <a:lvl6pPr lvl="5">
-              <a:spcBef>
-                <a:spcPts val="0"/>
-              </a:spcBef>
-              <a:spcAft>
-                <a:spcPts val="0"/>
-              </a:spcAft>
-              <a:buSzPts val="1400"/>
-              <a:buNone/>
-              <a:defRPr/>
-            </a:lvl6pPr>
-            <a:lvl7pPr lvl="6">
-              <a:spcBef>
-                <a:spcPts val="0"/>
-              </a:spcBef>
-              <a:spcAft>
-                <a:spcPts val="0"/>
-              </a:spcAft>
-              <a:buSzPts val="1400"/>
-              <a:buNone/>
-              <a:defRPr/>
-            </a:lvl7pPr>
-            <a:lvl8pPr lvl="7">
-              <a:spcBef>
-                <a:spcPts val="0"/>
-              </a:spcBef>
-              <a:spcAft>
-                <a:spcPts val="0"/>
-              </a:spcAft>
-              <a:buSzPts val="1400"/>
-              <a:buNone/>
-              <a:defRPr/>
-            </a:lvl8pPr>
-            <a:lvl9pPr lvl="8">
-              <a:spcBef>
-                <a:spcPts val="0"/>
-              </a:spcBef>
-              <a:spcAft>
-                <a:spcPts val="0"/>
-              </a:spcAft>
-              <a:buSzPts val="1400"/>
-              <a:buNone/>
-              <a:defRPr/>
-            </a:lvl9pPr>
-          </a:lstStyle>
-          <a:p>
-            <a:r>
-              <a:rPr lang="en-US" dirty="0"/>
-              <a:t>References</a:t>
-            </a:r>
-            <a:endParaRPr dirty="0"/>
-          </a:p>
-        </p:txBody>
-      </p:sp>
-      <p:sp>
-        <p:nvSpPr>
-          <p:cNvPr id="6" name="Google Shape;31;p31">
-            <a:extLst>
-              <a:ext uri="{FF2B5EF4-FFF2-40B4-BE49-F238E27FC236}">
-                <a16:creationId xmlns:a16="http://schemas.microsoft.com/office/drawing/2014/main" id="{FDFD3261-8E5C-482A-A2CF-3ABA6092797D}"/>
-              </a:ext>
-            </a:extLst>
-          </p:cNvPr>
-          <p:cNvSpPr txBox="1">
-            <a:spLocks noGrp="1"/>
-          </p:cNvSpPr>
-          <p:nvPr>
-            <p:ph type="ftr" idx="12"/>
-          </p:nvPr>
-        </p:nvSpPr>
-        <p:spPr>
-          <a:xfrm>
-            <a:off x="1182757" y="6423533"/>
-            <a:ext cx="6361043" cy="329184"/>
-          </a:xfrm>
-          <a:prstGeom prst="rect">
-            <a:avLst/>
-          </a:prstGeom>
-          <a:noFill/>
-          <a:ln>
-            <a:noFill/>
-          </a:ln>
-        </p:spPr>
-        <p:txBody>
-          <a:bodyPr spcFirstLastPara="1" wrap="square" lIns="91425" tIns="45700" rIns="91425" bIns="45700" anchor="ctr" anchorCtr="0">
-            <a:noAutofit/>
-          </a:bodyPr>
-          <a:lstStyle>
-            <a:lvl1pPr lvl="0" algn="l">
-              <a:spcBef>
-                <a:spcPts val="0"/>
-              </a:spcBef>
-              <a:spcAft>
-                <a:spcPts val="0"/>
-              </a:spcAft>
-              <a:buSzPts val="1400"/>
-              <a:buNone/>
-              <a:defRPr>
-                <a:solidFill>
-                  <a:srgbClr val="FFC000"/>
-                </a:solidFill>
-              </a:defRPr>
-            </a:lvl1pPr>
-            <a:lvl2pPr lvl="1" algn="l">
-              <a:spcBef>
-                <a:spcPts val="0"/>
-              </a:spcBef>
-              <a:spcAft>
-                <a:spcPts val="0"/>
-              </a:spcAft>
-              <a:buSzPts val="1400"/>
-              <a:buNone/>
-              <a:defRPr/>
-            </a:lvl2pPr>
-            <a:lvl3pPr lvl="2" algn="l">
-              <a:spcBef>
-                <a:spcPts val="0"/>
-              </a:spcBef>
-              <a:spcAft>
-                <a:spcPts val="0"/>
-              </a:spcAft>
-              <a:buSzPts val="1400"/>
-              <a:buNone/>
-              <a:defRPr/>
-            </a:lvl3pPr>
-            <a:lvl4pPr lvl="3" algn="l">
-              <a:spcBef>
-                <a:spcPts val="0"/>
-              </a:spcBef>
-              <a:spcAft>
-                <a:spcPts val="0"/>
-              </a:spcAft>
-              <a:buSzPts val="1400"/>
-              <a:buNone/>
-              <a:defRPr/>
-            </a:lvl4pPr>
-            <a:lvl5pPr lvl="4" algn="l">
-              <a:spcBef>
-                <a:spcPts val="0"/>
-              </a:spcBef>
-              <a:spcAft>
-                <a:spcPts val="0"/>
-              </a:spcAft>
-              <a:buSzPts val="1400"/>
-              <a:buNone/>
-              <a:defRPr/>
-            </a:lvl5pPr>
-            <a:lvl6pPr lvl="5" algn="l">
-              <a:spcBef>
-                <a:spcPts val="0"/>
-              </a:spcBef>
-              <a:spcAft>
-                <a:spcPts val="0"/>
-              </a:spcAft>
-              <a:buSzPts val="1400"/>
-              <a:buNone/>
-              <a:defRPr/>
-            </a:lvl6pPr>
-            <a:lvl7pPr lvl="6" algn="l">
-              <a:spcBef>
-                <a:spcPts val="0"/>
-              </a:spcBef>
-              <a:spcAft>
-                <a:spcPts val="0"/>
-              </a:spcAft>
-              <a:buSzPts val="1400"/>
-              <a:buNone/>
-              <a:defRPr/>
-            </a:lvl7pPr>
-            <a:lvl8pPr lvl="7" algn="l">
-              <a:spcBef>
-                <a:spcPts val="0"/>
-              </a:spcBef>
-              <a:spcAft>
-                <a:spcPts val="0"/>
-              </a:spcAft>
-              <a:buSzPts val="1400"/>
-              <a:buNone/>
-              <a:defRPr/>
-            </a:lvl8pPr>
-            <a:lvl9pPr lvl="8" algn="l">
-              <a:spcBef>
-                <a:spcPts val="0"/>
-              </a:spcBef>
-              <a:spcAft>
-                <a:spcPts val="0"/>
-              </a:spcAft>
-              <a:buSzPts val="1400"/>
-              <a:buNone/>
-              <a:defRPr/>
-            </a:lvl9pPr>
-          </a:lstStyle>
-          <a:p>
-            <a:endParaRPr lang="en-US"/>
-          </a:p>
-        </p:txBody>
-      </p:sp>
-      <p:sp>
-        <p:nvSpPr>
-          <p:cNvPr id="7" name="Google Shape;58;p35">
-            <a:extLst>
-              <a:ext uri="{FF2B5EF4-FFF2-40B4-BE49-F238E27FC236}">
-                <a16:creationId xmlns:a16="http://schemas.microsoft.com/office/drawing/2014/main" id="{333C7265-F7E1-4AED-87ED-930B1C154DFA}"/>
-              </a:ext>
-            </a:extLst>
-          </p:cNvPr>
-          <p:cNvSpPr txBox="1">
-            <a:spLocks noGrp="1"/>
-          </p:cNvSpPr>
-          <p:nvPr>
-            <p:ph type="sldNum" idx="13"/>
-          </p:nvPr>
-        </p:nvSpPr>
-        <p:spPr>
-          <a:xfrm>
-            <a:off x="7961243" y="6423533"/>
-            <a:ext cx="1066800" cy="329184"/>
-          </a:xfrm>
-          <a:prstGeom prst="rect">
-            <a:avLst/>
-          </a:prstGeom>
-          <a:noFill/>
-          <a:ln>
-            <a:noFill/>
-          </a:ln>
-        </p:spPr>
-        <p:txBody>
-          <a:bodyPr spcFirstLastPara="1" wrap="square" lIns="91425" tIns="45700" rIns="91425" bIns="45700" anchor="ctr" anchorCtr="0">
-            <a:noAutofit/>
-          </a:bodyPr>
-          <a:lstStyle>
-            <a:lvl1pPr marL="0" lvl="0" indent="0" algn="r">
-              <a:spcBef>
-                <a:spcPts val="0"/>
-              </a:spcBef>
-              <a:buNone/>
-              <a:defRPr/>
-            </a:lvl1pPr>
-            <a:lvl2pPr marL="0" lvl="1" indent="0" algn="r">
-              <a:spcBef>
-                <a:spcPts val="0"/>
-              </a:spcBef>
-              <a:buNone/>
-              <a:defRPr/>
-            </a:lvl2pPr>
-            <a:lvl3pPr marL="0" lvl="2" indent="0" algn="r">
-              <a:spcBef>
-                <a:spcPts val="0"/>
-              </a:spcBef>
-              <a:buNone/>
-              <a:defRPr/>
-            </a:lvl3pPr>
-            <a:lvl4pPr marL="0" lvl="3" indent="0" algn="r">
-              <a:spcBef>
-                <a:spcPts val="0"/>
-              </a:spcBef>
-              <a:buNone/>
-              <a:defRPr/>
-            </a:lvl4pPr>
-            <a:lvl5pPr marL="0" lvl="4" indent="0" algn="r">
-              <a:spcBef>
-                <a:spcPts val="0"/>
-              </a:spcBef>
-              <a:buNone/>
-              <a:defRPr/>
-            </a:lvl5pPr>
-            <a:lvl6pPr marL="0" lvl="5" indent="0" algn="r">
-              <a:spcBef>
-                <a:spcPts val="0"/>
-              </a:spcBef>
-              <a:buNone/>
-              <a:defRPr/>
-            </a:lvl6pPr>
-            <a:lvl7pPr marL="0" lvl="6" indent="0" algn="r">
-              <a:spcBef>
-                <a:spcPts val="0"/>
-              </a:spcBef>
-              <a:buNone/>
-              <a:defRPr/>
-            </a:lvl7pPr>
-            <a:lvl8pPr marL="0" lvl="7" indent="0" algn="r">
-              <a:spcBef>
-                <a:spcPts val="0"/>
-              </a:spcBef>
-              <a:buNone/>
-              <a:defRPr/>
-            </a:lvl8pPr>
-            <a:lvl9pPr marL="0" lvl="8" indent="0" algn="r">
-              <a:spcBef>
-                <a:spcPts val="0"/>
-              </a:spcBef>
-              <a:buNone/>
-              <a:defRPr/>
-            </a:lvl9pPr>
-          </a:lstStyle>
-          <a:p>
-            <a:fld id="{0223BEE4-7172-435F-BED8-F7D7E8D3404B}" type="slidenum">
-              <a:rPr lang="en-US" smtClean="0"/>
-              <a:t>‹#›</a:t>
-            </a:fld>
-            <a:endParaRPr lang="en-US"/>
-          </a:p>
-        </p:txBody>
-      </p:sp>
-      <p:sp>
-        <p:nvSpPr>
-          <p:cNvPr id="8" name="Google Shape;29;p31">
-            <a:extLst>
-              <a:ext uri="{FF2B5EF4-FFF2-40B4-BE49-F238E27FC236}">
-                <a16:creationId xmlns:a16="http://schemas.microsoft.com/office/drawing/2014/main" id="{C0FAC8DE-D9C9-40E2-B542-48A1951D8365}"/>
-              </a:ext>
-            </a:extLst>
-          </p:cNvPr>
-          <p:cNvSpPr txBox="1">
-            <a:spLocks noGrp="1"/>
-          </p:cNvSpPr>
-          <p:nvPr>
-            <p:ph type="body" idx="1" hasCustomPrompt="1"/>
-          </p:nvPr>
-        </p:nvSpPr>
-        <p:spPr>
-          <a:xfrm>
-            <a:off x="457200" y="1130300"/>
-            <a:ext cx="7901609" cy="5210867"/>
-          </a:xfrm>
-          <a:prstGeom prst="rect">
-            <a:avLst/>
-          </a:prstGeom>
-          <a:noFill/>
-          <a:ln>
-            <a:noFill/>
-          </a:ln>
-        </p:spPr>
-        <p:txBody>
-          <a:bodyPr spcFirstLastPara="1" wrap="square" lIns="91425" tIns="45700" rIns="91425" bIns="45700" anchor="t" anchorCtr="0">
-            <a:normAutofit/>
-          </a:bodyPr>
-          <a:lstStyle>
-            <a:lvl1pPr marL="312896" lvl="0" indent="-214313" algn="l">
-              <a:spcBef>
-                <a:spcPts val="600"/>
-              </a:spcBef>
-              <a:spcAft>
-                <a:spcPts val="600"/>
-              </a:spcAft>
-              <a:buClr>
-                <a:srgbClr val="FFC000"/>
-              </a:buClr>
-              <a:buSzPct val="100000"/>
-              <a:buFont typeface="Wingdings" panose="05000000000000000000" pitchFamily="2" charset="2"/>
-              <a:buChar char="§"/>
-              <a:defRPr sz="2100">
-                <a:latin typeface="Verdana" panose="020B0604030504040204" pitchFamily="34" charset="0"/>
-                <a:ea typeface="Verdana" panose="020B0604030504040204" pitchFamily="34" charset="0"/>
-                <a:cs typeface="Helvetica" panose="020B0604020202020204" pitchFamily="34" charset="0"/>
-              </a:defRPr>
-            </a:lvl1pPr>
-            <a:lvl2pPr marL="784384" lvl="1" indent="-342900" algn="l">
-              <a:spcBef>
-                <a:spcPts val="600"/>
-              </a:spcBef>
-              <a:spcAft>
-                <a:spcPts val="600"/>
-              </a:spcAft>
-              <a:buClr>
-                <a:srgbClr val="C00000"/>
-              </a:buClr>
-              <a:buSzPct val="140000"/>
-              <a:buFont typeface="Wingdings" panose="05000000000000000000" pitchFamily="2" charset="2"/>
-              <a:buChar char="§"/>
-              <a:defRPr sz="2100">
-                <a:solidFill>
-                  <a:srgbClr val="FF6464"/>
-                </a:solidFill>
-              </a:defRPr>
-            </a:lvl2pPr>
-            <a:lvl3pPr marL="1122998" lvl="2" indent="-342900" algn="l">
-              <a:spcBef>
-                <a:spcPts val="600"/>
-              </a:spcBef>
-              <a:spcAft>
-                <a:spcPts val="600"/>
-              </a:spcAft>
-              <a:buClr>
-                <a:srgbClr val="C00000"/>
-              </a:buClr>
-              <a:buSzPct val="140000"/>
-              <a:buFont typeface="Wingdings" panose="05000000000000000000" pitchFamily="2" charset="2"/>
-              <a:buChar char="§"/>
-              <a:defRPr sz="2100"/>
-            </a:lvl3pPr>
-            <a:lvl4pPr marL="1457325" lvl="3" indent="-342900" algn="l">
-              <a:spcBef>
-                <a:spcPts val="600"/>
-              </a:spcBef>
-              <a:spcAft>
-                <a:spcPts val="600"/>
-              </a:spcAft>
-              <a:buClr>
-                <a:srgbClr val="C00000"/>
-              </a:buClr>
-              <a:buSzPct val="140000"/>
-              <a:buFont typeface="Wingdings" panose="05000000000000000000" pitchFamily="2" charset="2"/>
-              <a:buChar char="§"/>
-              <a:defRPr sz="2100" b="1"/>
-            </a:lvl4pPr>
-            <a:lvl5pPr marL="1800225" lvl="4" indent="-342900" algn="l">
-              <a:spcBef>
-                <a:spcPts val="600"/>
-              </a:spcBef>
-              <a:spcAft>
-                <a:spcPts val="600"/>
-              </a:spcAft>
-              <a:buClr>
-                <a:srgbClr val="C00000"/>
-              </a:buClr>
-              <a:buSzPct val="140000"/>
-              <a:buFont typeface="Wingdings" panose="05000000000000000000" pitchFamily="2" charset="2"/>
-              <a:buChar char="§"/>
-              <a:defRPr sz="2100" i="1">
-                <a:solidFill>
-                  <a:srgbClr val="C00000"/>
-                </a:solidFill>
-              </a:defRPr>
-            </a:lvl5pPr>
-            <a:lvl6pPr marL="2143125" lvl="5" indent="-342900" algn="l">
-              <a:spcBef>
-                <a:spcPts val="600"/>
-              </a:spcBef>
-              <a:spcAft>
-                <a:spcPts val="600"/>
-              </a:spcAft>
-              <a:buClr>
-                <a:srgbClr val="FFC000"/>
-              </a:buClr>
-              <a:buSzPct val="140000"/>
-              <a:buFont typeface="Wingdings" panose="05000000000000000000" pitchFamily="2" charset="2"/>
-              <a:buChar char="§"/>
-              <a:defRPr sz="2100"/>
-            </a:lvl6pPr>
-            <a:lvl7pPr marL="2400300" lvl="6" indent="-257175" algn="l">
-              <a:spcBef>
-                <a:spcPts val="270"/>
-              </a:spcBef>
-              <a:spcAft>
-                <a:spcPts val="0"/>
-              </a:spcAft>
-              <a:buSzPts val="1800"/>
-              <a:buChar char="•"/>
-              <a:defRPr/>
-            </a:lvl7pPr>
-            <a:lvl8pPr marL="2743200" lvl="7" indent="-257175" algn="l">
-              <a:spcBef>
-                <a:spcPts val="270"/>
-              </a:spcBef>
-              <a:spcAft>
-                <a:spcPts val="0"/>
-              </a:spcAft>
-              <a:buSzPts val="1800"/>
-              <a:buChar char="•"/>
-              <a:defRPr/>
-            </a:lvl8pPr>
-            <a:lvl9pPr marL="3086100" lvl="8" indent="-257175" algn="l">
-              <a:spcBef>
-                <a:spcPts val="270"/>
-              </a:spcBef>
-              <a:spcAft>
-                <a:spcPts val="0"/>
-              </a:spcAft>
-              <a:buSzPts val="1800"/>
-              <a:buChar char="•"/>
-              <a:defRPr/>
-            </a:lvl9pPr>
-          </a:lstStyle>
-          <a:p>
-            <a:r>
-              <a:rPr lang="en-PH" dirty="0"/>
-              <a:t>Sample text</a:t>
-            </a:r>
-          </a:p>
-          <a:p>
-            <a:pPr lvl="5"/>
-            <a:endParaRPr lang="en-PH" dirty="0"/>
-          </a:p>
-        </p:txBody>
-      </p:sp>
-    </p:spTree>
-    <p:extLst>
-      <p:ext uri="{BB962C8B-B14F-4D97-AF65-F5344CB8AC3E}">
-        <p14:creationId xmlns:p14="http://schemas.microsoft.com/office/powerpoint/2010/main" val="2773554981"/>
-      </p:ext>
-    </p:extLst>
-  </p:cSld>
-  <p:clrMapOvr>
-    <a:masterClrMapping/>
-  </p:clrMapOvr>
-</p:sldLayout>
-</file>
-
-<file path=ppt/slideLayouts/slideLayout7.xml><?xml version="1.0" encoding="utf-8"?>
+<file path=ppt/slideLayouts/slideLayout9.xml><?xml version="1.0" encoding="utf-8"?>
 <p:sldLayout xmlns:a="http://schemas.openxmlformats.org/drawingml/2006/main" xmlns:r="http://schemas.openxmlformats.org/officeDocument/2006/relationships" xmlns:p="http://schemas.openxmlformats.org/presentationml/2006/main" preserve="1">
   <p:cSld name="Custom Layout">
     <p:spTree>
@@ -4236,7 +7315,10 @@
             </a:lvl1pPr>
           </a:lstStyle>
           <a:p>
-            <a:endParaRPr lang="en-US"/>
+            <a:r>
+              <a:rPr lang="en-US"/>
+              <a:t>Physics 301:  Advanced Signal and Image Processing</a:t>
+            </a:r>
           </a:p>
         </p:txBody>
       </p:sp>
@@ -5320,634 +8402,6 @@
 </p:sldLayout>
 </file>
 
-<file path=ppt/slideLayouts/slideLayout8.xml><?xml version="1.0" encoding="utf-8"?>
-<p:sldLayout xmlns:a="http://schemas.openxmlformats.org/drawingml/2006/main" xmlns:r="http://schemas.openxmlformats.org/officeDocument/2006/relationships" xmlns:p="http://schemas.openxmlformats.org/presentationml/2006/main" preserve="1">
-  <p:cSld name="1_Custom Layout">
-    <p:spTree>
-      <p:nvGrpSpPr>
-        <p:cNvPr id="1" name=""/>
-        <p:cNvGrpSpPr/>
-        <p:nvPr/>
-      </p:nvGrpSpPr>
-      <p:grpSpPr>
-        <a:xfrm>
-          <a:off x="0" y="0"/>
-          <a:ext cx="0" cy="0"/>
-          <a:chOff x="0" y="0"/>
-          <a:chExt cx="0" cy="0"/>
-        </a:xfrm>
-      </p:grpSpPr>
-      <p:sp>
-        <p:nvSpPr>
-          <p:cNvPr id="3" name="Footer Placeholder 2">
-            <a:extLst>
-              <a:ext uri="{FF2B5EF4-FFF2-40B4-BE49-F238E27FC236}">
-                <a16:creationId xmlns:a16="http://schemas.microsoft.com/office/drawing/2014/main" id="{CDA45E95-5B0E-4D97-80F5-F73B863619FB}"/>
-              </a:ext>
-            </a:extLst>
-          </p:cNvPr>
-          <p:cNvSpPr>
-            <a:spLocks noGrp="1"/>
-          </p:cNvSpPr>
-          <p:nvPr>
-            <p:ph type="ftr" idx="10"/>
-          </p:nvPr>
-        </p:nvSpPr>
-        <p:spPr/>
-        <p:txBody>
-          <a:bodyPr/>
-          <a:lstStyle>
-            <a:lvl1pPr>
-              <a:defRPr>
-                <a:solidFill>
-                  <a:srgbClr val="FFC000"/>
-                </a:solidFill>
-              </a:defRPr>
-            </a:lvl1pPr>
-          </a:lstStyle>
-          <a:p>
-            <a:endParaRPr lang="en-US"/>
-          </a:p>
-        </p:txBody>
-      </p:sp>
-      <p:sp>
-        <p:nvSpPr>
-          <p:cNvPr id="4" name="Slide Number Placeholder 3">
-            <a:extLst>
-              <a:ext uri="{FF2B5EF4-FFF2-40B4-BE49-F238E27FC236}">
-                <a16:creationId xmlns:a16="http://schemas.microsoft.com/office/drawing/2014/main" id="{1ECB3D29-1F81-41AB-B449-95FED47C1281}"/>
-              </a:ext>
-            </a:extLst>
-          </p:cNvPr>
-          <p:cNvSpPr>
-            <a:spLocks noGrp="1"/>
-          </p:cNvSpPr>
-          <p:nvPr>
-            <p:ph type="sldNum" idx="11"/>
-          </p:nvPr>
-        </p:nvSpPr>
-        <p:spPr/>
-        <p:txBody>
-          <a:bodyPr/>
-          <a:lstStyle/>
-          <a:p>
-            <a:fld id="{0223BEE4-7172-435F-BED8-F7D7E8D3404B}" type="slidenum">
-              <a:rPr lang="en-US" smtClean="0"/>
-              <a:t>‹#›</a:t>
-            </a:fld>
-            <a:endParaRPr lang="en-US"/>
-          </a:p>
-        </p:txBody>
-      </p:sp>
-      <p:grpSp>
-        <p:nvGrpSpPr>
-          <p:cNvPr id="5" name="Group 4">
-            <a:extLst>
-              <a:ext uri="{FF2B5EF4-FFF2-40B4-BE49-F238E27FC236}">
-                <a16:creationId xmlns:a16="http://schemas.microsoft.com/office/drawing/2014/main" id="{1EC6602D-0523-4A83-A12A-C97A9E225D7F}"/>
-              </a:ext>
-            </a:extLst>
-          </p:cNvPr>
-          <p:cNvGrpSpPr/>
-          <p:nvPr/>
-        </p:nvGrpSpPr>
-        <p:grpSpPr>
-          <a:xfrm>
-            <a:off x="444500" y="408980"/>
-            <a:ext cx="2753437" cy="638648"/>
-            <a:chOff x="610335" y="1953839"/>
-            <a:chExt cx="2753437" cy="638648"/>
-          </a:xfrm>
-        </p:grpSpPr>
-        <p:sp>
-          <p:nvSpPr>
-            <p:cNvPr id="6" name="Google Shape;127;p2">
-              <a:extLst>
-                <a:ext uri="{FF2B5EF4-FFF2-40B4-BE49-F238E27FC236}">
-                  <a16:creationId xmlns:a16="http://schemas.microsoft.com/office/drawing/2014/main" id="{CA4EDDFF-62D2-4F23-B5E1-C6CDB65CDB08}"/>
-                </a:ext>
-              </a:extLst>
-            </p:cNvPr>
-            <p:cNvSpPr/>
-            <p:nvPr/>
-          </p:nvSpPr>
-          <p:spPr>
-            <a:xfrm>
-              <a:off x="785191" y="1953839"/>
-              <a:ext cx="2578581" cy="439606"/>
-            </a:xfrm>
-            <a:prstGeom prst="roundRect">
-              <a:avLst>
-                <a:gd name="adj" fmla="val 50000"/>
-              </a:avLst>
-            </a:prstGeom>
-            <a:solidFill>
-              <a:srgbClr val="FFC000"/>
-            </a:solidFill>
-            <a:ln>
-              <a:noFill/>
-            </a:ln>
-          </p:spPr>
-          <p:txBody>
-            <a:bodyPr spcFirstLastPara="1" wrap="square" lIns="91425" tIns="45700" rIns="91425" bIns="45700" anchor="ctr" anchorCtr="0">
-              <a:noAutofit/>
-            </a:bodyPr>
-            <a:lstStyle/>
-            <a:p>
-              <a:pPr marL="0" marR="0" lvl="0" indent="0" algn="ctr" rtl="0">
-                <a:spcBef>
-                  <a:spcPts val="0"/>
-                </a:spcBef>
-                <a:spcAft>
-                  <a:spcPts val="0"/>
-                </a:spcAft>
-                <a:buClr>
-                  <a:schemeClr val="lt1"/>
-                </a:buClr>
-                <a:buSzPts val="2800"/>
-                <a:buFont typeface="Helvetica Neue"/>
-                <a:buNone/>
-              </a:pPr>
-              <a:r>
-                <a:rPr lang="en-US" sz="2000" b="1" spc="600" dirty="0">
-                  <a:solidFill>
-                    <a:schemeClr val="tx1">
-                      <a:lumMod val="75000"/>
-                      <a:lumOff val="25000"/>
-                    </a:schemeClr>
-                  </a:solidFill>
-                  <a:latin typeface="Helvetica" panose="020B0604020202020204" pitchFamily="34" charset="0"/>
-                  <a:ea typeface="Helvetica Neue"/>
-                  <a:cs typeface="Helvetica" panose="020B0604020202020204" pitchFamily="34" charset="0"/>
-                  <a:sym typeface="Helvetica Neue"/>
-                </a:rPr>
-                <a:t>  EXAMPLE</a:t>
-              </a:r>
-              <a:endParaRPr lang="en-US" b="1" spc="600" dirty="0">
-                <a:solidFill>
-                  <a:schemeClr val="tx1">
-                    <a:lumMod val="75000"/>
-                    <a:lumOff val="25000"/>
-                  </a:schemeClr>
-                </a:solidFill>
-                <a:latin typeface="Helvetica" panose="020B0604020202020204" pitchFamily="34" charset="0"/>
-                <a:ea typeface="Calibri"/>
-                <a:cs typeface="Helvetica" panose="020B0604020202020204" pitchFamily="34" charset="0"/>
-                <a:sym typeface="Calibri"/>
-              </a:endParaRPr>
-            </a:p>
-          </p:txBody>
-        </p:sp>
-        <p:pic>
-          <p:nvPicPr>
-            <p:cNvPr id="7" name="Graphic 6" descr="Lightbulb and pencil with solid fill">
-              <a:extLst>
-                <a:ext uri="{FF2B5EF4-FFF2-40B4-BE49-F238E27FC236}">
-                  <a16:creationId xmlns:a16="http://schemas.microsoft.com/office/drawing/2014/main" id="{B92E68F4-3826-4513-B8A4-526CA9139198}"/>
-                </a:ext>
-              </a:extLst>
-            </p:cNvPr>
-            <p:cNvPicPr>
-              <a:picLocks noChangeAspect="1"/>
-            </p:cNvPicPr>
-            <p:nvPr/>
-          </p:nvPicPr>
-          <p:blipFill>
-            <a:blip r:embed="rId2">
-              <a:extLst>
-                <a:ext uri="{96DAC541-7B7A-43D3-8B79-37D633B846F1}">
-                  <asvg:svgBlip xmlns:asvg="http://schemas.microsoft.com/office/drawing/2016/SVG/main" r:embed="rId3"/>
-                </a:ext>
-              </a:extLst>
-            </a:blip>
-            <a:stretch>
-              <a:fillRect/>
-            </a:stretch>
-          </p:blipFill>
-          <p:spPr>
-            <a:xfrm flipH="1">
-              <a:off x="610335" y="1953839"/>
-              <a:ext cx="638648" cy="638648"/>
-            </a:xfrm>
-            <a:prstGeom prst="rect">
-              <a:avLst/>
-            </a:prstGeom>
-          </p:spPr>
-        </p:pic>
-      </p:grpSp>
-      <p:grpSp>
-        <p:nvGrpSpPr>
-          <p:cNvPr id="8" name="Group 7">
-            <a:extLst>
-              <a:ext uri="{FF2B5EF4-FFF2-40B4-BE49-F238E27FC236}">
-                <a16:creationId xmlns:a16="http://schemas.microsoft.com/office/drawing/2014/main" id="{89E0F8BE-9B36-450F-BEE9-270536B96036}"/>
-              </a:ext>
-            </a:extLst>
-          </p:cNvPr>
-          <p:cNvGrpSpPr/>
-          <p:nvPr/>
-        </p:nvGrpSpPr>
-        <p:grpSpPr>
-          <a:xfrm>
-            <a:off x="406161" y="1129994"/>
-            <a:ext cx="5338577" cy="572658"/>
-            <a:chOff x="577441" y="2055315"/>
-            <a:chExt cx="5338577" cy="572658"/>
-          </a:xfrm>
-        </p:grpSpPr>
-        <p:sp>
-          <p:nvSpPr>
-            <p:cNvPr id="9" name="Google Shape;127;p2">
-              <a:extLst>
-                <a:ext uri="{FF2B5EF4-FFF2-40B4-BE49-F238E27FC236}">
-                  <a16:creationId xmlns:a16="http://schemas.microsoft.com/office/drawing/2014/main" id="{D6C6EE73-AA50-4EFA-ADA7-A7C77DC48071}"/>
-                </a:ext>
-              </a:extLst>
-            </p:cNvPr>
-            <p:cNvSpPr/>
-            <p:nvPr/>
-          </p:nvSpPr>
-          <p:spPr>
-            <a:xfrm>
-              <a:off x="702444" y="2055315"/>
-              <a:ext cx="5213574" cy="439606"/>
-            </a:xfrm>
-            <a:prstGeom prst="roundRect">
-              <a:avLst>
-                <a:gd name="adj" fmla="val 50000"/>
-              </a:avLst>
-            </a:prstGeom>
-            <a:solidFill>
-              <a:srgbClr val="FFC000"/>
-            </a:solidFill>
-            <a:ln>
-              <a:noFill/>
-            </a:ln>
-          </p:spPr>
-          <p:txBody>
-            <a:bodyPr spcFirstLastPara="1" wrap="square" lIns="91425" tIns="45700" rIns="91425" bIns="45700" anchor="ctr" anchorCtr="0">
-              <a:noAutofit/>
-            </a:bodyPr>
-            <a:lstStyle/>
-            <a:p>
-              <a:pPr marL="0" marR="0" lvl="0" indent="0" rtl="0">
-                <a:spcBef>
-                  <a:spcPts val="0"/>
-                </a:spcBef>
-                <a:spcAft>
-                  <a:spcPts val="0"/>
-                </a:spcAft>
-                <a:buClr>
-                  <a:schemeClr val="lt1"/>
-                </a:buClr>
-                <a:buSzPts val="2800"/>
-                <a:buFont typeface="Helvetica Neue"/>
-                <a:buNone/>
-              </a:pPr>
-              <a:r>
-                <a:rPr lang="en-US" sz="2000" b="1" spc="600" dirty="0">
-                  <a:solidFill>
-                    <a:schemeClr val="tx1">
-                      <a:lumMod val="75000"/>
-                      <a:lumOff val="25000"/>
-                    </a:schemeClr>
-                  </a:solidFill>
-                  <a:latin typeface="Helvetica" panose="020B0604020202020204" pitchFamily="34" charset="0"/>
-                  <a:ea typeface="Helvetica Neue"/>
-                  <a:cs typeface="Helvetica" panose="020B0604020202020204" pitchFamily="34" charset="0"/>
-                  <a:sym typeface="Helvetica Neue"/>
-                </a:rPr>
-                <a:t>   Table 1. SI Base Units</a:t>
-              </a:r>
-              <a:endParaRPr lang="en-US" b="1" spc="600" dirty="0">
-                <a:solidFill>
-                  <a:schemeClr val="tx1">
-                    <a:lumMod val="75000"/>
-                    <a:lumOff val="25000"/>
-                  </a:schemeClr>
-                </a:solidFill>
-                <a:latin typeface="Helvetica" panose="020B0604020202020204" pitchFamily="34" charset="0"/>
-                <a:ea typeface="Calibri"/>
-                <a:cs typeface="Helvetica" panose="020B0604020202020204" pitchFamily="34" charset="0"/>
-                <a:sym typeface="Calibri"/>
-              </a:endParaRPr>
-            </a:p>
-          </p:txBody>
-        </p:sp>
-        <p:pic>
-          <p:nvPicPr>
-            <p:cNvPr id="10" name="Graphic 9" descr="Bar graph with upward trend with solid fill">
-              <a:extLst>
-                <a:ext uri="{FF2B5EF4-FFF2-40B4-BE49-F238E27FC236}">
-                  <a16:creationId xmlns:a16="http://schemas.microsoft.com/office/drawing/2014/main" id="{650AB2C1-FD4C-4A83-8602-3BB4C042BB92}"/>
-                </a:ext>
-              </a:extLst>
-            </p:cNvPr>
-            <p:cNvPicPr>
-              <a:picLocks noChangeAspect="1"/>
-            </p:cNvPicPr>
-            <p:nvPr/>
-          </p:nvPicPr>
-          <p:blipFill>
-            <a:blip r:embed="rId4">
-              <a:extLst>
-                <a:ext uri="{96DAC541-7B7A-43D3-8B79-37D633B846F1}">
-                  <asvg:svgBlip xmlns:asvg="http://schemas.microsoft.com/office/drawing/2016/SVG/main" r:embed="rId5"/>
-                </a:ext>
-              </a:extLst>
-            </a:blip>
-            <a:stretch>
-              <a:fillRect/>
-            </a:stretch>
-          </p:blipFill>
-          <p:spPr>
-            <a:xfrm>
-              <a:off x="577441" y="2087973"/>
-              <a:ext cx="540000" cy="540000"/>
-            </a:xfrm>
-            <a:prstGeom prst="rect">
-              <a:avLst/>
-            </a:prstGeom>
-          </p:spPr>
-        </p:pic>
-      </p:grpSp>
-    </p:spTree>
-    <p:extLst>
-      <p:ext uri="{BB962C8B-B14F-4D97-AF65-F5344CB8AC3E}">
-        <p14:creationId xmlns:p14="http://schemas.microsoft.com/office/powerpoint/2010/main" val="2984593926"/>
-      </p:ext>
-    </p:extLst>
-  </p:cSld>
-  <p:clrMapOvr>
-    <a:masterClrMapping/>
-  </p:clrMapOvr>
-</p:sldLayout>
-</file>
-
-<file path=ppt/slideLayouts/slideLayout9.xml><?xml version="1.0" encoding="utf-8"?>
-<p:sldLayout xmlns:a="http://schemas.openxmlformats.org/drawingml/2006/main" xmlns:r="http://schemas.openxmlformats.org/officeDocument/2006/relationships" xmlns:p="http://schemas.openxmlformats.org/presentationml/2006/main" type="obj">
-  <p:cSld name="1_Title and Content">
-    <p:spTree>
-      <p:nvGrpSpPr>
-        <p:cNvPr id="1" name=""/>
-        <p:cNvGrpSpPr/>
-        <p:nvPr/>
-      </p:nvGrpSpPr>
-      <p:grpSpPr>
-        <a:xfrm>
-          <a:off x="0" y="0"/>
-          <a:ext cx="0" cy="0"/>
-          <a:chOff x="0" y="0"/>
-          <a:chExt cx="0" cy="0"/>
-        </a:xfrm>
-      </p:grpSpPr>
-      <p:sp>
-        <p:nvSpPr>
-          <p:cNvPr id="2" name="Title 1"/>
-          <p:cNvSpPr>
-            <a:spLocks noGrp="1"/>
-          </p:cNvSpPr>
-          <p:nvPr>
-            <p:ph type="title"/>
-          </p:nvPr>
-        </p:nvSpPr>
-        <p:spPr/>
-        <p:txBody>
-          <a:bodyPr/>
-          <a:lstStyle>
-            <a:lvl1pPr>
-              <a:defRPr lang="en-US" dirty="0"/>
-            </a:lvl1pPr>
-          </a:lstStyle>
-          <a:p>
-            <a:r>
-              <a:rPr lang="en-US"/>
-              <a:t>Click to edit Master title style</a:t>
-            </a:r>
-            <a:endParaRPr lang="en-US" dirty="0"/>
-          </a:p>
-        </p:txBody>
-      </p:sp>
-      <p:sp>
-        <p:nvSpPr>
-          <p:cNvPr id="3" name="Content Placeholder 2"/>
-          <p:cNvSpPr>
-            <a:spLocks noGrp="1"/>
-          </p:cNvSpPr>
-          <p:nvPr>
-            <p:ph idx="1"/>
-          </p:nvPr>
-        </p:nvSpPr>
-        <p:spPr/>
-        <p:txBody>
-          <a:bodyPr/>
-          <a:lstStyle>
-            <a:lvl1pPr>
-              <a:defRPr lang="en-US" smtClean="0"/>
-            </a:lvl1pPr>
-            <a:lvl2pPr>
-              <a:defRPr lang="en-US" dirty="0" smtClean="0"/>
-            </a:lvl2pPr>
-            <a:lvl3pPr>
-              <a:defRPr lang="en-US" dirty="0" smtClean="0"/>
-            </a:lvl3pPr>
-            <a:lvl4pPr>
-              <a:defRPr lang="en-US" dirty="0" smtClean="0"/>
-            </a:lvl4pPr>
-            <a:lvl5pPr>
-              <a:defRPr lang="en-US" dirty="0"/>
-            </a:lvl5pPr>
-          </a:lstStyle>
-          <a:p>
-            <a:pPr lvl="0"/>
-            <a:r>
-              <a:rPr lang="en-US"/>
-              <a:t>Click to edit Master text styles</a:t>
-            </a:r>
-          </a:p>
-          <a:p>
-            <a:pPr lvl="1"/>
-            <a:r>
-              <a:rPr lang="en-US"/>
-              <a:t>Second level</a:t>
-            </a:r>
-          </a:p>
-          <a:p>
-            <a:pPr lvl="2"/>
-            <a:r>
-              <a:rPr lang="en-US"/>
-              <a:t>Third level</a:t>
-            </a:r>
-          </a:p>
-          <a:p>
-            <a:pPr lvl="3"/>
-            <a:r>
-              <a:rPr lang="en-US"/>
-              <a:t>Fourth level</a:t>
-            </a:r>
-          </a:p>
-          <a:p>
-            <a:pPr lvl="4"/>
-            <a:r>
-              <a:rPr lang="en-US"/>
-              <a:t>Fifth level</a:t>
-            </a:r>
-            <a:endParaRPr lang="en-US" dirty="0"/>
-          </a:p>
-        </p:txBody>
-      </p:sp>
-      <p:grpSp>
-        <p:nvGrpSpPr>
-          <p:cNvPr id="8" name="Group 7"/>
-          <p:cNvGrpSpPr>
-            <a:grpSpLocks noChangeAspect="1"/>
-          </p:cNvGrpSpPr>
-          <p:nvPr/>
-        </p:nvGrpSpPr>
-        <p:grpSpPr>
-          <a:xfrm>
-            <a:off x="8609043" y="5451537"/>
-            <a:ext cx="548116" cy="1194591"/>
-            <a:chOff x="131088" y="136512"/>
-            <a:chExt cx="639402" cy="1393546"/>
-          </a:xfrm>
-        </p:grpSpPr>
-        <p:pic>
-          <p:nvPicPr>
-            <p:cNvPr id="9" name="Picture 8" descr="upd"/>
-            <p:cNvPicPr>
-              <a:picLocks noChangeAspect="1" noChangeArrowheads="1"/>
-            </p:cNvPicPr>
-            <p:nvPr/>
-          </p:nvPicPr>
-          <p:blipFill>
-            <a:blip r:embed="rId2" cstate="print">
-              <a:extLst>
-                <a:ext uri="{28A0092B-C50C-407E-A947-70E740481C1C}">
-                  <a14:useLocalDpi xmlns:a14="http://schemas.microsoft.com/office/drawing/2010/main" val="0"/>
-                </a:ext>
-              </a:extLst>
-            </a:blip>
-            <a:srcRect/>
-            <a:stretch>
-              <a:fillRect/>
-            </a:stretch>
-          </p:blipFill>
-          <p:spPr bwMode="auto">
-            <a:xfrm>
-              <a:off x="152400" y="136512"/>
-              <a:ext cx="610416" cy="622961"/>
-            </a:xfrm>
-            <a:prstGeom prst="rect">
-              <a:avLst/>
-            </a:prstGeom>
-            <a:noFill/>
-            <a:ln>
-              <a:noFill/>
-            </a:ln>
-            <a:effectLst/>
-            <a:extLst>
-              <a:ext uri="{909E8E84-426E-40dd-AFC4-6F175D3DCCD1}">
-                <a14:hiddenFill xmlns:a14="http://schemas.microsoft.com/office/drawing/2010/main" xmlns="">
-                  <a:solidFill>
-                    <a:srgbClr val="FFFFFF"/>
-                  </a:solidFill>
-                </a14:hiddenFill>
-              </a:ext>
-              <a:ext uri="{91240B29-F687-4f45-9708-019B960494DF}">
-                <a14:hiddenLine xmlns:a14="http://schemas.microsoft.com/office/drawing/2010/main" xmlns="" w="9525" algn="in">
-                  <a:solidFill>
-                    <a:srgbClr val="000000"/>
-                  </a:solidFill>
-                  <a:miter lim="800000"/>
-                  <a:headEnd/>
-                  <a:tailEnd/>
-                </a14:hiddenLine>
-              </a:ext>
-            </a:extLst>
-          </p:spPr>
-        </p:pic>
-        <p:pic>
-          <p:nvPicPr>
-            <p:cNvPr id="10" name="Picture 9" descr="niplogo"/>
-            <p:cNvPicPr>
-              <a:picLocks noChangeAspect="1" noChangeArrowheads="1"/>
-            </p:cNvPicPr>
-            <p:nvPr/>
-          </p:nvPicPr>
-          <p:blipFill>
-            <a:blip r:embed="rId3" cstate="print">
-              <a:extLst>
-                <a:ext uri="{28A0092B-C50C-407E-A947-70E740481C1C}">
-                  <a14:useLocalDpi xmlns:a14="http://schemas.microsoft.com/office/drawing/2010/main" val="0"/>
-                </a:ext>
-              </a:extLst>
-            </a:blip>
-            <a:srcRect/>
-            <a:stretch>
-              <a:fillRect/>
-            </a:stretch>
-          </p:blipFill>
-          <p:spPr bwMode="auto">
-            <a:xfrm>
-              <a:off x="131088" y="891088"/>
-              <a:ext cx="639402" cy="638970"/>
-            </a:xfrm>
-            <a:prstGeom prst="rect">
-              <a:avLst/>
-            </a:prstGeom>
-            <a:noFill/>
-            <a:ln>
-              <a:noFill/>
-            </a:ln>
-            <a:effectLst/>
-            <a:extLst>
-              <a:ext uri="{909E8E84-426E-40dd-AFC4-6F175D3DCCD1}">
-                <a14:hiddenFill xmlns:a14="http://schemas.microsoft.com/office/drawing/2010/main" xmlns="">
-                  <a:solidFill>
-                    <a:srgbClr val="FFFFFF"/>
-                  </a:solidFill>
-                </a14:hiddenFill>
-              </a:ext>
-              <a:ext uri="{91240B29-F687-4f45-9708-019B960494DF}">
-                <a14:hiddenLine xmlns:a14="http://schemas.microsoft.com/office/drawing/2010/main" xmlns="" w="9525" algn="in">
-                  <a:solidFill>
-                    <a:srgbClr val="000000"/>
-                  </a:solidFill>
-                  <a:miter lim="800000"/>
-                  <a:headEnd/>
-                  <a:tailEnd/>
-                </a14:hiddenLine>
-              </a:ext>
-            </a:extLst>
-          </p:spPr>
-        </p:pic>
-      </p:grpSp>
-    </p:spTree>
-    <p:extLst>
-      <p:ext uri="{BB962C8B-B14F-4D97-AF65-F5344CB8AC3E}">
-        <p14:creationId xmlns:p14="http://schemas.microsoft.com/office/powerpoint/2010/main" val="2118670371"/>
-      </p:ext>
-    </p:extLst>
-  </p:cSld>
-  <p:clrMapOvr>
-    <a:masterClrMapping/>
-  </p:clrMapOvr>
-  <mc:AlternateContent xmlns:mc="http://schemas.openxmlformats.org/markup-compatibility/2006" xmlns:p14="http://schemas.microsoft.com/office/powerpoint/2010/main">
-    <mc:Choice Requires="p14">
-      <p:transition p14:dur="200">
-        <p:fade/>
-      </p:transition>
-    </mc:Choice>
-    <mc:Fallback xmlns="">
-      <p:transition>
-        <p:fade/>
-      </p:transition>
-    </mc:Fallback>
-  </mc:AlternateContent>
-</p:sldLayout>
-</file>
-
 <file path=ppt/slideMasters/slideMaster1.xml><?xml version="1.0" encoding="utf-8"?>
 <p:sldMaster xmlns:a="http://schemas.openxmlformats.org/drawingml/2006/main" xmlns:r="http://schemas.openxmlformats.org/officeDocument/2006/relationships" xmlns:p="http://schemas.openxmlformats.org/presentationml/2006/main">
   <p:cSld>
@@ -6010,14 +8464,11 @@
               </a:spcAft>
               <a:buSzPts val="1400"/>
               <a:buNone/>
-              <a:defRPr sz="1400" b="0" i="0" u="none" strike="noStrike" cap="none" spc="0" baseline="0">
+              <a:defRPr sz="1400" b="0" i="0" u="none" strike="noStrike" cap="none" spc="300" baseline="0">
                 <a:solidFill>
                   <a:srgbClr val="D64045"/>
                 </a:solidFill>
-                <a:highlight>
-                  <a:srgbClr val="D64045"/>
-                </a:highlight>
-                <a:latin typeface="Verdana" panose="020B0604030504040204" pitchFamily="34" charset="0"/>
+                <a:latin typeface="Bahnschrift Condensed" panose="020B0502040204020203" pitchFamily="34" charset="0"/>
                 <a:ea typeface="Verdana" panose="020B0604030504040204" pitchFamily="34" charset="0"/>
                 <a:cs typeface="Helvetica" panose="020B0604020202020204" pitchFamily="34" charset="0"/>
                 <a:sym typeface="Avenir"/>
@@ -6177,7 +8628,10 @@
             </a:lvl9pPr>
           </a:lstStyle>
           <a:p>
-            <a:endParaRPr lang="en-US" dirty="0"/>
+            <a:r>
+              <a:rPr lang="en-US" dirty="0"/>
+              <a:t>Physics 301:  Advanced Signal and Image Processing</a:t>
+            </a:r>
           </a:p>
         </p:txBody>
       </p:sp>
@@ -6216,12 +8670,9 @@
               <a:buNone/>
               <a:defRPr sz="1350" b="0" i="0" u="none" strike="noStrike" cap="none">
                 <a:solidFill>
-                  <a:schemeClr val="bg1"/>
-                </a:solidFill>
-                <a:highlight>
                   <a:srgbClr val="D64045"/>
-                </a:highlight>
-                <a:latin typeface="Verdana" panose="020B0604030504040204" pitchFamily="34" charset="0"/>
+                </a:solidFill>
+                <a:latin typeface="Bahnschrift Condensed" panose="020B0502040204020203" pitchFamily="34" charset="0"/>
                 <a:ea typeface="Verdana" panose="020B0604030504040204" pitchFamily="34" charset="0"/>
                 <a:cs typeface="Helvetica" panose="020B0604020202020204" pitchFamily="34" charset="0"/>
                 <a:sym typeface="Avenir"/>
@@ -6349,6 +8800,10 @@
             </a:lvl9pPr>
           </a:lstStyle>
           <a:p>
+            <a:r>
+              <a:rPr lang="en-US" dirty="0"/>
+              <a:t>//</a:t>
+            </a:r>
             <a:fld id="{0223BEE4-7172-435F-BED8-F7D7E8D3404B}" type="slidenum">
               <a:rPr lang="en-US" smtClean="0"/>
               <a:pPr/>
@@ -6667,10 +9122,10 @@
           <p:nvPr/>
         </p:nvPicPr>
         <p:blipFill>
-          <a:blip r:embed="rId12">
+          <a:blip r:embed="rId13">
             <a:extLst>
               <a:ext uri="{96DAC541-7B7A-43D3-8B79-37D633B846F1}">
-                <asvg:svgBlip xmlns:asvg="http://schemas.microsoft.com/office/drawing/2016/SVG/main" r:embed="rId13"/>
+                <asvg:svgBlip xmlns:asvg="http://schemas.microsoft.com/office/drawing/2016/SVG/main" r:embed="rId14"/>
               </a:ext>
             </a:extLst>
           </a:blip>
@@ -6688,6 +9143,111 @@
           </a:prstGeom>
         </p:spPr>
       </p:pic>
+      <p:sp>
+        <p:nvSpPr>
+          <p:cNvPr id="3" name="Title Placeholder 2">
+            <a:extLst>
+              <a:ext uri="{FF2B5EF4-FFF2-40B4-BE49-F238E27FC236}">
+                <a16:creationId xmlns:a16="http://schemas.microsoft.com/office/drawing/2014/main" id="{296EF9B4-4B0D-C21B-0B5B-E95EBE3A2D40}"/>
+              </a:ext>
+            </a:extLst>
+          </p:cNvPr>
+          <p:cNvSpPr>
+            <a:spLocks noGrp="1"/>
+          </p:cNvSpPr>
+          <p:nvPr>
+            <p:ph type="title"/>
+          </p:nvPr>
+        </p:nvSpPr>
+        <p:spPr>
+          <a:xfrm>
+            <a:off x="628650" y="365125"/>
+            <a:ext cx="7886700" cy="1325563"/>
+          </a:xfrm>
+          <a:prstGeom prst="rect">
+            <a:avLst/>
+          </a:prstGeom>
+        </p:spPr>
+        <p:txBody>
+          <a:bodyPr vert="horz" lIns="91440" tIns="45720" rIns="91440" bIns="45720" rtlCol="0" anchor="ctr">
+            <a:normAutofit/>
+          </a:bodyPr>
+          <a:lstStyle/>
+          <a:p>
+            <a:r>
+              <a:rPr lang="en-US" dirty="0"/>
+              <a:t>Click to Click to edit Master title style Master title style</a:t>
+            </a:r>
+          </a:p>
+        </p:txBody>
+      </p:sp>
+      <p:sp>
+        <p:nvSpPr>
+          <p:cNvPr id="4" name="Text Placeholder 3">
+            <a:extLst>
+              <a:ext uri="{FF2B5EF4-FFF2-40B4-BE49-F238E27FC236}">
+                <a16:creationId xmlns:a16="http://schemas.microsoft.com/office/drawing/2014/main" id="{6E7ADECD-5F28-8765-1517-B85DFAB701B2}"/>
+              </a:ext>
+            </a:extLst>
+          </p:cNvPr>
+          <p:cNvSpPr>
+            <a:spLocks noGrp="1"/>
+          </p:cNvSpPr>
+          <p:nvPr>
+            <p:ph type="body" idx="1"/>
+          </p:nvPr>
+        </p:nvSpPr>
+        <p:spPr>
+          <a:xfrm>
+            <a:off x="628650" y="1825625"/>
+            <a:ext cx="7886700" cy="4351338"/>
+          </a:xfrm>
+          <a:prstGeom prst="rect">
+            <a:avLst/>
+          </a:prstGeom>
+        </p:spPr>
+        <p:txBody>
+          <a:bodyPr vert="horz" lIns="91440" tIns="45720" rIns="91440" bIns="45720" rtlCol="0">
+            <a:normAutofit/>
+          </a:bodyPr>
+          <a:lstStyle/>
+          <a:p>
+            <a:pPr lvl="0"/>
+            <a:r>
+              <a:rPr lang="en-US" dirty="0"/>
+              <a:t>Click to edit Master text styles</a:t>
+            </a:r>
+          </a:p>
+          <a:p>
+            <a:pPr lvl="3"/>
+            <a:r>
+              <a:rPr lang="en-US" dirty="0"/>
+              <a:t>Second level</a:t>
+            </a:r>
+          </a:p>
+          <a:p>
+            <a:pPr lvl="2"/>
+            <a:r>
+              <a:rPr lang="en-US" dirty="0"/>
+              <a:t>Third level</a:t>
+            </a:r>
+          </a:p>
+          <a:p>
+            <a:pPr lvl="3"/>
+            <a:r>
+              <a:rPr lang="en-US" dirty="0"/>
+              <a:t>Fourth level</a:t>
+            </a:r>
+          </a:p>
+          <a:p>
+            <a:pPr lvl="4"/>
+            <a:r>
+              <a:rPr lang="en-US" dirty="0"/>
+              <a:t>Fifth level</a:t>
+            </a:r>
+          </a:p>
+        </p:txBody>
+      </p:sp>
     </p:spTree>
     <p:extLst>
       <p:ext uri="{BB962C8B-B14F-4D97-AF65-F5344CB8AC3E}">
@@ -6698,15 +9258,16 @@
   <p:clrMap bg1="lt1" tx1="dk1" bg2="dk2" tx2="lt2" accent1="accent1" accent2="accent2" accent3="accent3" accent4="accent4" accent5="accent5" accent6="accent6" hlink="hlink" folHlink="folHlink"/>
   <p:sldLayoutIdLst>
     <p:sldLayoutId id="2147483673" r:id="rId1"/>
-    <p:sldLayoutId id="2147483674" r:id="rId2"/>
-    <p:sldLayoutId id="2147483675" r:id="rId3"/>
-    <p:sldLayoutId id="2147483676" r:id="rId4"/>
-    <p:sldLayoutId id="2147483677" r:id="rId5"/>
-    <p:sldLayoutId id="2147483678" r:id="rId6"/>
-    <p:sldLayoutId id="2147483679" r:id="rId7"/>
-    <p:sldLayoutId id="2147483680" r:id="rId8"/>
-    <p:sldLayoutId id="2147483681" r:id="rId9"/>
-    <p:sldLayoutId id="2147483682" r:id="rId10"/>
+    <p:sldLayoutId id="2147483684" r:id="rId2"/>
+    <p:sldLayoutId id="2147483685" r:id="rId3"/>
+    <p:sldLayoutId id="2147483674" r:id="rId4"/>
+    <p:sldLayoutId id="2147483683" r:id="rId5"/>
+    <p:sldLayoutId id="2147483675" r:id="rId6"/>
+    <p:sldLayoutId id="2147483676" r:id="rId7"/>
+    <p:sldLayoutId id="2147483677" r:id="rId8"/>
+    <p:sldLayoutId id="2147483679" r:id="rId9"/>
+    <p:sldLayoutId id="2147483680" r:id="rId10"/>
+    <p:sldLayoutId id="2147483682" r:id="rId11"/>
   </p:sldLayoutIdLst>
   <mc:AlternateContent xmlns:mc="http://schemas.openxmlformats.org/markup-compatibility/2006" xmlns:p14="http://schemas.microsoft.com/office/powerpoint/2010/main">
     <mc:Choice Requires="p14">
@@ -6714,12 +9275,13 @@
         <p:fade/>
       </p:transition>
     </mc:Choice>
-    <mc:Fallback xmlns:ahyp="http://schemas.microsoft.com/office/drawing/2018/hyperlinkcolor" xmlns:p15="http://schemas.microsoft.com/office/powerpoint/2012/main" xmlns:com="http://schemas.openxmlformats.org/drawingml/2006/compatibility" xmlns:pvml="urn:schemas-microsoft-com:office:powerpoint" xmlns:v="urn:schemas-microsoft-com:vml" xmlns:o="urn:schemas-microsoft-com:office:office" xmlns:dgm="http://schemas.openxmlformats.org/drawingml/2006/diagram" xmlns:c="http://schemas.openxmlformats.org/drawingml/2006/chart" xmlns:mv="urn:schemas-microsoft-com:mac:vml" xmlns="">
+    <mc:Fallback xmlns="" xmlns:mv="urn:schemas-microsoft-com:mac:vml" xmlns:c="http://schemas.openxmlformats.org/drawingml/2006/chart" xmlns:dgm="http://schemas.openxmlformats.org/drawingml/2006/diagram" xmlns:o="urn:schemas-microsoft-com:office:office" xmlns:v="urn:schemas-microsoft-com:vml" xmlns:pvml="urn:schemas-microsoft-com:office:powerpoint" xmlns:com="http://schemas.openxmlformats.org/drawingml/2006/compatibility" xmlns:p15="http://schemas.microsoft.com/office/powerpoint/2012/main" xmlns:ahyp="http://schemas.microsoft.com/office/drawing/2018/hyperlinkcolor">
       <p:transition>
         <p:fade/>
       </p:transition>
     </mc:Fallback>
   </mc:AlternateContent>
+  <p:hf hdr="0" dt="0"/>
   <p:txStyles>
     <p:titleStyle>
       <a:defPPr marR="0" lvl="0" algn="l" rtl="0">
@@ -6967,7 +9529,7 @@
           <a:spcPts val="0"/>
         </a:spcAft>
       </a:defPPr>
-      <a:lvl1pPr marR="0" lvl="0" algn="l" rtl="0" eaLnBrk="1" hangingPunct="1">
+      <a:lvl1pPr marL="342900" marR="0" lvl="0" indent="-342900" algn="l" rtl="0" eaLnBrk="1" hangingPunct="1">
         <a:lnSpc>
           <a:spcPct val="100000"/>
         </a:lnSpc>
@@ -6978,20 +9540,21 @@
           <a:spcPts val="0"/>
         </a:spcAft>
         <a:buClr>
-          <a:srgbClr val="000000"/>
+          <a:srgbClr val="C00000"/>
         </a:buClr>
-        <a:buFont typeface="Arial"/>
-        <a:defRPr sz="1050" b="0" i="0" u="none" strike="noStrike" cap="none">
+        <a:buFont typeface="Wingdings" panose="05000000000000000000" pitchFamily="2" charset="2"/>
+        <a:buChar char="§"/>
+        <a:defRPr sz="2000" b="0" i="0" u="none" strike="noStrike" cap="none">
           <a:solidFill>
             <a:srgbClr val="000000"/>
           </a:solidFill>
-          <a:latin typeface="Verdana" panose="020B0604030504040204" pitchFamily="34" charset="0"/>
+          <a:latin typeface="Bahnschrift Light" panose="020B0502040204020203" pitchFamily="34" charset="0"/>
           <a:ea typeface="Verdana" panose="020B0604030504040204" pitchFamily="34" charset="0"/>
           <a:cs typeface="Helvetica" panose="020B0604020202020204" pitchFamily="34" charset="0"/>
           <a:sym typeface="Arial"/>
         </a:defRPr>
       </a:lvl1pPr>
-      <a:lvl2pPr marR="0" lvl="1" algn="l" rtl="0" eaLnBrk="1" hangingPunct="1">
+      <a:lvl2pPr marL="342900" marR="0" lvl="1" indent="-342900" algn="l" rtl="0" eaLnBrk="1" hangingPunct="1">
         <a:lnSpc>
           <a:spcPct val="100000"/>
         </a:lnSpc>
@@ -7002,20 +9565,21 @@
           <a:spcPts val="0"/>
         </a:spcAft>
         <a:buClr>
-          <a:srgbClr val="000000"/>
+          <a:srgbClr val="C00000"/>
         </a:buClr>
-        <a:buFont typeface="Arial"/>
-        <a:defRPr sz="1050" b="0" i="0" u="none" strike="noStrike" cap="none">
+        <a:buFont typeface="Wingdings" panose="05000000000000000000" pitchFamily="2" charset="2"/>
+        <a:buChar char="§"/>
+        <a:defRPr sz="2000" b="0" i="0" u="none" strike="noStrike" cap="none">
           <a:solidFill>
             <a:srgbClr val="000000"/>
           </a:solidFill>
-          <a:latin typeface="Verdana" panose="020B0604030504040204" pitchFamily="34" charset="0"/>
+          <a:latin typeface="Bahnschrift Light" panose="020B0502040204020203" pitchFamily="34" charset="0"/>
           <a:ea typeface="Verdana" panose="020B0604030504040204" pitchFamily="34" charset="0"/>
           <a:cs typeface="Arial"/>
           <a:sym typeface="Arial"/>
         </a:defRPr>
       </a:lvl2pPr>
-      <a:lvl3pPr marR="0" lvl="2" algn="l" rtl="0" eaLnBrk="1" hangingPunct="1">
+      <a:lvl3pPr marL="342900" marR="0" lvl="2" indent="-342900" algn="l" rtl="0" eaLnBrk="1" hangingPunct="1">
         <a:lnSpc>
           <a:spcPct val="100000"/>
         </a:lnSpc>
@@ -7026,20 +9590,21 @@
           <a:spcPts val="0"/>
         </a:spcAft>
         <a:buClr>
-          <a:srgbClr val="000000"/>
+          <a:srgbClr val="C00000"/>
         </a:buClr>
-        <a:buFont typeface="Arial"/>
-        <a:defRPr sz="1050" b="0" i="0" u="none" strike="noStrike" cap="none">
+        <a:buFont typeface="Wingdings" panose="05000000000000000000" pitchFamily="2" charset="2"/>
+        <a:buChar char="§"/>
+        <a:defRPr sz="2000" b="0" i="0" u="none" strike="noStrike" cap="none">
           <a:solidFill>
             <a:srgbClr val="000000"/>
           </a:solidFill>
-          <a:latin typeface="Verdana" panose="020B0604030504040204" pitchFamily="34" charset="0"/>
+          <a:latin typeface="Bahnschrift Light" panose="020B0502040204020203" pitchFamily="34" charset="0"/>
           <a:ea typeface="Verdana" panose="020B0604030504040204" pitchFamily="34" charset="0"/>
           <a:cs typeface="Arial"/>
           <a:sym typeface="Arial"/>
         </a:defRPr>
       </a:lvl3pPr>
-      <a:lvl4pPr marR="0" lvl="3" algn="l" rtl="0" eaLnBrk="1" hangingPunct="1">
+      <a:lvl4pPr marL="342900" marR="0" lvl="3" indent="-342900" algn="l" rtl="0" eaLnBrk="1" hangingPunct="1">
         <a:lnSpc>
           <a:spcPct val="100000"/>
         </a:lnSpc>
@@ -7050,20 +9615,21 @@
           <a:spcPts val="0"/>
         </a:spcAft>
         <a:buClr>
-          <a:srgbClr val="000000"/>
+          <a:srgbClr val="C00000"/>
         </a:buClr>
-        <a:buFont typeface="Arial"/>
-        <a:defRPr sz="1050" b="0" i="0" u="none" strike="noStrike" cap="none">
+        <a:buFont typeface="Wingdings" panose="05000000000000000000" pitchFamily="2" charset="2"/>
+        <a:buChar char="§"/>
+        <a:defRPr sz="2000" b="0" i="0" u="none" strike="noStrike" cap="none">
           <a:solidFill>
             <a:srgbClr val="000000"/>
           </a:solidFill>
-          <a:latin typeface="Verdana" panose="020B0604030504040204" pitchFamily="34" charset="0"/>
+          <a:latin typeface="Bahnschrift Light" panose="020B0502040204020203" pitchFamily="34" charset="0"/>
           <a:ea typeface="Verdana" panose="020B0604030504040204" pitchFamily="34" charset="0"/>
           <a:cs typeface="Arial"/>
           <a:sym typeface="Arial"/>
         </a:defRPr>
       </a:lvl4pPr>
-      <a:lvl5pPr marR="0" lvl="4" algn="l" rtl="0" eaLnBrk="1" hangingPunct="1">
+      <a:lvl5pPr marL="342900" marR="0" lvl="4" indent="-342900" algn="l" rtl="0" eaLnBrk="1" hangingPunct="1">
         <a:lnSpc>
           <a:spcPct val="100000"/>
         </a:lnSpc>
@@ -7074,14 +9640,15 @@
           <a:spcPts val="0"/>
         </a:spcAft>
         <a:buClr>
-          <a:srgbClr val="000000"/>
+          <a:srgbClr val="C00000"/>
         </a:buClr>
-        <a:buFont typeface="Arial"/>
-        <a:defRPr sz="1050" b="0" i="0" u="none" strike="noStrike" cap="none">
+        <a:buFont typeface="Wingdings" panose="05000000000000000000" pitchFamily="2" charset="2"/>
+        <a:buChar char="§"/>
+        <a:defRPr sz="2000" b="0" i="0" u="none" strike="noStrike" cap="none">
           <a:solidFill>
             <a:srgbClr val="000000"/>
           </a:solidFill>
-          <a:latin typeface="Verdana" panose="020B0604030504040204" pitchFamily="34" charset="0"/>
+          <a:latin typeface="Bahnschrift Light" panose="020B0502040204020203" pitchFamily="34" charset="0"/>
           <a:ea typeface="Verdana" panose="020B0604030504040204" pitchFamily="34" charset="0"/>
           <a:cs typeface="Arial"/>
           <a:sym typeface="Arial"/>
@@ -7434,6 +10001,1106 @@
           <a:chExt cx="0" cy="0"/>
         </a:xfrm>
       </p:grpSpPr>
+    </p:spTree>
+    <p:extLst>
+      <p:ext uri="{BB962C8B-B14F-4D97-AF65-F5344CB8AC3E}">
+        <p14:creationId xmlns:p14="http://schemas.microsoft.com/office/powerpoint/2010/main" val="685496132"/>
+      </p:ext>
+    </p:extLst>
+  </p:cSld>
+  <p:clrMapOvr>
+    <a:masterClrMapping/>
+  </p:clrMapOvr>
+</p:sld>
+</file>
+
+<file path=ppt/slides/slide2.xml><?xml version="1.0" encoding="utf-8"?>
+<p:sld xmlns:a="http://schemas.openxmlformats.org/drawingml/2006/main" xmlns:r="http://schemas.openxmlformats.org/officeDocument/2006/relationships" xmlns:p="http://schemas.openxmlformats.org/presentationml/2006/main">
+  <p:cSld>
+    <p:spTree>
+      <p:nvGrpSpPr>
+        <p:cNvPr id="1" name=""/>
+        <p:cNvGrpSpPr/>
+        <p:nvPr/>
+      </p:nvGrpSpPr>
+      <p:grpSpPr>
+        <a:xfrm>
+          <a:off x="0" y="0"/>
+          <a:ext cx="0" cy="0"/>
+          <a:chOff x="0" y="0"/>
+          <a:chExt cx="0" cy="0"/>
+        </a:xfrm>
+      </p:grpSpPr>
+      <p:sp>
+        <p:nvSpPr>
+          <p:cNvPr id="2" name="Text Placeholder 1">
+            <a:extLst>
+              <a:ext uri="{FF2B5EF4-FFF2-40B4-BE49-F238E27FC236}">
+                <a16:creationId xmlns:a16="http://schemas.microsoft.com/office/drawing/2014/main" id="{F0DC5F9D-0705-37F2-F41D-A2745E93EA40}"/>
+              </a:ext>
+            </a:extLst>
+          </p:cNvPr>
+          <p:cNvSpPr>
+            <a:spLocks noGrp="1"/>
+          </p:cNvSpPr>
+          <p:nvPr>
+            <p:ph type="body" idx="1"/>
+          </p:nvPr>
+        </p:nvSpPr>
+        <p:spPr/>
+        <p:txBody>
+          <a:bodyPr/>
+          <a:lstStyle/>
+          <a:p>
+            <a:pPr marL="555783" indent="-457200">
+              <a:buFont typeface="+mj-lt"/>
+              <a:buAutoNum type="arabicPeriod"/>
+            </a:pPr>
+            <a:r>
+              <a:rPr lang="en-US" spc="0" dirty="0"/>
+              <a:t>Use digital color histograms to segment regions of interest in an image.</a:t>
+            </a:r>
+          </a:p>
+          <a:p>
+            <a:pPr marL="555783" indent="-457200">
+              <a:buFont typeface="+mj-lt"/>
+              <a:buAutoNum type="arabicPeriod"/>
+            </a:pPr>
+            <a:r>
+              <a:rPr lang="en-US" sz="2000" b="0" i="0" u="none" strike="noStrike" baseline="0" dirty="0"/>
+              <a:t>Demonstrate how color changes under varying illumination. </a:t>
+            </a:r>
+            <a:endParaRPr lang="en-US" spc="0" dirty="0"/>
+          </a:p>
+        </p:txBody>
+      </p:sp>
+      <p:sp>
+        <p:nvSpPr>
+          <p:cNvPr id="3" name="Text Placeholder 2">
+            <a:extLst>
+              <a:ext uri="{FF2B5EF4-FFF2-40B4-BE49-F238E27FC236}">
+                <a16:creationId xmlns:a16="http://schemas.microsoft.com/office/drawing/2014/main" id="{2DA5E02C-A608-77E3-33BA-84B1BEC0106A}"/>
+              </a:ext>
+            </a:extLst>
+          </p:cNvPr>
+          <p:cNvSpPr>
+            <a:spLocks noGrp="1"/>
+          </p:cNvSpPr>
+          <p:nvPr>
+            <p:ph type="body" idx="10"/>
+          </p:nvPr>
+        </p:nvSpPr>
+        <p:spPr/>
+        <p:txBody>
+          <a:bodyPr/>
+          <a:lstStyle/>
+          <a:p>
+            <a:r>
+              <a:rPr lang="en-US" dirty="0" err="1"/>
+              <a:t>asd</a:t>
+            </a:r>
+            <a:endParaRPr lang="en-US" dirty="0"/>
+          </a:p>
+        </p:txBody>
+      </p:sp>
+      <p:sp>
+        <p:nvSpPr>
+          <p:cNvPr id="6" name="Title 5">
+            <a:extLst>
+              <a:ext uri="{FF2B5EF4-FFF2-40B4-BE49-F238E27FC236}">
+                <a16:creationId xmlns:a16="http://schemas.microsoft.com/office/drawing/2014/main" id="{9CD24130-8F20-1972-B0BE-B235CB7E1310}"/>
+              </a:ext>
+            </a:extLst>
+          </p:cNvPr>
+          <p:cNvSpPr>
+            <a:spLocks noGrp="1"/>
+          </p:cNvSpPr>
+          <p:nvPr>
+            <p:ph type="title"/>
+          </p:nvPr>
+        </p:nvSpPr>
+        <p:spPr/>
+        <p:txBody>
+          <a:bodyPr/>
+          <a:lstStyle/>
+          <a:p>
+            <a:r>
+              <a:rPr lang="en-US" dirty="0"/>
+              <a:t>	objectives</a:t>
+            </a:r>
+          </a:p>
+        </p:txBody>
+      </p:sp>
+      <p:sp>
+        <p:nvSpPr>
+          <p:cNvPr id="8" name="Footer Placeholder 7">
+            <a:extLst>
+              <a:ext uri="{FF2B5EF4-FFF2-40B4-BE49-F238E27FC236}">
+                <a16:creationId xmlns:a16="http://schemas.microsoft.com/office/drawing/2014/main" id="{7700A675-A2B2-A56D-639D-AF051D1471AC}"/>
+              </a:ext>
+            </a:extLst>
+          </p:cNvPr>
+          <p:cNvSpPr>
+            <a:spLocks noGrp="1"/>
+          </p:cNvSpPr>
+          <p:nvPr>
+            <p:ph type="ftr" idx="11"/>
+          </p:nvPr>
+        </p:nvSpPr>
+        <p:spPr/>
+        <p:txBody>
+          <a:bodyPr/>
+          <a:lstStyle/>
+          <a:p>
+            <a:r>
+              <a:rPr lang="en-US"/>
+              <a:t>Physics 301:  Advanced Signal and Image Processing</a:t>
+            </a:r>
+            <a:endParaRPr lang="en-US" dirty="0"/>
+          </a:p>
+        </p:txBody>
+      </p:sp>
+      <p:sp>
+        <p:nvSpPr>
+          <p:cNvPr id="9" name="Slide Number Placeholder 8">
+            <a:extLst>
+              <a:ext uri="{FF2B5EF4-FFF2-40B4-BE49-F238E27FC236}">
+                <a16:creationId xmlns:a16="http://schemas.microsoft.com/office/drawing/2014/main" id="{140D80C9-0B7C-5B95-FDFD-83F3A88F9D12}"/>
+              </a:ext>
+            </a:extLst>
+          </p:cNvPr>
+          <p:cNvSpPr>
+            <a:spLocks noGrp="1"/>
+          </p:cNvSpPr>
+          <p:nvPr>
+            <p:ph type="sldNum" idx="12"/>
+          </p:nvPr>
+        </p:nvSpPr>
+        <p:spPr/>
+        <p:txBody>
+          <a:bodyPr/>
+          <a:lstStyle/>
+          <a:p>
+            <a:r>
+              <a:rPr lang="en-US"/>
+              <a:t>//</a:t>
+            </a:r>
+            <a:fld id="{0223BEE4-7172-435F-BED8-F7D7E8D3404B}" type="slidenum">
+              <a:rPr lang="en-US" smtClean="0"/>
+              <a:pPr/>
+              <a:t>2</a:t>
+            </a:fld>
+            <a:endParaRPr lang="en-US" dirty="0"/>
+          </a:p>
+        </p:txBody>
+      </p:sp>
+    </p:spTree>
+    <p:extLst>
+      <p:ext uri="{BB962C8B-B14F-4D97-AF65-F5344CB8AC3E}">
+        <p14:creationId xmlns:p14="http://schemas.microsoft.com/office/powerpoint/2010/main" val="790172491"/>
+      </p:ext>
+    </p:extLst>
+  </p:cSld>
+  <p:clrMapOvr>
+    <a:masterClrMapping/>
+  </p:clrMapOvr>
+  <mc:AlternateContent xmlns:mc="http://schemas.openxmlformats.org/markup-compatibility/2006" xmlns:p14="http://schemas.microsoft.com/office/powerpoint/2010/main">
+    <mc:Choice Requires="p14">
+      <p:transition p14:dur="200">
+        <p:fade/>
+      </p:transition>
+    </mc:Choice>
+    <mc:Fallback xmlns="" xmlns:mv="urn:schemas-microsoft-com:mac:vml" xmlns:c="http://schemas.openxmlformats.org/drawingml/2006/chart" xmlns:dgm="http://schemas.openxmlformats.org/drawingml/2006/diagram" xmlns:o="urn:schemas-microsoft-com:office:office" xmlns:v="urn:schemas-microsoft-com:vml" xmlns:pvml="urn:schemas-microsoft-com:office:powerpoint" xmlns:com="http://schemas.openxmlformats.org/drawingml/2006/compatibility" xmlns:p15="http://schemas.microsoft.com/office/powerpoint/2012/main" xmlns:ahyp="http://schemas.microsoft.com/office/drawing/2018/hyperlinkcolor">
+      <p:transition>
+        <p:fade/>
+      </p:transition>
+    </mc:Fallback>
+  </mc:AlternateContent>
+</p:sld>
+</file>
+
+<file path=ppt/slides/slide3.xml><?xml version="1.0" encoding="utf-8"?>
+<p:sld xmlns:a="http://schemas.openxmlformats.org/drawingml/2006/main" xmlns:r="http://schemas.openxmlformats.org/officeDocument/2006/relationships" xmlns:p="http://schemas.openxmlformats.org/presentationml/2006/main">
+  <p:cSld>
+    <p:bg>
+      <p:bgPr>
+        <a:solidFill>
+          <a:schemeClr val="bg1"/>
+        </a:solidFill>
+        <a:effectLst/>
+      </p:bgPr>
+    </p:bg>
+    <p:spTree>
+      <p:nvGrpSpPr>
+        <p:cNvPr id="1" name=""/>
+        <p:cNvGrpSpPr/>
+        <p:nvPr/>
+      </p:nvGrpSpPr>
+      <p:grpSpPr>
+        <a:xfrm>
+          <a:off x="0" y="0"/>
+          <a:ext cx="0" cy="0"/>
+          <a:chOff x="0" y="0"/>
+          <a:chExt cx="0" cy="0"/>
+        </a:xfrm>
+      </p:grpSpPr>
+      <p:sp>
+        <p:nvSpPr>
+          <p:cNvPr id="2" name="Title 1">
+            <a:extLst>
+              <a:ext uri="{FF2B5EF4-FFF2-40B4-BE49-F238E27FC236}">
+                <a16:creationId xmlns:a16="http://schemas.microsoft.com/office/drawing/2014/main" id="{8BCE1706-76E7-68B2-8F74-1638BD2B84B9}"/>
+              </a:ext>
+            </a:extLst>
+          </p:cNvPr>
+          <p:cNvSpPr>
+            <a:spLocks noGrp="1"/>
+          </p:cNvSpPr>
+          <p:nvPr>
+            <p:ph type="title"/>
+          </p:nvPr>
+        </p:nvSpPr>
+        <p:spPr/>
+        <p:txBody>
+          <a:bodyPr/>
+          <a:lstStyle/>
+          <a:p>
+            <a:r>
+              <a:rPr lang="en-US" dirty="0"/>
+              <a:t>Methodology</a:t>
+            </a:r>
+          </a:p>
+        </p:txBody>
+      </p:sp>
+      <p:sp>
+        <p:nvSpPr>
+          <p:cNvPr id="3" name="Text Placeholder 2">
+            <a:extLst>
+              <a:ext uri="{FF2B5EF4-FFF2-40B4-BE49-F238E27FC236}">
+                <a16:creationId xmlns:a16="http://schemas.microsoft.com/office/drawing/2014/main" id="{9A75F5AB-A5B0-FB25-FF2C-05086CA0303C}"/>
+              </a:ext>
+            </a:extLst>
+          </p:cNvPr>
+          <p:cNvSpPr>
+            <a:spLocks noGrp="1"/>
+          </p:cNvSpPr>
+          <p:nvPr>
+            <p:ph type="body" idx="1"/>
+          </p:nvPr>
+        </p:nvSpPr>
+        <p:spPr/>
+        <p:txBody>
+          <a:bodyPr/>
+          <a:lstStyle/>
+          <a:p>
+            <a:r>
+              <a:rPr lang="en-US" dirty="0" err="1"/>
+              <a:t>Fas</a:t>
+            </a:r>
+            <a:endParaRPr lang="en-US" dirty="0"/>
+          </a:p>
+          <a:p>
+            <a:pPr lvl="1"/>
+            <a:r>
+              <a:rPr lang="en-US" dirty="0" err="1"/>
+              <a:t>Fdsafas</a:t>
+            </a:r>
+            <a:endParaRPr lang="en-US" dirty="0"/>
+          </a:p>
+          <a:p>
+            <a:pPr lvl="2"/>
+            <a:r>
+              <a:rPr lang="en-US" dirty="0" err="1"/>
+              <a:t>Dffafsa</a:t>
+            </a:r>
+            <a:endParaRPr lang="en-US" dirty="0"/>
+          </a:p>
+          <a:p>
+            <a:pPr lvl="3"/>
+            <a:r>
+              <a:rPr lang="en-US" dirty="0" err="1"/>
+              <a:t>fsdafa</a:t>
+            </a:r>
+            <a:endParaRPr lang="en-US" dirty="0"/>
+          </a:p>
+        </p:txBody>
+      </p:sp>
+      <p:sp>
+        <p:nvSpPr>
+          <p:cNvPr id="4" name="Footer Placeholder 3">
+            <a:extLst>
+              <a:ext uri="{FF2B5EF4-FFF2-40B4-BE49-F238E27FC236}">
+                <a16:creationId xmlns:a16="http://schemas.microsoft.com/office/drawing/2014/main" id="{17CBC880-5873-3AB3-3D68-8D1C9825A0B8}"/>
+              </a:ext>
+            </a:extLst>
+          </p:cNvPr>
+          <p:cNvSpPr>
+            <a:spLocks noGrp="1"/>
+          </p:cNvSpPr>
+          <p:nvPr>
+            <p:ph type="ftr" idx="11"/>
+          </p:nvPr>
+        </p:nvSpPr>
+        <p:spPr/>
+        <p:txBody>
+          <a:bodyPr/>
+          <a:lstStyle/>
+          <a:p>
+            <a:r>
+              <a:rPr lang="en-US"/>
+              <a:t>Physics 301:  Advanced Signal and Image Processing</a:t>
+            </a:r>
+            <a:endParaRPr lang="en-US" dirty="0"/>
+          </a:p>
+        </p:txBody>
+      </p:sp>
+      <p:sp>
+        <p:nvSpPr>
+          <p:cNvPr id="7" name="Slide Number Placeholder 6">
+            <a:extLst>
+              <a:ext uri="{FF2B5EF4-FFF2-40B4-BE49-F238E27FC236}">
+                <a16:creationId xmlns:a16="http://schemas.microsoft.com/office/drawing/2014/main" id="{56D44441-AE6F-EAF4-F66B-58E481125A47}"/>
+              </a:ext>
+            </a:extLst>
+          </p:cNvPr>
+          <p:cNvSpPr>
+            <a:spLocks noGrp="1"/>
+          </p:cNvSpPr>
+          <p:nvPr>
+            <p:ph type="sldNum" idx="12"/>
+          </p:nvPr>
+        </p:nvSpPr>
+        <p:spPr/>
+        <p:txBody>
+          <a:bodyPr/>
+          <a:lstStyle/>
+          <a:p>
+            <a:r>
+              <a:rPr lang="en-US"/>
+              <a:t>//</a:t>
+            </a:r>
+            <a:fld id="{0223BEE4-7172-435F-BED8-F7D7E8D3404B}" type="slidenum">
+              <a:rPr lang="en-US" smtClean="0"/>
+              <a:pPr/>
+              <a:t>3</a:t>
+            </a:fld>
+            <a:endParaRPr lang="en-US" dirty="0"/>
+          </a:p>
+        </p:txBody>
+      </p:sp>
+      <p:pic>
+        <p:nvPicPr>
+          <p:cNvPr id="9" name="Graphic 8" descr="Graph paper with paints, pencil, and a ruler">
+            <a:extLst>
+              <a:ext uri="{FF2B5EF4-FFF2-40B4-BE49-F238E27FC236}">
+                <a16:creationId xmlns:a16="http://schemas.microsoft.com/office/drawing/2014/main" id="{724EB34B-6C59-1BAE-105A-A6059C1B0D80}"/>
+              </a:ext>
+            </a:extLst>
+          </p:cNvPr>
+          <p:cNvPicPr>
+            <a:picLocks noChangeAspect="1"/>
+          </p:cNvPicPr>
+          <p:nvPr/>
+        </p:nvPicPr>
+        <p:blipFill>
+          <a:blip r:embed="rId2">
+            <a:extLst>
+              <a:ext uri="{28A0092B-C50C-407E-A947-70E740481C1C}">
+                <a14:useLocalDpi xmlns:a14="http://schemas.microsoft.com/office/drawing/2010/main" val="0"/>
+              </a:ext>
+              <a:ext uri="{96DAC541-7B7A-43D3-8B79-37D633B846F1}">
+                <asvg:svgBlip xmlns:asvg="http://schemas.microsoft.com/office/drawing/2016/SVG/main" r:embed="rId3"/>
+              </a:ext>
+            </a:extLst>
+          </a:blip>
+          <a:stretch>
+            <a:fillRect/>
+          </a:stretch>
+        </p:blipFill>
+        <p:spPr>
+          <a:xfrm>
+            <a:off x="5208808" y="-392463"/>
+            <a:ext cx="4276713" cy="4276713"/>
+          </a:xfrm>
+          <a:prstGeom prst="rect">
+            <a:avLst/>
+          </a:prstGeom>
+        </p:spPr>
+      </p:pic>
+    </p:spTree>
+    <p:extLst>
+      <p:ext uri="{BB962C8B-B14F-4D97-AF65-F5344CB8AC3E}">
+        <p14:creationId xmlns:p14="http://schemas.microsoft.com/office/powerpoint/2010/main" val="320320046"/>
+      </p:ext>
+    </p:extLst>
+  </p:cSld>
+  <p:clrMapOvr>
+    <a:masterClrMapping/>
+  </p:clrMapOvr>
+  <mc:AlternateContent xmlns:mc="http://schemas.openxmlformats.org/markup-compatibility/2006" xmlns:p14="http://schemas.microsoft.com/office/powerpoint/2010/main">
+    <mc:Choice Requires="p14">
+      <p:transition p14:dur="200">
+        <p:fade/>
+      </p:transition>
+    </mc:Choice>
+    <mc:Fallback xmlns="" xmlns:mv="urn:schemas-microsoft-com:mac:vml" xmlns:c="http://schemas.openxmlformats.org/drawingml/2006/chart" xmlns:dgm="http://schemas.openxmlformats.org/drawingml/2006/diagram" xmlns:o="urn:schemas-microsoft-com:office:office" xmlns:v="urn:schemas-microsoft-com:vml" xmlns:pvml="urn:schemas-microsoft-com:office:powerpoint" xmlns:com="http://schemas.openxmlformats.org/drawingml/2006/compatibility" xmlns:p15="http://schemas.microsoft.com/office/powerpoint/2012/main" xmlns:ahyp="http://schemas.microsoft.com/office/drawing/2018/hyperlinkcolor">
+      <p:transition>
+        <p:fade/>
+      </p:transition>
+    </mc:Fallback>
+  </mc:AlternateContent>
+</p:sld>
+</file>
+
+<file path=ppt/slides/slide4.xml><?xml version="1.0" encoding="utf-8"?>
+<p:sld xmlns:a="http://schemas.openxmlformats.org/drawingml/2006/main" xmlns:r="http://schemas.openxmlformats.org/officeDocument/2006/relationships" xmlns:p="http://schemas.openxmlformats.org/presentationml/2006/main">
+  <p:cSld>
+    <p:spTree>
+      <p:nvGrpSpPr>
+        <p:cNvPr id="1" name=""/>
+        <p:cNvGrpSpPr/>
+        <p:nvPr/>
+      </p:nvGrpSpPr>
+      <p:grpSpPr>
+        <a:xfrm>
+          <a:off x="0" y="0"/>
+          <a:ext cx="0" cy="0"/>
+          <a:chOff x="0" y="0"/>
+          <a:chExt cx="0" cy="0"/>
+        </a:xfrm>
+      </p:grpSpPr>
+      <p:sp>
+        <p:nvSpPr>
+          <p:cNvPr id="2" name="Title 1">
+            <a:extLst>
+              <a:ext uri="{FF2B5EF4-FFF2-40B4-BE49-F238E27FC236}">
+                <a16:creationId xmlns:a16="http://schemas.microsoft.com/office/drawing/2014/main" id="{8BCE1706-76E7-68B2-8F74-1638BD2B84B9}"/>
+              </a:ext>
+            </a:extLst>
+          </p:cNvPr>
+          <p:cNvSpPr>
+            <a:spLocks noGrp="1"/>
+          </p:cNvSpPr>
+          <p:nvPr>
+            <p:ph type="title"/>
+          </p:nvPr>
+        </p:nvSpPr>
+        <p:spPr/>
+        <p:txBody>
+          <a:bodyPr/>
+          <a:lstStyle/>
+          <a:p>
+            <a:r>
+              <a:rPr lang="en-US" dirty="0"/>
+              <a:t>Experimental Setup</a:t>
+            </a:r>
+          </a:p>
+        </p:txBody>
+      </p:sp>
+      <p:sp>
+        <p:nvSpPr>
+          <p:cNvPr id="10" name="Text Placeholder 9">
+            <a:extLst>
+              <a:ext uri="{FF2B5EF4-FFF2-40B4-BE49-F238E27FC236}">
+                <a16:creationId xmlns:a16="http://schemas.microsoft.com/office/drawing/2014/main" id="{6529C126-E262-A755-790D-6F5F6781C534}"/>
+              </a:ext>
+            </a:extLst>
+          </p:cNvPr>
+          <p:cNvSpPr>
+            <a:spLocks noGrp="1"/>
+          </p:cNvSpPr>
+          <p:nvPr>
+            <p:ph type="body" idx="1"/>
+          </p:nvPr>
+        </p:nvSpPr>
+        <p:spPr/>
+        <p:txBody>
+          <a:bodyPr/>
+          <a:lstStyle/>
+          <a:p>
+            <a:endParaRPr lang="en-US"/>
+          </a:p>
+        </p:txBody>
+      </p:sp>
+      <p:sp>
+        <p:nvSpPr>
+          <p:cNvPr id="4" name="Footer Placeholder 3">
+            <a:extLst>
+              <a:ext uri="{FF2B5EF4-FFF2-40B4-BE49-F238E27FC236}">
+                <a16:creationId xmlns:a16="http://schemas.microsoft.com/office/drawing/2014/main" id="{17CBC880-5873-3AB3-3D68-8D1C9825A0B8}"/>
+              </a:ext>
+            </a:extLst>
+          </p:cNvPr>
+          <p:cNvSpPr>
+            <a:spLocks noGrp="1"/>
+          </p:cNvSpPr>
+          <p:nvPr>
+            <p:ph type="ftr" idx="11"/>
+          </p:nvPr>
+        </p:nvSpPr>
+        <p:spPr/>
+        <p:txBody>
+          <a:bodyPr/>
+          <a:lstStyle/>
+          <a:p>
+            <a:r>
+              <a:rPr lang="en-US"/>
+              <a:t>Physics 301:  Advanced Signal and Image Processing</a:t>
+            </a:r>
+            <a:endParaRPr lang="en-US" dirty="0"/>
+          </a:p>
+        </p:txBody>
+      </p:sp>
+      <p:sp>
+        <p:nvSpPr>
+          <p:cNvPr id="5" name="Slide Number Placeholder 4">
+            <a:extLst>
+              <a:ext uri="{FF2B5EF4-FFF2-40B4-BE49-F238E27FC236}">
+                <a16:creationId xmlns:a16="http://schemas.microsoft.com/office/drawing/2014/main" id="{272CA497-0D06-4982-74A1-A2E57AF6A9B6}"/>
+              </a:ext>
+            </a:extLst>
+          </p:cNvPr>
+          <p:cNvSpPr>
+            <a:spLocks noGrp="1"/>
+          </p:cNvSpPr>
+          <p:nvPr>
+            <p:ph type="sldNum" idx="12"/>
+          </p:nvPr>
+        </p:nvSpPr>
+        <p:spPr/>
+        <p:txBody>
+          <a:bodyPr/>
+          <a:lstStyle/>
+          <a:p>
+            <a:r>
+              <a:rPr lang="en-US"/>
+              <a:t>//</a:t>
+            </a:r>
+            <a:fld id="{0223BEE4-7172-435F-BED8-F7D7E8D3404B}" type="slidenum">
+              <a:rPr lang="en-US" smtClean="0"/>
+              <a:pPr/>
+              <a:t>4</a:t>
+            </a:fld>
+            <a:endParaRPr lang="en-US" dirty="0"/>
+          </a:p>
+        </p:txBody>
+      </p:sp>
+    </p:spTree>
+    <p:extLst>
+      <p:ext uri="{BB962C8B-B14F-4D97-AF65-F5344CB8AC3E}">
+        <p14:creationId xmlns:p14="http://schemas.microsoft.com/office/powerpoint/2010/main" val="2968902650"/>
+      </p:ext>
+    </p:extLst>
+  </p:cSld>
+  <p:clrMapOvr>
+    <a:masterClrMapping/>
+  </p:clrMapOvr>
+  <mc:AlternateContent xmlns:mc="http://schemas.openxmlformats.org/markup-compatibility/2006" xmlns:p14="http://schemas.microsoft.com/office/powerpoint/2010/main">
+    <mc:Choice Requires="p14">
+      <p:transition p14:dur="200">
+        <p:fade/>
+      </p:transition>
+    </mc:Choice>
+    <mc:Fallback xmlns="" xmlns:mv="urn:schemas-microsoft-com:mac:vml" xmlns:c="http://schemas.openxmlformats.org/drawingml/2006/chart" xmlns:dgm="http://schemas.openxmlformats.org/drawingml/2006/diagram" xmlns:o="urn:schemas-microsoft-com:office:office" xmlns:v="urn:schemas-microsoft-com:vml" xmlns:pvml="urn:schemas-microsoft-com:office:powerpoint" xmlns:com="http://schemas.openxmlformats.org/drawingml/2006/compatibility" xmlns:p15="http://schemas.microsoft.com/office/powerpoint/2012/main" xmlns:ahyp="http://schemas.microsoft.com/office/drawing/2018/hyperlinkcolor">
+      <p:transition>
+        <p:fade/>
+      </p:transition>
+    </mc:Fallback>
+  </mc:AlternateContent>
+</p:sld>
+</file>
+
+<file path=ppt/slides/slide5.xml><?xml version="1.0" encoding="utf-8"?>
+<p:sld xmlns:a="http://schemas.openxmlformats.org/drawingml/2006/main" xmlns:r="http://schemas.openxmlformats.org/officeDocument/2006/relationships" xmlns:p="http://schemas.openxmlformats.org/presentationml/2006/main">
+  <p:cSld>
+    <p:spTree>
+      <p:nvGrpSpPr>
+        <p:cNvPr id="1" name=""/>
+        <p:cNvGrpSpPr/>
+        <p:nvPr/>
+      </p:nvGrpSpPr>
+      <p:grpSpPr>
+        <a:xfrm>
+          <a:off x="0" y="0"/>
+          <a:ext cx="0" cy="0"/>
+          <a:chOff x="0" y="0"/>
+          <a:chExt cx="0" cy="0"/>
+        </a:xfrm>
+      </p:grpSpPr>
+      <p:sp>
+        <p:nvSpPr>
+          <p:cNvPr id="2" name="Title 1">
+            <a:extLst>
+              <a:ext uri="{FF2B5EF4-FFF2-40B4-BE49-F238E27FC236}">
+                <a16:creationId xmlns:a16="http://schemas.microsoft.com/office/drawing/2014/main" id="{8BCE1706-76E7-68B2-8F74-1638BD2B84B9}"/>
+              </a:ext>
+            </a:extLst>
+          </p:cNvPr>
+          <p:cNvSpPr>
+            <a:spLocks noGrp="1"/>
+          </p:cNvSpPr>
+          <p:nvPr>
+            <p:ph type="title"/>
+          </p:nvPr>
+        </p:nvSpPr>
+        <p:spPr/>
+        <p:txBody>
+          <a:bodyPr/>
+          <a:lstStyle/>
+          <a:p>
+            <a:r>
+              <a:rPr lang="en-US" dirty="0"/>
+              <a:t>Results</a:t>
+            </a:r>
+          </a:p>
+        </p:txBody>
+      </p:sp>
+      <p:sp>
+        <p:nvSpPr>
+          <p:cNvPr id="7" name="Text Placeholder 6">
+            <a:extLst>
+              <a:ext uri="{FF2B5EF4-FFF2-40B4-BE49-F238E27FC236}">
+                <a16:creationId xmlns:a16="http://schemas.microsoft.com/office/drawing/2014/main" id="{5AF43D3C-1451-8B85-1B6C-D387504891EC}"/>
+              </a:ext>
+            </a:extLst>
+          </p:cNvPr>
+          <p:cNvSpPr>
+            <a:spLocks noGrp="1"/>
+          </p:cNvSpPr>
+          <p:nvPr>
+            <p:ph type="body" idx="1"/>
+          </p:nvPr>
+        </p:nvSpPr>
+        <p:spPr/>
+        <p:txBody>
+          <a:bodyPr/>
+          <a:lstStyle/>
+          <a:p>
+            <a:endParaRPr lang="en-US"/>
+          </a:p>
+        </p:txBody>
+      </p:sp>
+      <p:sp>
+        <p:nvSpPr>
+          <p:cNvPr id="4" name="Footer Placeholder 3">
+            <a:extLst>
+              <a:ext uri="{FF2B5EF4-FFF2-40B4-BE49-F238E27FC236}">
+                <a16:creationId xmlns:a16="http://schemas.microsoft.com/office/drawing/2014/main" id="{17CBC880-5873-3AB3-3D68-8D1C9825A0B8}"/>
+              </a:ext>
+            </a:extLst>
+          </p:cNvPr>
+          <p:cNvSpPr>
+            <a:spLocks noGrp="1"/>
+          </p:cNvSpPr>
+          <p:nvPr>
+            <p:ph type="ftr" idx="11"/>
+          </p:nvPr>
+        </p:nvSpPr>
+        <p:spPr/>
+        <p:txBody>
+          <a:bodyPr/>
+          <a:lstStyle/>
+          <a:p>
+            <a:r>
+              <a:rPr lang="en-US"/>
+              <a:t>Physics 301:  Advanced Signal and Image Processing</a:t>
+            </a:r>
+            <a:endParaRPr lang="en-US" dirty="0"/>
+          </a:p>
+        </p:txBody>
+      </p:sp>
+      <p:sp>
+        <p:nvSpPr>
+          <p:cNvPr id="5" name="Slide Number Placeholder 4">
+            <a:extLst>
+              <a:ext uri="{FF2B5EF4-FFF2-40B4-BE49-F238E27FC236}">
+                <a16:creationId xmlns:a16="http://schemas.microsoft.com/office/drawing/2014/main" id="{51203B0B-C562-C93F-F389-B8B203306F37}"/>
+              </a:ext>
+            </a:extLst>
+          </p:cNvPr>
+          <p:cNvSpPr>
+            <a:spLocks noGrp="1"/>
+          </p:cNvSpPr>
+          <p:nvPr>
+            <p:ph type="sldNum" idx="12"/>
+          </p:nvPr>
+        </p:nvSpPr>
+        <p:spPr/>
+        <p:txBody>
+          <a:bodyPr/>
+          <a:lstStyle/>
+          <a:p>
+            <a:r>
+              <a:rPr lang="en-US"/>
+              <a:t>//</a:t>
+            </a:r>
+            <a:fld id="{0223BEE4-7172-435F-BED8-F7D7E8D3404B}" type="slidenum">
+              <a:rPr lang="en-US" smtClean="0"/>
+              <a:pPr/>
+              <a:t>5</a:t>
+            </a:fld>
+            <a:endParaRPr lang="en-US" dirty="0"/>
+          </a:p>
+        </p:txBody>
+      </p:sp>
+    </p:spTree>
+    <p:extLst>
+      <p:ext uri="{BB962C8B-B14F-4D97-AF65-F5344CB8AC3E}">
+        <p14:creationId xmlns:p14="http://schemas.microsoft.com/office/powerpoint/2010/main" val="1908046656"/>
+      </p:ext>
+    </p:extLst>
+  </p:cSld>
+  <p:clrMapOvr>
+    <a:masterClrMapping/>
+  </p:clrMapOvr>
+  <mc:AlternateContent xmlns:mc="http://schemas.openxmlformats.org/markup-compatibility/2006" xmlns:p14="http://schemas.microsoft.com/office/powerpoint/2010/main">
+    <mc:Choice Requires="p14">
+      <p:transition p14:dur="200">
+        <p:fade/>
+      </p:transition>
+    </mc:Choice>
+    <mc:Fallback xmlns="" xmlns:mv="urn:schemas-microsoft-com:mac:vml" xmlns:c="http://schemas.openxmlformats.org/drawingml/2006/chart" xmlns:dgm="http://schemas.openxmlformats.org/drawingml/2006/diagram" xmlns:o="urn:schemas-microsoft-com:office:office" xmlns:v="urn:schemas-microsoft-com:vml" xmlns:pvml="urn:schemas-microsoft-com:office:powerpoint" xmlns:com="http://schemas.openxmlformats.org/drawingml/2006/compatibility" xmlns:p15="http://schemas.microsoft.com/office/powerpoint/2012/main" xmlns:ahyp="http://schemas.microsoft.com/office/drawing/2018/hyperlinkcolor">
+      <p:transition>
+        <p:fade/>
+      </p:transition>
+    </mc:Fallback>
+  </mc:AlternateContent>
+</p:sld>
+</file>
+
+<file path=ppt/slides/slide6.xml><?xml version="1.0" encoding="utf-8"?>
+<p:sld xmlns:a="http://schemas.openxmlformats.org/drawingml/2006/main" xmlns:r="http://schemas.openxmlformats.org/officeDocument/2006/relationships" xmlns:p="http://schemas.openxmlformats.org/presentationml/2006/main">
+  <p:cSld>
+    <p:spTree>
+      <p:nvGrpSpPr>
+        <p:cNvPr id="1" name=""/>
+        <p:cNvGrpSpPr/>
+        <p:nvPr/>
+      </p:nvGrpSpPr>
+      <p:grpSpPr>
+        <a:xfrm>
+          <a:off x="0" y="0"/>
+          <a:ext cx="0" cy="0"/>
+          <a:chOff x="0" y="0"/>
+          <a:chExt cx="0" cy="0"/>
+        </a:xfrm>
+      </p:grpSpPr>
+      <p:sp>
+        <p:nvSpPr>
+          <p:cNvPr id="2" name="Title 1">
+            <a:extLst>
+              <a:ext uri="{FF2B5EF4-FFF2-40B4-BE49-F238E27FC236}">
+                <a16:creationId xmlns:a16="http://schemas.microsoft.com/office/drawing/2014/main" id="{8BCE1706-76E7-68B2-8F74-1638BD2B84B9}"/>
+              </a:ext>
+            </a:extLst>
+          </p:cNvPr>
+          <p:cNvSpPr>
+            <a:spLocks noGrp="1"/>
+          </p:cNvSpPr>
+          <p:nvPr>
+            <p:ph type="title"/>
+          </p:nvPr>
+        </p:nvSpPr>
+        <p:spPr/>
+        <p:txBody>
+          <a:bodyPr/>
+          <a:lstStyle/>
+          <a:p>
+            <a:r>
+              <a:rPr lang="en-US" dirty="0"/>
+              <a:t>Analysis</a:t>
+            </a:r>
+          </a:p>
+        </p:txBody>
+      </p:sp>
+      <p:sp>
+        <p:nvSpPr>
+          <p:cNvPr id="7" name="Text Placeholder 6">
+            <a:extLst>
+              <a:ext uri="{FF2B5EF4-FFF2-40B4-BE49-F238E27FC236}">
+                <a16:creationId xmlns:a16="http://schemas.microsoft.com/office/drawing/2014/main" id="{A626F57A-2BE3-3B79-DF3D-F3F41535E068}"/>
+              </a:ext>
+            </a:extLst>
+          </p:cNvPr>
+          <p:cNvSpPr>
+            <a:spLocks noGrp="1"/>
+          </p:cNvSpPr>
+          <p:nvPr>
+            <p:ph type="body" idx="1"/>
+          </p:nvPr>
+        </p:nvSpPr>
+        <p:spPr/>
+        <p:txBody>
+          <a:bodyPr/>
+          <a:lstStyle/>
+          <a:p>
+            <a:endParaRPr lang="en-US"/>
+          </a:p>
+        </p:txBody>
+      </p:sp>
+      <p:sp>
+        <p:nvSpPr>
+          <p:cNvPr id="4" name="Footer Placeholder 3">
+            <a:extLst>
+              <a:ext uri="{FF2B5EF4-FFF2-40B4-BE49-F238E27FC236}">
+                <a16:creationId xmlns:a16="http://schemas.microsoft.com/office/drawing/2014/main" id="{17CBC880-5873-3AB3-3D68-8D1C9825A0B8}"/>
+              </a:ext>
+            </a:extLst>
+          </p:cNvPr>
+          <p:cNvSpPr>
+            <a:spLocks noGrp="1"/>
+          </p:cNvSpPr>
+          <p:nvPr>
+            <p:ph type="ftr" idx="11"/>
+          </p:nvPr>
+        </p:nvSpPr>
+        <p:spPr/>
+        <p:txBody>
+          <a:bodyPr/>
+          <a:lstStyle/>
+          <a:p>
+            <a:r>
+              <a:rPr lang="en-US"/>
+              <a:t>Physics 301:  Advanced Signal and Image Processing</a:t>
+            </a:r>
+            <a:endParaRPr lang="en-US" dirty="0"/>
+          </a:p>
+        </p:txBody>
+      </p:sp>
+      <p:sp>
+        <p:nvSpPr>
+          <p:cNvPr id="5" name="Slide Number Placeholder 4">
+            <a:extLst>
+              <a:ext uri="{FF2B5EF4-FFF2-40B4-BE49-F238E27FC236}">
+                <a16:creationId xmlns:a16="http://schemas.microsoft.com/office/drawing/2014/main" id="{8CD7C840-E175-A919-1108-395FA6DE8499}"/>
+              </a:ext>
+            </a:extLst>
+          </p:cNvPr>
+          <p:cNvSpPr>
+            <a:spLocks noGrp="1"/>
+          </p:cNvSpPr>
+          <p:nvPr>
+            <p:ph type="sldNum" idx="12"/>
+          </p:nvPr>
+        </p:nvSpPr>
+        <p:spPr/>
+        <p:txBody>
+          <a:bodyPr/>
+          <a:lstStyle/>
+          <a:p>
+            <a:r>
+              <a:rPr lang="en-US"/>
+              <a:t>//</a:t>
+            </a:r>
+            <a:fld id="{0223BEE4-7172-435F-BED8-F7D7E8D3404B}" type="slidenum">
+              <a:rPr lang="en-US" smtClean="0"/>
+              <a:pPr/>
+              <a:t>6</a:t>
+            </a:fld>
+            <a:endParaRPr lang="en-US" dirty="0"/>
+          </a:p>
+        </p:txBody>
+      </p:sp>
+    </p:spTree>
+    <p:extLst>
+      <p:ext uri="{BB962C8B-B14F-4D97-AF65-F5344CB8AC3E}">
+        <p14:creationId xmlns:p14="http://schemas.microsoft.com/office/powerpoint/2010/main" val="733826055"/>
+      </p:ext>
+    </p:extLst>
+  </p:cSld>
+  <p:clrMapOvr>
+    <a:masterClrMapping/>
+  </p:clrMapOvr>
+  <mc:AlternateContent xmlns:mc="http://schemas.openxmlformats.org/markup-compatibility/2006" xmlns:p14="http://schemas.microsoft.com/office/powerpoint/2010/main">
+    <mc:Choice Requires="p14">
+      <p:transition p14:dur="200">
+        <p:fade/>
+      </p:transition>
+    </mc:Choice>
+    <mc:Fallback xmlns="" xmlns:mv="urn:schemas-microsoft-com:mac:vml" xmlns:c="http://schemas.openxmlformats.org/drawingml/2006/chart" xmlns:dgm="http://schemas.openxmlformats.org/drawingml/2006/diagram" xmlns:o="urn:schemas-microsoft-com:office:office" xmlns:v="urn:schemas-microsoft-com:vml" xmlns:pvml="urn:schemas-microsoft-com:office:powerpoint" xmlns:com="http://schemas.openxmlformats.org/drawingml/2006/compatibility" xmlns:p15="http://schemas.microsoft.com/office/powerpoint/2012/main" xmlns:ahyp="http://schemas.microsoft.com/office/drawing/2018/hyperlinkcolor">
+      <p:transition>
+        <p:fade/>
+      </p:transition>
+    </mc:Fallback>
+  </mc:AlternateContent>
+</p:sld>
+</file>
+
+<file path=ppt/slides/slide7.xml><?xml version="1.0" encoding="utf-8"?>
+<p:sld xmlns:a="http://schemas.openxmlformats.org/drawingml/2006/main" xmlns:r="http://schemas.openxmlformats.org/officeDocument/2006/relationships" xmlns:p="http://schemas.openxmlformats.org/presentationml/2006/main">
+  <p:cSld>
+    <p:spTree>
+      <p:nvGrpSpPr>
+        <p:cNvPr id="1" name=""/>
+        <p:cNvGrpSpPr/>
+        <p:nvPr/>
+      </p:nvGrpSpPr>
+      <p:grpSpPr>
+        <a:xfrm>
+          <a:off x="0" y="0"/>
+          <a:ext cx="0" cy="0"/>
+          <a:chOff x="0" y="0"/>
+          <a:chExt cx="0" cy="0"/>
+        </a:xfrm>
+      </p:grpSpPr>
+      <p:sp>
+        <p:nvSpPr>
+          <p:cNvPr id="2" name="Title 1">
+            <a:extLst>
+              <a:ext uri="{FF2B5EF4-FFF2-40B4-BE49-F238E27FC236}">
+                <a16:creationId xmlns:a16="http://schemas.microsoft.com/office/drawing/2014/main" id="{8BCE1706-76E7-68B2-8F74-1638BD2B84B9}"/>
+              </a:ext>
+            </a:extLst>
+          </p:cNvPr>
+          <p:cNvSpPr>
+            <a:spLocks noGrp="1"/>
+          </p:cNvSpPr>
+          <p:nvPr>
+            <p:ph type="title"/>
+          </p:nvPr>
+        </p:nvSpPr>
+        <p:spPr/>
+        <p:txBody>
+          <a:bodyPr/>
+          <a:lstStyle/>
+          <a:p>
+            <a:r>
+              <a:rPr lang="en-US" dirty="0"/>
+              <a:t>Reflection</a:t>
+            </a:r>
+          </a:p>
+        </p:txBody>
+      </p:sp>
+      <p:sp>
+        <p:nvSpPr>
+          <p:cNvPr id="6" name="Text Placeholder 5">
+            <a:extLst>
+              <a:ext uri="{FF2B5EF4-FFF2-40B4-BE49-F238E27FC236}">
+                <a16:creationId xmlns:a16="http://schemas.microsoft.com/office/drawing/2014/main" id="{9CF892D3-C8BD-6E39-250E-AECE57DB2D3A}"/>
+              </a:ext>
+            </a:extLst>
+          </p:cNvPr>
+          <p:cNvSpPr>
+            <a:spLocks noGrp="1"/>
+          </p:cNvSpPr>
+          <p:nvPr>
+            <p:ph type="body" idx="1"/>
+          </p:nvPr>
+        </p:nvSpPr>
+        <p:spPr/>
+        <p:txBody>
+          <a:bodyPr/>
+          <a:lstStyle/>
+          <a:p>
+            <a:endParaRPr lang="en-US"/>
+          </a:p>
+        </p:txBody>
+      </p:sp>
+      <p:sp>
+        <p:nvSpPr>
+          <p:cNvPr id="4" name="Footer Placeholder 3">
+            <a:extLst>
+              <a:ext uri="{FF2B5EF4-FFF2-40B4-BE49-F238E27FC236}">
+                <a16:creationId xmlns:a16="http://schemas.microsoft.com/office/drawing/2014/main" id="{17CBC880-5873-3AB3-3D68-8D1C9825A0B8}"/>
+              </a:ext>
+            </a:extLst>
+          </p:cNvPr>
+          <p:cNvSpPr>
+            <a:spLocks noGrp="1"/>
+          </p:cNvSpPr>
+          <p:nvPr>
+            <p:ph type="ftr" idx="11"/>
+          </p:nvPr>
+        </p:nvSpPr>
+        <p:spPr/>
+        <p:txBody>
+          <a:bodyPr/>
+          <a:lstStyle/>
+          <a:p>
+            <a:r>
+              <a:rPr lang="en-US"/>
+              <a:t>Physics 301:  Advanced Signal and Image Processing</a:t>
+            </a:r>
+            <a:endParaRPr lang="en-US" dirty="0"/>
+          </a:p>
+        </p:txBody>
+      </p:sp>
+      <p:sp>
+        <p:nvSpPr>
+          <p:cNvPr id="5" name="Slide Number Placeholder 4">
+            <a:extLst>
+              <a:ext uri="{FF2B5EF4-FFF2-40B4-BE49-F238E27FC236}">
+                <a16:creationId xmlns:a16="http://schemas.microsoft.com/office/drawing/2014/main" id="{8B95FCE1-7AE6-8318-6E22-4A9518F7A871}"/>
+              </a:ext>
+            </a:extLst>
+          </p:cNvPr>
+          <p:cNvSpPr>
+            <a:spLocks noGrp="1"/>
+          </p:cNvSpPr>
+          <p:nvPr>
+            <p:ph type="sldNum" idx="12"/>
+          </p:nvPr>
+        </p:nvSpPr>
+        <p:spPr/>
+        <p:txBody>
+          <a:bodyPr/>
+          <a:lstStyle/>
+          <a:p>
+            <a:r>
+              <a:rPr lang="en-US"/>
+              <a:t>//</a:t>
+            </a:r>
+            <a:fld id="{0223BEE4-7172-435F-BED8-F7D7E8D3404B}" type="slidenum">
+              <a:rPr lang="en-US" smtClean="0"/>
+              <a:pPr/>
+              <a:t>7</a:t>
+            </a:fld>
+            <a:endParaRPr lang="en-US" dirty="0"/>
+          </a:p>
+        </p:txBody>
+      </p:sp>
+    </p:spTree>
+    <p:extLst>
+      <p:ext uri="{BB962C8B-B14F-4D97-AF65-F5344CB8AC3E}">
+        <p14:creationId xmlns:p14="http://schemas.microsoft.com/office/powerpoint/2010/main" val="1483751112"/>
+      </p:ext>
+    </p:extLst>
+  </p:cSld>
+  <p:clrMapOvr>
+    <a:masterClrMapping/>
+  </p:clrMapOvr>
+  <mc:AlternateContent xmlns:mc="http://schemas.openxmlformats.org/markup-compatibility/2006" xmlns:p14="http://schemas.microsoft.com/office/powerpoint/2010/main">
+    <mc:Choice Requires="p14">
+      <p:transition p14:dur="200">
+        <p:fade/>
+      </p:transition>
+    </mc:Choice>
+    <mc:Fallback xmlns="" xmlns:mv="urn:schemas-microsoft-com:mac:vml" xmlns:c="http://schemas.openxmlformats.org/drawingml/2006/chart" xmlns:dgm="http://schemas.openxmlformats.org/drawingml/2006/diagram" xmlns:o="urn:schemas-microsoft-com:office:office" xmlns:v="urn:schemas-microsoft-com:vml" xmlns:pvml="urn:schemas-microsoft-com:office:powerpoint" xmlns:com="http://schemas.openxmlformats.org/drawingml/2006/compatibility" xmlns:p15="http://schemas.microsoft.com/office/powerpoint/2012/main" xmlns:ahyp="http://schemas.microsoft.com/office/drawing/2018/hyperlinkcolor">
+      <p:transition>
+        <p:fade/>
+      </p:transition>
+    </mc:Fallback>
+  </mc:AlternateContent>
+</p:sld>
+</file>
+
+<file path=ppt/slides/slide8.xml><?xml version="1.0" encoding="utf-8"?>
+<p:sld xmlns:a="http://schemas.openxmlformats.org/drawingml/2006/main" xmlns:r="http://schemas.openxmlformats.org/officeDocument/2006/relationships" xmlns:p="http://schemas.openxmlformats.org/presentationml/2006/main">
+  <p:cSld>
+    <p:spTree>
+      <p:nvGrpSpPr>
+        <p:cNvPr id="1" name=""/>
+        <p:cNvGrpSpPr/>
+        <p:nvPr/>
+      </p:nvGrpSpPr>
+      <p:grpSpPr>
+        <a:xfrm>
+          <a:off x="0" y="0"/>
+          <a:ext cx="0" cy="0"/>
+          <a:chOff x="0" y="0"/>
+          <a:chExt cx="0" cy="0"/>
+        </a:xfrm>
+      </p:grpSpPr>
       <p:sp>
         <p:nvSpPr>
           <p:cNvPr id="2" name="Title 1">
@@ -7480,6 +11147,63 @@
           <a:bodyPr/>
           <a:lstStyle/>
           <a:p>
+            <a:endParaRPr lang="en-US"/>
+          </a:p>
+        </p:txBody>
+      </p:sp>
+      <p:sp>
+        <p:nvSpPr>
+          <p:cNvPr id="4" name="Footer Placeholder 3">
+            <a:extLst>
+              <a:ext uri="{FF2B5EF4-FFF2-40B4-BE49-F238E27FC236}">
+                <a16:creationId xmlns:a16="http://schemas.microsoft.com/office/drawing/2014/main" id="{7C7FD1B2-B636-DA64-0A5D-9336EFC8D25B}"/>
+              </a:ext>
+            </a:extLst>
+          </p:cNvPr>
+          <p:cNvSpPr>
+            <a:spLocks noGrp="1"/>
+          </p:cNvSpPr>
+          <p:nvPr>
+            <p:ph type="ftr" sz="quarter" idx="11"/>
+          </p:nvPr>
+        </p:nvSpPr>
+        <p:spPr/>
+        <p:txBody>
+          <a:bodyPr/>
+          <a:lstStyle/>
+          <a:p>
+            <a:r>
+              <a:rPr lang="en-US"/>
+              <a:t>Physics 301:  Advanced Signal and Image Processing</a:t>
+            </a:r>
+          </a:p>
+        </p:txBody>
+      </p:sp>
+      <p:sp>
+        <p:nvSpPr>
+          <p:cNvPr id="5" name="Slide Number Placeholder 4">
+            <a:extLst>
+              <a:ext uri="{FF2B5EF4-FFF2-40B4-BE49-F238E27FC236}">
+                <a16:creationId xmlns:a16="http://schemas.microsoft.com/office/drawing/2014/main" id="{55F472ED-749B-71FD-7B7D-1E316843AF45}"/>
+              </a:ext>
+            </a:extLst>
+          </p:cNvPr>
+          <p:cNvSpPr>
+            <a:spLocks noGrp="1"/>
+          </p:cNvSpPr>
+          <p:nvPr>
+            <p:ph type="sldNum" sz="quarter" idx="12"/>
+          </p:nvPr>
+        </p:nvSpPr>
+        <p:spPr/>
+        <p:txBody>
+          <a:bodyPr/>
+          <a:lstStyle/>
+          <a:p>
+            <a:fld id="{0223BEE4-7172-435F-BED8-F7D7E8D3404B}" type="slidenum">
+              <a:rPr lang="en-US" smtClean="0"/>
+              <a:t>8</a:t>
+            </a:fld>
             <a:endParaRPr lang="en-US"/>
           </a:p>
         </p:txBody>
@@ -7781,4 +11505,299 @@
     </a:ext>
   </a:extLst>
 </a:theme>
+</file>
+
+<file path=ppt/theme/theme2.xml><?xml version="1.0" encoding="utf-8"?>
+<a:theme xmlns:a="http://schemas.openxmlformats.org/drawingml/2006/main" name="Office Theme">
+  <a:themeElements>
+    <a:clrScheme name="Office">
+      <a:dk1>
+        <a:sysClr val="windowText" lastClr="000000"/>
+      </a:dk1>
+      <a:lt1>
+        <a:sysClr val="window" lastClr="FFFFFF"/>
+      </a:lt1>
+      <a:dk2>
+        <a:srgbClr val="44546A"/>
+      </a:dk2>
+      <a:lt2>
+        <a:srgbClr val="E7E6E6"/>
+      </a:lt2>
+      <a:accent1>
+        <a:srgbClr val="4472C4"/>
+      </a:accent1>
+      <a:accent2>
+        <a:srgbClr val="ED7D31"/>
+      </a:accent2>
+      <a:accent3>
+        <a:srgbClr val="A5A5A5"/>
+      </a:accent3>
+      <a:accent4>
+        <a:srgbClr val="FFC000"/>
+      </a:accent4>
+      <a:accent5>
+        <a:srgbClr val="5B9BD5"/>
+      </a:accent5>
+      <a:accent6>
+        <a:srgbClr val="70AD47"/>
+      </a:accent6>
+      <a:hlink>
+        <a:srgbClr val="0563C1"/>
+      </a:hlink>
+      <a:folHlink>
+        <a:srgbClr val="954F72"/>
+      </a:folHlink>
+    </a:clrScheme>
+    <a:fontScheme name="Office">
+      <a:majorFont>
+        <a:latin typeface="Calibri Light" panose="020F0302020204030204"/>
+        <a:ea typeface=""/>
+        <a:cs typeface=""/>
+        <a:font script="Jpan" typeface="游ゴシック Light"/>
+        <a:font script="Hang" typeface="맑은 고딕"/>
+        <a:font script="Hans" typeface="等线 Light"/>
+        <a:font script="Hant" typeface="新細明體"/>
+        <a:font script="Arab" typeface="Times New Roman"/>
+        <a:font script="Hebr" typeface="Times New Roman"/>
+        <a:font script="Thai" typeface="Angsana New"/>
+        <a:font script="Ethi" typeface="Nyala"/>
+        <a:font script="Beng" typeface="Vrinda"/>
+        <a:font script="Gujr" typeface="Shruti"/>
+        <a:font script="Khmr" typeface="MoolBoran"/>
+        <a:font script="Knda" typeface="Tunga"/>
+        <a:font script="Guru" typeface="Raavi"/>
+        <a:font script="Cans" typeface="Euphemia"/>
+        <a:font script="Cher" typeface="Plantagenet Cherokee"/>
+        <a:font script="Yiii" typeface="Microsoft Yi Baiti"/>
+        <a:font script="Tibt" typeface="Microsoft Himalaya"/>
+        <a:font script="Thaa" typeface="MV Boli"/>
+        <a:font script="Deva" typeface="Mangal"/>
+        <a:font script="Telu" typeface="Gautami"/>
+        <a:font script="Taml" typeface="Latha"/>
+        <a:font script="Syrc" typeface="Estrangelo Edessa"/>
+        <a:font script="Orya" typeface="Kalinga"/>
+        <a:font script="Mlym" typeface="Kartika"/>
+        <a:font script="Laoo" typeface="DokChampa"/>
+        <a:font script="Sinh" typeface="Iskoola Pota"/>
+        <a:font script="Mong" typeface="Mongolian Baiti"/>
+        <a:font script="Viet" typeface="Times New Roman"/>
+        <a:font script="Uigh" typeface="Microsoft Uighur"/>
+        <a:font script="Geor" typeface="Sylfaen"/>
+        <a:font script="Armn" typeface="Arial"/>
+        <a:font script="Bugi" typeface="Leelawadee UI"/>
+        <a:font script="Bopo" typeface="Microsoft JhengHei"/>
+        <a:font script="Java" typeface="Javanese Text"/>
+        <a:font script="Lisu" typeface="Segoe UI"/>
+        <a:font script="Mymr" typeface="Myanmar Text"/>
+        <a:font script="Nkoo" typeface="Ebrima"/>
+        <a:font script="Olck" typeface="Nirmala UI"/>
+        <a:font script="Osma" typeface="Ebrima"/>
+        <a:font script="Phag" typeface="Phagspa"/>
+        <a:font script="Syrn" typeface="Estrangelo Edessa"/>
+        <a:font script="Syrj" typeface="Estrangelo Edessa"/>
+        <a:font script="Syre" typeface="Estrangelo Edessa"/>
+        <a:font script="Sora" typeface="Nirmala UI"/>
+        <a:font script="Tale" typeface="Microsoft Tai Le"/>
+        <a:font script="Talu" typeface="Microsoft New Tai Lue"/>
+        <a:font script="Tfng" typeface="Ebrima"/>
+      </a:majorFont>
+      <a:minorFont>
+        <a:latin typeface="Calibri" panose="020F0502020204030204"/>
+        <a:ea typeface=""/>
+        <a:cs typeface=""/>
+        <a:font script="Jpan" typeface="游ゴシック"/>
+        <a:font script="Hang" typeface="맑은 고딕"/>
+        <a:font script="Hans" typeface="等线"/>
+        <a:font script="Hant" typeface="新細明體"/>
+        <a:font script="Arab" typeface="Arial"/>
+        <a:font script="Hebr" typeface="Arial"/>
+        <a:font script="Thai" typeface="Cordia New"/>
+        <a:font script="Ethi" typeface="Nyala"/>
+        <a:font script="Beng" typeface="Vrinda"/>
+        <a:font script="Gujr" typeface="Shruti"/>
+        <a:font script="Khmr" typeface="DaunPenh"/>
+        <a:font script="Knda" typeface="Tunga"/>
+        <a:font script="Guru" typeface="Raavi"/>
+        <a:font script="Cans" typeface="Euphemia"/>
+        <a:font script="Cher" typeface="Plantagenet Cherokee"/>
+        <a:font script="Yiii" typeface="Microsoft Yi Baiti"/>
+        <a:font script="Tibt" typeface="Microsoft Himalaya"/>
+        <a:font script="Thaa" typeface="MV Boli"/>
+        <a:font script="Deva" typeface="Mangal"/>
+        <a:font script="Telu" typeface="Gautami"/>
+        <a:font script="Taml" typeface="Latha"/>
+        <a:font script="Syrc" typeface="Estrangelo Edessa"/>
+        <a:font script="Orya" typeface="Kalinga"/>
+        <a:font script="Mlym" typeface="Kartika"/>
+        <a:font script="Laoo" typeface="DokChampa"/>
+        <a:font script="Sinh" typeface="Iskoola Pota"/>
+        <a:font script="Mong" typeface="Mongolian Baiti"/>
+        <a:font script="Viet" typeface="Arial"/>
+        <a:font script="Uigh" typeface="Microsoft Uighur"/>
+        <a:font script="Geor" typeface="Sylfaen"/>
+        <a:font script="Armn" typeface="Arial"/>
+        <a:font script="Bugi" typeface="Leelawadee UI"/>
+        <a:font script="Bopo" typeface="Microsoft JhengHei"/>
+        <a:font script="Java" typeface="Javanese Text"/>
+        <a:font script="Lisu" typeface="Segoe UI"/>
+        <a:font script="Mymr" typeface="Myanmar Text"/>
+        <a:font script="Nkoo" typeface="Ebrima"/>
+        <a:font script="Olck" typeface="Nirmala UI"/>
+        <a:font script="Osma" typeface="Ebrima"/>
+        <a:font script="Phag" typeface="Phagspa"/>
+        <a:font script="Syrn" typeface="Estrangelo Edessa"/>
+        <a:font script="Syrj" typeface="Estrangelo Edessa"/>
+        <a:font script="Syre" typeface="Estrangelo Edessa"/>
+        <a:font script="Sora" typeface="Nirmala UI"/>
+        <a:font script="Tale" typeface="Microsoft Tai Le"/>
+        <a:font script="Talu" typeface="Microsoft New Tai Lue"/>
+        <a:font script="Tfng" typeface="Ebrima"/>
+      </a:minorFont>
+    </a:fontScheme>
+    <a:fmtScheme name="Office">
+      <a:fillStyleLst>
+        <a:solidFill>
+          <a:schemeClr val="phClr"/>
+        </a:solidFill>
+        <a:gradFill rotWithShape="1">
+          <a:gsLst>
+            <a:gs pos="0">
+              <a:schemeClr val="phClr">
+                <a:lumMod val="110000"/>
+                <a:satMod val="105000"/>
+                <a:tint val="67000"/>
+              </a:schemeClr>
+            </a:gs>
+            <a:gs pos="50000">
+              <a:schemeClr val="phClr">
+                <a:lumMod val="105000"/>
+                <a:satMod val="103000"/>
+                <a:tint val="73000"/>
+              </a:schemeClr>
+            </a:gs>
+            <a:gs pos="100000">
+              <a:schemeClr val="phClr">
+                <a:lumMod val="105000"/>
+                <a:satMod val="109000"/>
+                <a:tint val="81000"/>
+              </a:schemeClr>
+            </a:gs>
+          </a:gsLst>
+          <a:lin ang="5400000" scaled="0"/>
+        </a:gradFill>
+        <a:gradFill rotWithShape="1">
+          <a:gsLst>
+            <a:gs pos="0">
+              <a:schemeClr val="phClr">
+                <a:satMod val="103000"/>
+                <a:lumMod val="102000"/>
+                <a:tint val="94000"/>
+              </a:schemeClr>
+            </a:gs>
+            <a:gs pos="50000">
+              <a:schemeClr val="phClr">
+                <a:satMod val="110000"/>
+                <a:lumMod val="100000"/>
+                <a:shade val="100000"/>
+              </a:schemeClr>
+            </a:gs>
+            <a:gs pos="100000">
+              <a:schemeClr val="phClr">
+                <a:lumMod val="99000"/>
+                <a:satMod val="120000"/>
+                <a:shade val="78000"/>
+              </a:schemeClr>
+            </a:gs>
+          </a:gsLst>
+          <a:lin ang="5400000" scaled="0"/>
+        </a:gradFill>
+      </a:fillStyleLst>
+      <a:lnStyleLst>
+        <a:ln w="6350" cap="flat" cmpd="sng" algn="ctr">
+          <a:solidFill>
+            <a:schemeClr val="phClr"/>
+          </a:solidFill>
+          <a:prstDash val="solid"/>
+          <a:miter lim="800000"/>
+        </a:ln>
+        <a:ln w="12700" cap="flat" cmpd="sng" algn="ctr">
+          <a:solidFill>
+            <a:schemeClr val="phClr"/>
+          </a:solidFill>
+          <a:prstDash val="solid"/>
+          <a:miter lim="800000"/>
+        </a:ln>
+        <a:ln w="19050" cap="flat" cmpd="sng" algn="ctr">
+          <a:solidFill>
+            <a:schemeClr val="phClr"/>
+          </a:solidFill>
+          <a:prstDash val="solid"/>
+          <a:miter lim="800000"/>
+        </a:ln>
+      </a:lnStyleLst>
+      <a:effectStyleLst>
+        <a:effectStyle>
+          <a:effectLst/>
+        </a:effectStyle>
+        <a:effectStyle>
+          <a:effectLst/>
+        </a:effectStyle>
+        <a:effectStyle>
+          <a:effectLst>
+            <a:outerShdw blurRad="57150" dist="19050" dir="5400000" algn="ctr" rotWithShape="0">
+              <a:srgbClr val="000000">
+                <a:alpha val="63000"/>
+              </a:srgbClr>
+            </a:outerShdw>
+          </a:effectLst>
+        </a:effectStyle>
+      </a:effectStyleLst>
+      <a:bgFillStyleLst>
+        <a:solidFill>
+          <a:schemeClr val="phClr"/>
+        </a:solidFill>
+        <a:solidFill>
+          <a:schemeClr val="phClr">
+            <a:tint val="95000"/>
+            <a:satMod val="170000"/>
+          </a:schemeClr>
+        </a:solidFill>
+        <a:gradFill rotWithShape="1">
+          <a:gsLst>
+            <a:gs pos="0">
+              <a:schemeClr val="phClr">
+                <a:tint val="93000"/>
+                <a:satMod val="150000"/>
+                <a:shade val="98000"/>
+                <a:lumMod val="102000"/>
+              </a:schemeClr>
+            </a:gs>
+            <a:gs pos="50000">
+              <a:schemeClr val="phClr">
+                <a:tint val="98000"/>
+                <a:satMod val="130000"/>
+                <a:shade val="90000"/>
+                <a:lumMod val="103000"/>
+              </a:schemeClr>
+            </a:gs>
+            <a:gs pos="100000">
+              <a:schemeClr val="phClr">
+                <a:shade val="63000"/>
+                <a:satMod val="120000"/>
+              </a:schemeClr>
+            </a:gs>
+          </a:gsLst>
+          <a:lin ang="5400000" scaled="0"/>
+        </a:gradFill>
+      </a:bgFillStyleLst>
+    </a:fmtScheme>
+  </a:themeElements>
+  <a:objectDefaults/>
+  <a:extraClrSchemeLst/>
+  <a:extLst>
+    <a:ext uri="{05A4C25C-085E-4340-85A3-A5531E510DB2}">
+      <thm15:themeFamily xmlns:thm15="http://schemas.microsoft.com/office/thememl/2012/main" name="Office Theme" id="{62F939B6-93AF-4DB8-9C6B-D6C7DFDC589F}" vid="{4A3C46E8-61CC-4603-A589-7422A47A8E4A}"/>
+    </a:ext>
+  </a:extLst>
+</a:theme>
 </file>